--- a/Presentacion_Data_Compass.pptx
+++ b/Presentacion_Data_Compass.pptx
@@ -6,20 +6,19 @@
     <p:sldMasterId id="2147483660" r:id="rId5"/>
   </p:sldMasterIdLst>
   <p:notesMasterIdLst>
-    <p:notesMasterId r:id="rId12"/>
+    <p:notesMasterId r:id="rId11"/>
   </p:notesMasterIdLst>
   <p:sldIdLst>
     <p:sldId id="258" r:id="rId6"/>
     <p:sldId id="261" r:id="rId7"/>
     <p:sldId id="260" r:id="rId8"/>
     <p:sldId id="256" r:id="rId9"/>
-    <p:sldId id="259" r:id="rId10"/>
-    <p:sldId id="264" r:id="rId11"/>
+    <p:sldId id="264" r:id="rId10"/>
   </p:sldIdLst>
   <p:sldSz cx="12192000" cy="6858000"/>
   <p:notesSz cx="6858000" cy="9144000"/>
   <p:custDataLst>
-    <p:tags r:id="rId13"/>
+    <p:tags r:id="rId12"/>
   </p:custDataLst>
   <p:defaultTextStyle>
     <a:defPPr>
@@ -127,759 +126,326 @@
 <file path=ppt/revisionInfo.xml><?xml version="1.0" encoding="utf-8"?>
 <p1510:revInfo xmlns:a="http://schemas.openxmlformats.org/drawingml/2006/main" xmlns:r="http://schemas.openxmlformats.org/officeDocument/2006/relationships" xmlns:p1510="http://schemas.microsoft.com/office/powerpoint/2015/10/main">
   <p1510:revLst>
-    <p1510:client id="{87BC108F-2AB8-48DA-AB49-F9E86BDDFE2F}" v="6" dt="2018-08-08T09:06:44.784"/>
+    <p1510:client id="{B7D9F617-33B6-44E9-ABC5-B58DDB4FBF0B}" v="105" dt="2024-06-12T02:08:47.888"/>
   </p1510:revLst>
 </p1510:revInfo>
 </file>
 
-<file path=ppt/diagrams/colors1.xml><?xml version="1.0" encoding="utf-8"?>
-<dgm:colorsDef xmlns:dgm="http://schemas.openxmlformats.org/drawingml/2006/diagram" xmlns:a="http://schemas.openxmlformats.org/drawingml/2006/main" uniqueId="urn:microsoft.com/office/officeart/2005/8/colors/accent1_2">
-  <dgm:title val=""/>
-  <dgm:desc val=""/>
-  <dgm:catLst>
-    <dgm:cat type="accent1" pri="11200"/>
-  </dgm:catLst>
-  <dgm:styleLbl name="node0">
-    <dgm:fillClrLst meth="repeat">
-      <a:schemeClr val="accent1"/>
-    </dgm:fillClrLst>
-    <dgm:linClrLst meth="repeat">
-      <a:schemeClr val="lt1"/>
-    </dgm:linClrLst>
-    <dgm:effectClrLst/>
-    <dgm:txLinClrLst/>
-    <dgm:txFillClrLst/>
-    <dgm:txEffectClrLst/>
-  </dgm:styleLbl>
-  <dgm:styleLbl name="alignNode1">
-    <dgm:fillClrLst meth="repeat">
-      <a:schemeClr val="accent1"/>
-    </dgm:fillClrLst>
-    <dgm:linClrLst meth="repeat">
-      <a:schemeClr val="accent1"/>
-    </dgm:linClrLst>
-    <dgm:effectClrLst/>
-    <dgm:txLinClrLst/>
-    <dgm:txFillClrLst/>
-    <dgm:txEffectClrLst/>
-  </dgm:styleLbl>
-  <dgm:styleLbl name="node1">
-    <dgm:fillClrLst meth="repeat">
-      <a:schemeClr val="accent1"/>
-    </dgm:fillClrLst>
-    <dgm:linClrLst meth="repeat">
-      <a:schemeClr val="lt1"/>
-    </dgm:linClrLst>
-    <dgm:effectClrLst/>
-    <dgm:txLinClrLst/>
-    <dgm:txFillClrLst/>
-    <dgm:txEffectClrLst/>
-  </dgm:styleLbl>
-  <dgm:styleLbl name="lnNode1">
-    <dgm:fillClrLst meth="repeat">
-      <a:schemeClr val="accent1"/>
-    </dgm:fillClrLst>
-    <dgm:linClrLst meth="repeat">
-      <a:schemeClr val="lt1"/>
-    </dgm:linClrLst>
-    <dgm:effectClrLst/>
-    <dgm:txLinClrLst/>
-    <dgm:txFillClrLst/>
-    <dgm:txEffectClrLst/>
-  </dgm:styleLbl>
-  <dgm:styleLbl name="vennNode1">
-    <dgm:fillClrLst meth="repeat">
-      <a:schemeClr val="accent1">
-        <a:alpha val="50000"/>
-      </a:schemeClr>
-    </dgm:fillClrLst>
-    <dgm:linClrLst meth="repeat">
-      <a:schemeClr val="lt1"/>
-    </dgm:linClrLst>
-    <dgm:effectClrLst/>
-    <dgm:txLinClrLst/>
-    <dgm:txFillClrLst/>
-    <dgm:txEffectClrLst/>
-  </dgm:styleLbl>
-  <dgm:styleLbl name="node2">
-    <dgm:fillClrLst meth="repeat">
-      <a:schemeClr val="accent1"/>
-    </dgm:fillClrLst>
-    <dgm:linClrLst meth="repeat">
-      <a:schemeClr val="lt1"/>
-    </dgm:linClrLst>
-    <dgm:effectClrLst/>
-    <dgm:txLinClrLst/>
-    <dgm:txFillClrLst/>
-    <dgm:txEffectClrLst/>
-  </dgm:styleLbl>
-  <dgm:styleLbl name="node3">
-    <dgm:fillClrLst meth="repeat">
-      <a:schemeClr val="accent1"/>
-    </dgm:fillClrLst>
-    <dgm:linClrLst meth="repeat">
-      <a:schemeClr val="lt1"/>
-    </dgm:linClrLst>
-    <dgm:effectClrLst/>
-    <dgm:txLinClrLst/>
-    <dgm:txFillClrLst/>
-    <dgm:txEffectClrLst/>
-  </dgm:styleLbl>
-  <dgm:styleLbl name="node4">
-    <dgm:fillClrLst meth="repeat">
-      <a:schemeClr val="accent1"/>
-    </dgm:fillClrLst>
-    <dgm:linClrLst meth="repeat">
-      <a:schemeClr val="lt1"/>
-    </dgm:linClrLst>
-    <dgm:effectClrLst/>
-    <dgm:txLinClrLst/>
-    <dgm:txFillClrLst/>
-    <dgm:txEffectClrLst/>
-  </dgm:styleLbl>
-  <dgm:styleLbl name="fgImgPlace1">
-    <dgm:fillClrLst meth="repeat">
-      <a:schemeClr val="accent1">
-        <a:tint val="50000"/>
-      </a:schemeClr>
-    </dgm:fillClrLst>
-    <dgm:linClrLst meth="repeat">
-      <a:schemeClr val="lt1"/>
-    </dgm:linClrLst>
-    <dgm:effectClrLst/>
-    <dgm:txLinClrLst/>
-    <dgm:txFillClrLst meth="repeat">
-      <a:schemeClr val="lt1"/>
-    </dgm:txFillClrLst>
-    <dgm:txEffectClrLst/>
-  </dgm:styleLbl>
-  <dgm:styleLbl name="alignImgPlace1">
-    <dgm:fillClrLst meth="repeat">
-      <a:schemeClr val="accent1">
-        <a:tint val="50000"/>
-      </a:schemeClr>
-    </dgm:fillClrLst>
-    <dgm:linClrLst meth="repeat">
-      <a:schemeClr val="lt1"/>
-    </dgm:linClrLst>
-    <dgm:effectClrLst/>
-    <dgm:txLinClrLst/>
-    <dgm:txFillClrLst meth="repeat">
-      <a:schemeClr val="lt1"/>
-    </dgm:txFillClrLst>
-    <dgm:txEffectClrLst/>
-  </dgm:styleLbl>
-  <dgm:styleLbl name="bgImgPlace1">
-    <dgm:fillClrLst meth="repeat">
-      <a:schemeClr val="accent1">
-        <a:tint val="50000"/>
-      </a:schemeClr>
-    </dgm:fillClrLst>
-    <dgm:linClrLst meth="repeat">
-      <a:schemeClr val="lt1"/>
-    </dgm:linClrLst>
-    <dgm:effectClrLst/>
-    <dgm:txLinClrLst/>
-    <dgm:txFillClrLst meth="repeat">
-      <a:schemeClr val="lt1"/>
-    </dgm:txFillClrLst>
-    <dgm:txEffectClrLst/>
-  </dgm:styleLbl>
-  <dgm:styleLbl name="sibTrans2D1">
-    <dgm:fillClrLst meth="repeat">
-      <a:schemeClr val="accent1">
-        <a:tint val="60000"/>
-      </a:schemeClr>
-    </dgm:fillClrLst>
-    <dgm:linClrLst meth="repeat">
-      <a:schemeClr val="accent1">
-        <a:tint val="60000"/>
-      </a:schemeClr>
-    </dgm:linClrLst>
-    <dgm:effectClrLst/>
-    <dgm:txLinClrLst/>
-    <dgm:txFillClrLst/>
-    <dgm:txEffectClrLst/>
-  </dgm:styleLbl>
-  <dgm:styleLbl name="fgSibTrans2D1">
-    <dgm:fillClrLst meth="repeat">
-      <a:schemeClr val="accent1">
-        <a:tint val="60000"/>
-      </a:schemeClr>
-    </dgm:fillClrLst>
-    <dgm:linClrLst meth="repeat">
-      <a:schemeClr val="accent1">
-        <a:tint val="60000"/>
-      </a:schemeClr>
-    </dgm:linClrLst>
-    <dgm:effectClrLst/>
-    <dgm:txLinClrLst/>
-    <dgm:txFillClrLst/>
-    <dgm:txEffectClrLst/>
-  </dgm:styleLbl>
-  <dgm:styleLbl name="bgSibTrans2D1">
-    <dgm:fillClrLst meth="repeat">
-      <a:schemeClr val="accent1">
-        <a:tint val="60000"/>
-      </a:schemeClr>
-    </dgm:fillClrLst>
-    <dgm:linClrLst meth="repeat">
-      <a:schemeClr val="accent1">
-        <a:tint val="60000"/>
-      </a:schemeClr>
-    </dgm:linClrLst>
-    <dgm:effectClrLst/>
-    <dgm:txLinClrLst/>
-    <dgm:txFillClrLst/>
-    <dgm:txEffectClrLst/>
-  </dgm:styleLbl>
-  <dgm:styleLbl name="sibTrans1D1">
-    <dgm:fillClrLst meth="repeat">
-      <a:schemeClr val="accent1"/>
-    </dgm:fillClrLst>
-    <dgm:linClrLst meth="repeat">
-      <a:schemeClr val="accent1"/>
-    </dgm:linClrLst>
-    <dgm:effectClrLst/>
-    <dgm:txLinClrLst/>
-    <dgm:txFillClrLst meth="repeat">
-      <a:schemeClr val="tx1"/>
-    </dgm:txFillClrLst>
-    <dgm:txEffectClrLst/>
-  </dgm:styleLbl>
-  <dgm:styleLbl name="callout">
-    <dgm:fillClrLst meth="repeat">
-      <a:schemeClr val="accent1"/>
-    </dgm:fillClrLst>
-    <dgm:linClrLst meth="repeat">
-      <a:schemeClr val="accent1">
-        <a:tint val="50000"/>
-      </a:schemeClr>
-    </dgm:linClrLst>
-    <dgm:effectClrLst/>
-    <dgm:txLinClrLst/>
-    <dgm:txFillClrLst meth="repeat">
-      <a:schemeClr val="tx1"/>
-    </dgm:txFillClrLst>
-    <dgm:txEffectClrLst/>
-  </dgm:styleLbl>
-  <dgm:styleLbl name="asst0">
-    <dgm:fillClrLst meth="repeat">
-      <a:schemeClr val="accent1"/>
-    </dgm:fillClrLst>
-    <dgm:linClrLst meth="repeat">
-      <a:schemeClr val="lt1"/>
-    </dgm:linClrLst>
-    <dgm:effectClrLst/>
-    <dgm:txLinClrLst/>
-    <dgm:txFillClrLst/>
-    <dgm:txEffectClrLst/>
-  </dgm:styleLbl>
-  <dgm:styleLbl name="asst1">
-    <dgm:fillClrLst meth="repeat">
-      <a:schemeClr val="accent1"/>
-    </dgm:fillClrLst>
-    <dgm:linClrLst meth="repeat">
-      <a:schemeClr val="lt1"/>
-    </dgm:linClrLst>
-    <dgm:effectClrLst/>
-    <dgm:txLinClrLst/>
-    <dgm:txFillClrLst/>
-    <dgm:txEffectClrLst/>
-  </dgm:styleLbl>
-  <dgm:styleLbl name="asst2">
-    <dgm:fillClrLst meth="repeat">
-      <a:schemeClr val="accent1"/>
-    </dgm:fillClrLst>
-    <dgm:linClrLst meth="repeat">
-      <a:schemeClr val="lt1"/>
-    </dgm:linClrLst>
-    <dgm:effectClrLst/>
-    <dgm:txLinClrLst/>
-    <dgm:txFillClrLst/>
-    <dgm:txEffectClrLst/>
-  </dgm:styleLbl>
-  <dgm:styleLbl name="asst3">
-    <dgm:fillClrLst meth="repeat">
-      <a:schemeClr val="accent1"/>
-    </dgm:fillClrLst>
-    <dgm:linClrLst meth="repeat">
-      <a:schemeClr val="lt1"/>
-    </dgm:linClrLst>
-    <dgm:effectClrLst/>
-    <dgm:txLinClrLst/>
-    <dgm:txFillClrLst/>
-    <dgm:txEffectClrLst/>
-  </dgm:styleLbl>
-  <dgm:styleLbl name="asst4">
-    <dgm:fillClrLst meth="repeat">
-      <a:schemeClr val="accent1"/>
-    </dgm:fillClrLst>
-    <dgm:linClrLst meth="repeat">
-      <a:schemeClr val="lt1"/>
-    </dgm:linClrLst>
-    <dgm:effectClrLst/>
-    <dgm:txLinClrLst/>
-    <dgm:txFillClrLst/>
-    <dgm:txEffectClrLst/>
-  </dgm:styleLbl>
-  <dgm:styleLbl name="parChTrans2D1">
-    <dgm:fillClrLst meth="repeat">
-      <a:schemeClr val="accent1">
-        <a:tint val="60000"/>
-      </a:schemeClr>
-    </dgm:fillClrLst>
-    <dgm:linClrLst meth="repeat">
-      <a:schemeClr val="accent1">
-        <a:tint val="60000"/>
-      </a:schemeClr>
-    </dgm:linClrLst>
-    <dgm:effectClrLst/>
-    <dgm:txLinClrLst/>
-    <dgm:txFillClrLst meth="repeat">
-      <a:schemeClr val="lt1"/>
-    </dgm:txFillClrLst>
-    <dgm:txEffectClrLst/>
-  </dgm:styleLbl>
-  <dgm:styleLbl name="parChTrans2D2">
-    <dgm:fillClrLst meth="repeat">
-      <a:schemeClr val="accent1"/>
-    </dgm:fillClrLst>
-    <dgm:linClrLst meth="repeat">
-      <a:schemeClr val="accent1"/>
-    </dgm:linClrLst>
-    <dgm:effectClrLst/>
-    <dgm:txLinClrLst/>
-    <dgm:txFillClrLst meth="repeat">
-      <a:schemeClr val="lt1"/>
-    </dgm:txFillClrLst>
-    <dgm:txEffectClrLst/>
-  </dgm:styleLbl>
-  <dgm:styleLbl name="parChTrans2D3">
-    <dgm:fillClrLst meth="repeat">
-      <a:schemeClr val="accent1"/>
-    </dgm:fillClrLst>
-    <dgm:linClrLst meth="repeat">
-      <a:schemeClr val="accent1"/>
-    </dgm:linClrLst>
-    <dgm:effectClrLst/>
-    <dgm:txLinClrLst/>
-    <dgm:txFillClrLst meth="repeat">
-      <a:schemeClr val="lt1"/>
-    </dgm:txFillClrLst>
-    <dgm:txEffectClrLst/>
-  </dgm:styleLbl>
-  <dgm:styleLbl name="parChTrans2D4">
-    <dgm:fillClrLst meth="repeat">
-      <a:schemeClr val="accent1"/>
-    </dgm:fillClrLst>
-    <dgm:linClrLst meth="repeat">
-      <a:schemeClr val="accent1"/>
-    </dgm:linClrLst>
-    <dgm:effectClrLst/>
-    <dgm:txLinClrLst/>
-    <dgm:txFillClrLst meth="repeat">
-      <a:schemeClr val="lt1"/>
-    </dgm:txFillClrLst>
-    <dgm:txEffectClrLst/>
-  </dgm:styleLbl>
-  <dgm:styleLbl name="parChTrans1D1">
-    <dgm:fillClrLst meth="repeat">
-      <a:schemeClr val="accent1"/>
-    </dgm:fillClrLst>
-    <dgm:linClrLst meth="repeat">
-      <a:schemeClr val="accent1">
-        <a:shade val="60000"/>
-      </a:schemeClr>
-    </dgm:linClrLst>
-    <dgm:effectClrLst/>
-    <dgm:txLinClrLst/>
-    <dgm:txFillClrLst meth="repeat">
-      <a:schemeClr val="tx1"/>
-    </dgm:txFillClrLst>
-    <dgm:txEffectClrLst/>
-  </dgm:styleLbl>
-  <dgm:styleLbl name="parChTrans1D2">
-    <dgm:fillClrLst meth="repeat">
-      <a:schemeClr val="accent1"/>
-    </dgm:fillClrLst>
-    <dgm:linClrLst meth="repeat">
-      <a:schemeClr val="accent1">
-        <a:shade val="60000"/>
-      </a:schemeClr>
-    </dgm:linClrLst>
-    <dgm:effectClrLst/>
-    <dgm:txLinClrLst/>
-    <dgm:txFillClrLst meth="repeat">
-      <a:schemeClr val="tx1"/>
-    </dgm:txFillClrLst>
-    <dgm:txEffectClrLst/>
-  </dgm:styleLbl>
-  <dgm:styleLbl name="parChTrans1D3">
-    <dgm:fillClrLst meth="repeat">
-      <a:schemeClr val="accent1"/>
-    </dgm:fillClrLst>
-    <dgm:linClrLst meth="repeat">
-      <a:schemeClr val="accent1">
-        <a:shade val="80000"/>
-      </a:schemeClr>
-    </dgm:linClrLst>
-    <dgm:effectClrLst/>
-    <dgm:txLinClrLst/>
-    <dgm:txFillClrLst meth="repeat">
-      <a:schemeClr val="tx1"/>
-    </dgm:txFillClrLst>
-    <dgm:txEffectClrLst/>
-  </dgm:styleLbl>
-  <dgm:styleLbl name="parChTrans1D4">
-    <dgm:fillClrLst meth="repeat">
-      <a:schemeClr val="accent1"/>
-    </dgm:fillClrLst>
-    <dgm:linClrLst meth="repeat">
-      <a:schemeClr val="accent1">
-        <a:shade val="80000"/>
-      </a:schemeClr>
-    </dgm:linClrLst>
-    <dgm:effectClrLst/>
-    <dgm:txLinClrLst/>
-    <dgm:txFillClrLst meth="repeat">
-      <a:schemeClr val="tx1"/>
-    </dgm:txFillClrLst>
-    <dgm:txEffectClrLst/>
-  </dgm:styleLbl>
-  <dgm:styleLbl name="fgAcc1">
-    <dgm:fillClrLst meth="repeat">
-      <a:schemeClr val="lt1">
-        <a:alpha val="90000"/>
-      </a:schemeClr>
-    </dgm:fillClrLst>
-    <dgm:linClrLst meth="repeat">
-      <a:schemeClr val="accent1"/>
-    </dgm:linClrLst>
-    <dgm:effectClrLst/>
-    <dgm:txLinClrLst/>
-    <dgm:txFillClrLst meth="repeat">
-      <a:schemeClr val="dk1"/>
-    </dgm:txFillClrLst>
-    <dgm:txEffectClrLst/>
-  </dgm:styleLbl>
-  <dgm:styleLbl name="conFgAcc1">
-    <dgm:fillClrLst meth="repeat">
-      <a:schemeClr val="lt1">
-        <a:alpha val="90000"/>
-      </a:schemeClr>
-    </dgm:fillClrLst>
-    <dgm:linClrLst meth="repeat">
-      <a:schemeClr val="accent1"/>
-    </dgm:linClrLst>
-    <dgm:effectClrLst/>
-    <dgm:txLinClrLst/>
-    <dgm:txFillClrLst meth="repeat">
-      <a:schemeClr val="dk1"/>
-    </dgm:txFillClrLst>
-    <dgm:txEffectClrLst/>
-  </dgm:styleLbl>
-  <dgm:styleLbl name="alignAcc1">
-    <dgm:fillClrLst meth="repeat">
-      <a:schemeClr val="lt1">
-        <a:alpha val="90000"/>
-      </a:schemeClr>
-    </dgm:fillClrLst>
-    <dgm:linClrLst meth="repeat">
-      <a:schemeClr val="accent1"/>
-    </dgm:linClrLst>
-    <dgm:effectClrLst/>
-    <dgm:txLinClrLst/>
-    <dgm:txFillClrLst meth="repeat">
-      <a:schemeClr val="dk1"/>
-    </dgm:txFillClrLst>
-    <dgm:txEffectClrLst/>
-  </dgm:styleLbl>
-  <dgm:styleLbl name="trAlignAcc1">
-    <dgm:fillClrLst meth="repeat">
-      <a:schemeClr val="lt1">
-        <a:alpha val="40000"/>
-      </a:schemeClr>
-    </dgm:fillClrLst>
-    <dgm:linClrLst meth="repeat">
-      <a:schemeClr val="accent1"/>
-    </dgm:linClrLst>
-    <dgm:effectClrLst/>
-    <dgm:txLinClrLst/>
-    <dgm:txFillClrLst meth="repeat">
-      <a:schemeClr val="dk1"/>
-    </dgm:txFillClrLst>
-    <dgm:txEffectClrLst/>
-  </dgm:styleLbl>
-  <dgm:styleLbl name="bgAcc1">
-    <dgm:fillClrLst meth="repeat">
-      <a:schemeClr val="lt1">
-        <a:alpha val="90000"/>
-      </a:schemeClr>
-    </dgm:fillClrLst>
-    <dgm:linClrLst meth="repeat">
-      <a:schemeClr val="accent1"/>
-    </dgm:linClrLst>
-    <dgm:effectClrLst/>
-    <dgm:txLinClrLst/>
-    <dgm:txFillClrLst meth="repeat">
-      <a:schemeClr val="dk1"/>
-    </dgm:txFillClrLst>
-    <dgm:txEffectClrLst/>
-  </dgm:styleLbl>
-  <dgm:styleLbl name="solidFgAcc1">
-    <dgm:fillClrLst meth="repeat">
-      <a:schemeClr val="lt1"/>
-    </dgm:fillClrLst>
-    <dgm:linClrLst meth="repeat">
-      <a:schemeClr val="accent1"/>
-    </dgm:linClrLst>
-    <dgm:effectClrLst/>
-    <dgm:txLinClrLst/>
-    <dgm:txFillClrLst meth="repeat">
-      <a:schemeClr val="dk1"/>
-    </dgm:txFillClrLst>
-    <dgm:txEffectClrLst/>
-  </dgm:styleLbl>
-  <dgm:styleLbl name="solidAlignAcc1">
-    <dgm:fillClrLst meth="repeat">
-      <a:schemeClr val="lt1"/>
-    </dgm:fillClrLst>
-    <dgm:linClrLst meth="repeat">
-      <a:schemeClr val="accent1"/>
-    </dgm:linClrLst>
-    <dgm:effectClrLst/>
-    <dgm:txLinClrLst/>
-    <dgm:txFillClrLst meth="repeat">
-      <a:schemeClr val="dk1"/>
-    </dgm:txFillClrLst>
-    <dgm:txEffectClrLst/>
-  </dgm:styleLbl>
-  <dgm:styleLbl name="solidBgAcc1">
-    <dgm:fillClrLst meth="repeat">
-      <a:schemeClr val="lt1"/>
-    </dgm:fillClrLst>
-    <dgm:linClrLst meth="repeat">
-      <a:schemeClr val="accent1"/>
-    </dgm:linClrLst>
-    <dgm:effectClrLst/>
-    <dgm:txLinClrLst/>
-    <dgm:txFillClrLst meth="repeat">
-      <a:schemeClr val="dk1"/>
-    </dgm:txFillClrLst>
-    <dgm:txEffectClrLst/>
-  </dgm:styleLbl>
-  <dgm:styleLbl name="fgAccFollowNode1">
-    <dgm:fillClrLst meth="repeat">
-      <a:schemeClr val="accent1">
-        <a:alpha val="90000"/>
-        <a:tint val="40000"/>
-      </a:schemeClr>
-    </dgm:fillClrLst>
-    <dgm:linClrLst meth="repeat">
-      <a:schemeClr val="accent1">
-        <a:alpha val="90000"/>
-        <a:tint val="40000"/>
-      </a:schemeClr>
-    </dgm:linClrLst>
-    <dgm:effectClrLst/>
-    <dgm:txLinClrLst/>
-    <dgm:txFillClrLst meth="repeat">
-      <a:schemeClr val="dk1"/>
-    </dgm:txFillClrLst>
-    <dgm:txEffectClrLst/>
-  </dgm:styleLbl>
-  <dgm:styleLbl name="alignAccFollowNode1">
-    <dgm:fillClrLst meth="repeat">
-      <a:schemeClr val="accent1">
-        <a:alpha val="90000"/>
-        <a:tint val="40000"/>
-      </a:schemeClr>
-    </dgm:fillClrLst>
-    <dgm:linClrLst meth="repeat">
-      <a:schemeClr val="accent1">
-        <a:alpha val="90000"/>
-        <a:tint val="40000"/>
-      </a:schemeClr>
-    </dgm:linClrLst>
-    <dgm:effectClrLst/>
-    <dgm:txLinClrLst/>
-    <dgm:txFillClrLst meth="repeat">
-      <a:schemeClr val="dk1"/>
-    </dgm:txFillClrLst>
-    <dgm:txEffectClrLst/>
-  </dgm:styleLbl>
-  <dgm:styleLbl name="bgAccFollowNode1">
-    <dgm:fillClrLst meth="repeat">
-      <a:schemeClr val="accent1">
-        <a:alpha val="90000"/>
-        <a:tint val="40000"/>
-      </a:schemeClr>
-    </dgm:fillClrLst>
-    <dgm:linClrLst meth="repeat">
-      <a:schemeClr val="accent1">
-        <a:alpha val="90000"/>
-        <a:tint val="40000"/>
-      </a:schemeClr>
-    </dgm:linClrLst>
-    <dgm:effectClrLst/>
-    <dgm:txLinClrLst/>
-    <dgm:txFillClrLst meth="repeat">
-      <a:schemeClr val="dk1"/>
-    </dgm:txFillClrLst>
-    <dgm:txEffectClrLst/>
-  </dgm:styleLbl>
-  <dgm:styleLbl name="fgAcc0">
-    <dgm:fillClrLst meth="repeat">
-      <a:schemeClr val="lt1">
-        <a:alpha val="90000"/>
-      </a:schemeClr>
-    </dgm:fillClrLst>
-    <dgm:linClrLst meth="repeat">
-      <a:schemeClr val="accent1"/>
-    </dgm:linClrLst>
-    <dgm:effectClrLst/>
-    <dgm:txLinClrLst/>
-    <dgm:txFillClrLst meth="repeat">
-      <a:schemeClr val="dk1"/>
-    </dgm:txFillClrLst>
-    <dgm:txEffectClrLst/>
-  </dgm:styleLbl>
-  <dgm:styleLbl name="fgAcc2">
-    <dgm:fillClrLst meth="repeat">
-      <a:schemeClr val="lt1">
-        <a:alpha val="90000"/>
-      </a:schemeClr>
-    </dgm:fillClrLst>
-    <dgm:linClrLst meth="repeat">
-      <a:schemeClr val="accent1"/>
-    </dgm:linClrLst>
-    <dgm:effectClrLst/>
-    <dgm:txLinClrLst/>
-    <dgm:txFillClrLst meth="repeat">
-      <a:schemeClr val="dk1"/>
-    </dgm:txFillClrLst>
-    <dgm:txEffectClrLst/>
-  </dgm:styleLbl>
-  <dgm:styleLbl name="fgAcc3">
-    <dgm:fillClrLst meth="repeat">
-      <a:schemeClr val="lt1">
-        <a:alpha val="90000"/>
-      </a:schemeClr>
-    </dgm:fillClrLst>
-    <dgm:linClrLst meth="repeat">
-      <a:schemeClr val="accent1"/>
-    </dgm:linClrLst>
-    <dgm:effectClrLst/>
-    <dgm:txLinClrLst/>
-    <dgm:txFillClrLst meth="repeat">
-      <a:schemeClr val="dk1"/>
-    </dgm:txFillClrLst>
-    <dgm:txEffectClrLst/>
-  </dgm:styleLbl>
-  <dgm:styleLbl name="fgAcc4">
-    <dgm:fillClrLst meth="repeat">
-      <a:schemeClr val="lt1">
-        <a:alpha val="90000"/>
-      </a:schemeClr>
-    </dgm:fillClrLst>
-    <dgm:linClrLst meth="repeat">
-      <a:schemeClr val="accent1"/>
-    </dgm:linClrLst>
-    <dgm:effectClrLst/>
-    <dgm:txLinClrLst/>
-    <dgm:txFillClrLst meth="repeat">
-      <a:schemeClr val="dk1"/>
-    </dgm:txFillClrLst>
-    <dgm:txEffectClrLst/>
-  </dgm:styleLbl>
-  <dgm:styleLbl name="bgShp">
-    <dgm:fillClrLst meth="repeat">
-      <a:schemeClr val="accent1">
-        <a:tint val="40000"/>
-      </a:schemeClr>
-    </dgm:fillClrLst>
-    <dgm:linClrLst meth="repeat">
-      <a:schemeClr val="accent1"/>
-    </dgm:linClrLst>
-    <dgm:effectClrLst/>
-    <dgm:txLinClrLst/>
-    <dgm:txFillClrLst meth="repeat">
-      <a:schemeClr val="dk1"/>
-    </dgm:txFillClrLst>
-    <dgm:txEffectClrLst/>
-  </dgm:styleLbl>
-  <dgm:styleLbl name="dkBgShp">
-    <dgm:fillClrLst meth="repeat">
-      <a:schemeClr val="accent1">
-        <a:shade val="80000"/>
-      </a:schemeClr>
-    </dgm:fillClrLst>
-    <dgm:linClrLst meth="repeat">
-      <a:schemeClr val="accent1"/>
-    </dgm:linClrLst>
-    <dgm:effectClrLst/>
-    <dgm:txLinClrLst/>
-    <dgm:txFillClrLst meth="repeat">
-      <a:schemeClr val="lt1"/>
-    </dgm:txFillClrLst>
-    <dgm:txEffectClrLst/>
-  </dgm:styleLbl>
-  <dgm:styleLbl name="trBgShp">
-    <dgm:fillClrLst meth="repeat">
-      <a:schemeClr val="accent1">
-        <a:tint val="50000"/>
-        <a:alpha val="40000"/>
-      </a:schemeClr>
-    </dgm:fillClrLst>
-    <dgm:linClrLst meth="repeat">
-      <a:schemeClr val="accent1"/>
-    </dgm:linClrLst>
-    <dgm:effectClrLst/>
-    <dgm:txLinClrLst/>
-    <dgm:txFillClrLst meth="repeat">
-      <a:schemeClr val="lt1"/>
-    </dgm:txFillClrLst>
-    <dgm:txEffectClrLst/>
-  </dgm:styleLbl>
-  <dgm:styleLbl name="fgShp">
-    <dgm:fillClrLst meth="repeat">
-      <a:schemeClr val="accent1">
-        <a:tint val="60000"/>
-      </a:schemeClr>
-    </dgm:fillClrLst>
-    <dgm:linClrLst meth="repeat">
-      <a:schemeClr val="lt1"/>
-    </dgm:linClrLst>
-    <dgm:effectClrLst/>
-    <dgm:txLinClrLst/>
-    <dgm:txFillClrLst meth="repeat">
-      <a:schemeClr val="dk1"/>
-    </dgm:txFillClrLst>
-    <dgm:txEffectClrLst/>
-  </dgm:styleLbl>
-  <dgm:styleLbl name="revTx">
-    <dgm:fillClrLst meth="repeat">
-      <a:schemeClr val="lt1">
-        <a:alpha val="0"/>
-      </a:schemeClr>
-    </dgm:fillClrLst>
-    <dgm:linClrLst meth="repeat">
-      <a:schemeClr val="dk1">
-        <a:alpha val="0"/>
-      </a:schemeClr>
-    </dgm:linClrLst>
-    <dgm:effectClrLst/>
-    <dgm:txLinClrLst/>
-    <dgm:txFillClrLst meth="repeat">
-      <a:schemeClr val="tx1"/>
-    </dgm:txFillClrLst>
-    <dgm:txEffectClrLst/>
-  </dgm:styleLbl>
-</dgm:colorsDef>
+<file path=ppt/changesInfos/changesInfo1.xml><?xml version="1.0" encoding="utf-8"?>
+<pc:chgInfo xmlns:a="http://schemas.openxmlformats.org/drawingml/2006/main" xmlns:r="http://schemas.openxmlformats.org/officeDocument/2006/relationships" xmlns:ac="http://schemas.microsoft.com/office/drawing/2013/main/command" xmlns:pc="http://schemas.microsoft.com/office/powerpoint/2013/main/command">
+  <pc:docChgLst>
+    <pc:chgData name="Agustín Rizzo" userId="3299274c81c12277" providerId="LiveId" clId="{B7D9F617-33B6-44E9-ABC5-B58DDB4FBF0B}"/>
+    <pc:docChg chg="undo custSel delSld modSld">
+      <pc:chgData name="Agustín Rizzo" userId="3299274c81c12277" providerId="LiveId" clId="{B7D9F617-33B6-44E9-ABC5-B58DDB4FBF0B}" dt="2024-06-12T02:08:54.784" v="268" actId="1076"/>
+      <pc:docMkLst>
+        <pc:docMk/>
+      </pc:docMkLst>
+      <pc:sldChg chg="addSp modSp mod">
+        <pc:chgData name="Agustín Rizzo" userId="3299274c81c12277" providerId="LiveId" clId="{B7D9F617-33B6-44E9-ABC5-B58DDB4FBF0B}" dt="2024-06-12T02:08:54.784" v="268" actId="1076"/>
+        <pc:sldMkLst>
+          <pc:docMk/>
+          <pc:sldMk cId="1443283194" sldId="258"/>
+        </pc:sldMkLst>
+        <pc:spChg chg="add mod">
+          <ac:chgData name="Agustín Rizzo" userId="3299274c81c12277" providerId="LiveId" clId="{B7D9F617-33B6-44E9-ABC5-B58DDB4FBF0B}" dt="2024-06-12T02:08:54.784" v="268" actId="1076"/>
+          <ac:spMkLst>
+            <pc:docMk/>
+            <pc:sldMk cId="1443283194" sldId="258"/>
+            <ac:spMk id="5" creationId="{4A87ED60-18A8-21BD-D8FF-D45C47A250B4}"/>
+          </ac:spMkLst>
+        </pc:spChg>
+        <pc:spChg chg="add mod">
+          <ac:chgData name="Agustín Rizzo" userId="3299274c81c12277" providerId="LiveId" clId="{B7D9F617-33B6-44E9-ABC5-B58DDB4FBF0B}" dt="2024-06-12T02:05:51.067" v="221"/>
+          <ac:spMkLst>
+            <pc:docMk/>
+            <pc:sldMk cId="1443283194" sldId="258"/>
+            <ac:spMk id="6" creationId="{6ED75E7A-3BE9-4A87-1E39-B27D5A86EAF5}"/>
+          </ac:spMkLst>
+        </pc:spChg>
+        <pc:spChg chg="add mod">
+          <ac:chgData name="Agustín Rizzo" userId="3299274c81c12277" providerId="LiveId" clId="{B7D9F617-33B6-44E9-ABC5-B58DDB4FBF0B}" dt="2024-06-12T02:08:38.212" v="266" actId="1076"/>
+          <ac:spMkLst>
+            <pc:docMk/>
+            <pc:sldMk cId="1443283194" sldId="258"/>
+            <ac:spMk id="8" creationId="{90E00C7A-1029-79F7-C407-514BD1B078C7}"/>
+          </ac:spMkLst>
+        </pc:spChg>
+      </pc:sldChg>
+      <pc:sldChg chg="del">
+        <pc:chgData name="Agustín Rizzo" userId="3299274c81c12277" providerId="LiveId" clId="{B7D9F617-33B6-44E9-ABC5-B58DDB4FBF0B}" dt="2024-06-12T01:56:03.800" v="107" actId="47"/>
+        <pc:sldMkLst>
+          <pc:docMk/>
+          <pc:sldMk cId="1023912509" sldId="259"/>
+        </pc:sldMkLst>
+      </pc:sldChg>
+      <pc:sldChg chg="modSp mod">
+        <pc:chgData name="Agustín Rizzo" userId="3299274c81c12277" providerId="LiveId" clId="{B7D9F617-33B6-44E9-ABC5-B58DDB4FBF0B}" dt="2024-06-12T01:55:26.887" v="106" actId="1076"/>
+        <pc:sldMkLst>
+          <pc:docMk/>
+          <pc:sldMk cId="190698668" sldId="260"/>
+        </pc:sldMkLst>
+        <pc:spChg chg="mod">
+          <ac:chgData name="Agustín Rizzo" userId="3299274c81c12277" providerId="LiveId" clId="{B7D9F617-33B6-44E9-ABC5-B58DDB4FBF0B}" dt="2024-06-12T01:55:26.887" v="106" actId="1076"/>
+          <ac:spMkLst>
+            <pc:docMk/>
+            <pc:sldMk cId="190698668" sldId="260"/>
+            <ac:spMk id="16" creationId="{764F0747-9637-D001-64B7-C8E1C3DCA50B}"/>
+          </ac:spMkLst>
+        </pc:spChg>
+        <pc:picChg chg="mod">
+          <ac:chgData name="Agustín Rizzo" userId="3299274c81c12277" providerId="LiveId" clId="{B7D9F617-33B6-44E9-ABC5-B58DDB4FBF0B}" dt="2024-06-12T01:47:53.311" v="52" actId="688"/>
+          <ac:picMkLst>
+            <pc:docMk/>
+            <pc:sldMk cId="190698668" sldId="260"/>
+            <ac:picMk id="20" creationId="{682BB1AF-811E-110D-ADED-88F9B9C6517A}"/>
+          </ac:picMkLst>
+        </pc:picChg>
+        <pc:picChg chg="mod">
+          <ac:chgData name="Agustín Rizzo" userId="3299274c81c12277" providerId="LiveId" clId="{B7D9F617-33B6-44E9-ABC5-B58DDB4FBF0B}" dt="2024-06-12T01:47:49.959" v="51" actId="1037"/>
+          <ac:picMkLst>
+            <pc:docMk/>
+            <pc:sldMk cId="190698668" sldId="260"/>
+            <ac:picMk id="21" creationId="{89DA54EB-DCD6-FE06-FA45-002F25C4145B}"/>
+          </ac:picMkLst>
+        </pc:picChg>
+        <pc:picChg chg="mod">
+          <ac:chgData name="Agustín Rizzo" userId="3299274c81c12277" providerId="LiveId" clId="{B7D9F617-33B6-44E9-ABC5-B58DDB4FBF0B}" dt="2024-06-12T01:47:57.991" v="53" actId="1076"/>
+          <ac:picMkLst>
+            <pc:docMk/>
+            <pc:sldMk cId="190698668" sldId="260"/>
+            <ac:picMk id="22" creationId="{C1D86492-AC69-2125-4A1B-0439EB06635A}"/>
+          </ac:picMkLst>
+        </pc:picChg>
+        <pc:picChg chg="mod">
+          <ac:chgData name="Agustín Rizzo" userId="3299274c81c12277" providerId="LiveId" clId="{B7D9F617-33B6-44E9-ABC5-B58DDB4FBF0B}" dt="2024-06-12T01:48:08.568" v="56" actId="1076"/>
+          <ac:picMkLst>
+            <pc:docMk/>
+            <pc:sldMk cId="190698668" sldId="260"/>
+            <ac:picMk id="23" creationId="{ACF429C8-A3C2-7D54-32A5-9ECD40FC1AB3}"/>
+          </ac:picMkLst>
+        </pc:picChg>
+      </pc:sldChg>
+      <pc:sldChg chg="addSp delSp modSp mod">
+        <pc:chgData name="Agustín Rizzo" userId="3299274c81c12277" providerId="LiveId" clId="{B7D9F617-33B6-44E9-ABC5-B58DDB4FBF0B}" dt="2024-06-12T02:04:25.123" v="152" actId="20577"/>
+        <pc:sldMkLst>
+          <pc:docMk/>
+          <pc:sldMk cId="3896974767" sldId="261"/>
+        </pc:sldMkLst>
+        <pc:spChg chg="mod">
+          <ac:chgData name="Agustín Rizzo" userId="3299274c81c12277" providerId="LiveId" clId="{B7D9F617-33B6-44E9-ABC5-B58DDB4FBF0B}" dt="2024-06-12T01:59:19.314" v="122" actId="115"/>
+          <ac:spMkLst>
+            <pc:docMk/>
+            <pc:sldMk cId="3896974767" sldId="261"/>
+            <ac:spMk id="4" creationId="{4FF2C211-BCA6-F53B-F141-8747DD7209CA}"/>
+          </ac:spMkLst>
+        </pc:spChg>
+        <pc:spChg chg="mod">
+          <ac:chgData name="Agustín Rizzo" userId="3299274c81c12277" providerId="LiveId" clId="{B7D9F617-33B6-44E9-ABC5-B58DDB4FBF0B}" dt="2024-06-12T01:58:23.798" v="118" actId="113"/>
+          <ac:spMkLst>
+            <pc:docMk/>
+            <pc:sldMk cId="3896974767" sldId="261"/>
+            <ac:spMk id="8" creationId="{7FE5978B-F6BC-05B0-4213-A67026650E71}"/>
+          </ac:spMkLst>
+        </pc:spChg>
+        <pc:spChg chg="mod">
+          <ac:chgData name="Agustín Rizzo" userId="3299274c81c12277" providerId="LiveId" clId="{B7D9F617-33B6-44E9-ABC5-B58DDB4FBF0B}" dt="2024-06-12T02:04:25.123" v="152" actId="20577"/>
+          <ac:spMkLst>
+            <pc:docMk/>
+            <pc:sldMk cId="3896974767" sldId="261"/>
+            <ac:spMk id="20" creationId="{6C8BD7A8-4014-B303-4F03-344A272C0124}"/>
+          </ac:spMkLst>
+        </pc:spChg>
+        <pc:grpChg chg="add mod">
+          <ac:chgData name="Agustín Rizzo" userId="3299274c81c12277" providerId="LiveId" clId="{B7D9F617-33B6-44E9-ABC5-B58DDB4FBF0B}" dt="2024-06-12T02:01:26.272" v="142" actId="1076"/>
+          <ac:grpSpMkLst>
+            <pc:docMk/>
+            <pc:sldMk cId="3896974767" sldId="261"/>
+            <ac:grpSpMk id="2" creationId="{CC0C132D-D5BF-840F-A065-8A95816AD9E9}"/>
+          </ac:grpSpMkLst>
+        </pc:grpChg>
+        <pc:grpChg chg="mod">
+          <ac:chgData name="Agustín Rizzo" userId="3299274c81c12277" providerId="LiveId" clId="{B7D9F617-33B6-44E9-ABC5-B58DDB4FBF0B}" dt="2024-06-12T02:01:26.272" v="142" actId="1076"/>
+          <ac:grpSpMkLst>
+            <pc:docMk/>
+            <pc:sldMk cId="3896974767" sldId="261"/>
+            <ac:grpSpMk id="10" creationId="{EC4EAADD-D18B-7423-79AD-37DF6E9EF5F8}"/>
+          </ac:grpSpMkLst>
+        </pc:grpChg>
+        <pc:grpChg chg="mod">
+          <ac:chgData name="Agustín Rizzo" userId="3299274c81c12277" providerId="LiveId" clId="{B7D9F617-33B6-44E9-ABC5-B58DDB4FBF0B}" dt="2024-06-12T02:01:26.272" v="142" actId="1076"/>
+          <ac:grpSpMkLst>
+            <pc:docMk/>
+            <pc:sldMk cId="3896974767" sldId="261"/>
+            <ac:grpSpMk id="12" creationId="{8DF1191D-36AD-2AD1-B7E7-A86EEDC23497}"/>
+          </ac:grpSpMkLst>
+        </pc:grpChg>
+        <pc:grpChg chg="add mod">
+          <ac:chgData name="Agustín Rizzo" userId="3299274c81c12277" providerId="LiveId" clId="{B7D9F617-33B6-44E9-ABC5-B58DDB4FBF0B}" dt="2024-06-12T02:01:26.272" v="142" actId="1076"/>
+          <ac:grpSpMkLst>
+            <pc:docMk/>
+            <pc:sldMk cId="3896974767" sldId="261"/>
+            <ac:grpSpMk id="23" creationId="{15C28F7E-EE7D-710F-5FB7-468AF00F5CDA}"/>
+          </ac:grpSpMkLst>
+        </pc:grpChg>
+        <pc:picChg chg="mod">
+          <ac:chgData name="Agustín Rizzo" userId="3299274c81c12277" providerId="LiveId" clId="{B7D9F617-33B6-44E9-ABC5-B58DDB4FBF0B}" dt="2024-06-12T02:01:26.272" v="142" actId="1076"/>
+          <ac:picMkLst>
+            <pc:docMk/>
+            <pc:sldMk cId="3896974767" sldId="261"/>
+            <ac:picMk id="3" creationId="{606EE3AB-DA00-1C44-E999-030D9D8A5897}"/>
+          </ac:picMkLst>
+        </pc:picChg>
+        <pc:picChg chg="mod">
+          <ac:chgData name="Agustín Rizzo" userId="3299274c81c12277" providerId="LiveId" clId="{B7D9F617-33B6-44E9-ABC5-B58DDB4FBF0B}" dt="2024-06-12T02:01:26.272" v="142" actId="1076"/>
+          <ac:picMkLst>
+            <pc:docMk/>
+            <pc:sldMk cId="3896974767" sldId="261"/>
+            <ac:picMk id="5" creationId="{F5014975-21C9-AC78-31EF-6496C1F60D6F}"/>
+          </ac:picMkLst>
+        </pc:picChg>
+        <pc:picChg chg="mod">
+          <ac:chgData name="Agustín Rizzo" userId="3299274c81c12277" providerId="LiveId" clId="{B7D9F617-33B6-44E9-ABC5-B58DDB4FBF0B}" dt="2024-06-12T02:01:26.272" v="142" actId="1076"/>
+          <ac:picMkLst>
+            <pc:docMk/>
+            <pc:sldMk cId="3896974767" sldId="261"/>
+            <ac:picMk id="6" creationId="{8F7F7D5B-99DE-265F-BAB0-A84EE626EAE5}"/>
+          </ac:picMkLst>
+        </pc:picChg>
+        <pc:picChg chg="mod">
+          <ac:chgData name="Agustín Rizzo" userId="3299274c81c12277" providerId="LiveId" clId="{B7D9F617-33B6-44E9-ABC5-B58DDB4FBF0B}" dt="2024-06-12T02:01:26.272" v="142" actId="1076"/>
+          <ac:picMkLst>
+            <pc:docMk/>
+            <pc:sldMk cId="3896974767" sldId="261"/>
+            <ac:picMk id="7" creationId="{4AEF6C68-82FB-C9DA-F5CD-8679B1E799B0}"/>
+          </ac:picMkLst>
+        </pc:picChg>
+        <pc:picChg chg="mod">
+          <ac:chgData name="Agustín Rizzo" userId="3299274c81c12277" providerId="LiveId" clId="{B7D9F617-33B6-44E9-ABC5-B58DDB4FBF0B}" dt="2024-06-12T02:01:26.272" v="142" actId="1076"/>
+          <ac:picMkLst>
+            <pc:docMk/>
+            <pc:sldMk cId="3896974767" sldId="261"/>
+            <ac:picMk id="9" creationId="{4C2EDC97-C7A5-A6FC-DC56-C91FAABE4819}"/>
+          </ac:picMkLst>
+        </pc:picChg>
+        <pc:picChg chg="mod">
+          <ac:chgData name="Agustín Rizzo" userId="3299274c81c12277" providerId="LiveId" clId="{B7D9F617-33B6-44E9-ABC5-B58DDB4FBF0B}" dt="2024-06-12T02:01:26.272" v="142" actId="1076"/>
+          <ac:picMkLst>
+            <pc:docMk/>
+            <pc:sldMk cId="3896974767" sldId="261"/>
+            <ac:picMk id="11" creationId="{6777065A-C7C6-FEA8-5EF0-16267ABEAB12}"/>
+          </ac:picMkLst>
+        </pc:picChg>
+        <pc:picChg chg="mod">
+          <ac:chgData name="Agustín Rizzo" userId="3299274c81c12277" providerId="LiveId" clId="{B7D9F617-33B6-44E9-ABC5-B58DDB4FBF0B}" dt="2024-06-12T02:01:29.902" v="148" actId="1038"/>
+          <ac:picMkLst>
+            <pc:docMk/>
+            <pc:sldMk cId="3896974767" sldId="261"/>
+            <ac:picMk id="13" creationId="{6B46E322-1E30-EB8F-AF16-7FD0E5A271BC}"/>
+          </ac:picMkLst>
+        </pc:picChg>
+        <pc:picChg chg="mod">
+          <ac:chgData name="Agustín Rizzo" userId="3299274c81c12277" providerId="LiveId" clId="{B7D9F617-33B6-44E9-ABC5-B58DDB4FBF0B}" dt="2024-06-12T02:01:26.272" v="142" actId="1076"/>
+          <ac:picMkLst>
+            <pc:docMk/>
+            <pc:sldMk cId="3896974767" sldId="261"/>
+            <ac:picMk id="14" creationId="{8C80EE37-C15F-0C5B-6618-880D099324E2}"/>
+          </ac:picMkLst>
+        </pc:picChg>
+        <pc:picChg chg="mod">
+          <ac:chgData name="Agustín Rizzo" userId="3299274c81c12277" providerId="LiveId" clId="{B7D9F617-33B6-44E9-ABC5-B58DDB4FBF0B}" dt="2024-06-12T02:01:26.272" v="142" actId="1076"/>
+          <ac:picMkLst>
+            <pc:docMk/>
+            <pc:sldMk cId="3896974767" sldId="261"/>
+            <ac:picMk id="15" creationId="{98D56C0D-9EF7-E878-9F2F-C17096B737B4}"/>
+          </ac:picMkLst>
+        </pc:picChg>
+        <pc:picChg chg="mod">
+          <ac:chgData name="Agustín Rizzo" userId="3299274c81c12277" providerId="LiveId" clId="{B7D9F617-33B6-44E9-ABC5-B58DDB4FBF0B}" dt="2024-06-12T02:01:26.272" v="142" actId="1076"/>
+          <ac:picMkLst>
+            <pc:docMk/>
+            <pc:sldMk cId="3896974767" sldId="261"/>
+            <ac:picMk id="16" creationId="{73595391-0E21-74B8-62BE-8F3BFF38E505}"/>
+          </ac:picMkLst>
+        </pc:picChg>
+        <pc:picChg chg="add del mod">
+          <ac:chgData name="Agustín Rizzo" userId="3299274c81c12277" providerId="LiveId" clId="{B7D9F617-33B6-44E9-ABC5-B58DDB4FBF0B}" dt="2024-06-12T02:01:26.272" v="142" actId="1076"/>
+          <ac:picMkLst>
+            <pc:docMk/>
+            <pc:sldMk cId="3896974767" sldId="261"/>
+            <ac:picMk id="17" creationId="{982F97CA-411B-25A3-90BA-312DAA084F79}"/>
+          </ac:picMkLst>
+        </pc:picChg>
+        <pc:picChg chg="mod">
+          <ac:chgData name="Agustín Rizzo" userId="3299274c81c12277" providerId="LiveId" clId="{B7D9F617-33B6-44E9-ABC5-B58DDB4FBF0B}" dt="2024-06-12T02:01:26.272" v="142" actId="1076"/>
+          <ac:picMkLst>
+            <pc:docMk/>
+            <pc:sldMk cId="3896974767" sldId="261"/>
+            <ac:picMk id="18" creationId="{40086D42-6927-7884-C77A-0B12BA83A9B1}"/>
+          </ac:picMkLst>
+        </pc:picChg>
+        <pc:picChg chg="mod">
+          <ac:chgData name="Agustín Rizzo" userId="3299274c81c12277" providerId="LiveId" clId="{B7D9F617-33B6-44E9-ABC5-B58DDB4FBF0B}" dt="2024-06-12T02:01:26.272" v="142" actId="1076"/>
+          <ac:picMkLst>
+            <pc:docMk/>
+            <pc:sldMk cId="3896974767" sldId="261"/>
+            <ac:picMk id="19" creationId="{321D54D2-C248-996A-82D0-C949FBCD57A3}"/>
+          </ac:picMkLst>
+        </pc:picChg>
+        <pc:picChg chg="mod">
+          <ac:chgData name="Agustín Rizzo" userId="3299274c81c12277" providerId="LiveId" clId="{B7D9F617-33B6-44E9-ABC5-B58DDB4FBF0B}" dt="2024-06-12T02:01:26.272" v="142" actId="1076"/>
+          <ac:picMkLst>
+            <pc:docMk/>
+            <pc:sldMk cId="3896974767" sldId="261"/>
+            <ac:picMk id="21" creationId="{C9932A73-A68D-0B2C-25CF-C8CCC3C69683}"/>
+          </ac:picMkLst>
+        </pc:picChg>
+        <pc:picChg chg="mod">
+          <ac:chgData name="Agustín Rizzo" userId="3299274c81c12277" providerId="LiveId" clId="{B7D9F617-33B6-44E9-ABC5-B58DDB4FBF0B}" dt="2024-06-12T02:01:26.272" v="142" actId="1076"/>
+          <ac:picMkLst>
+            <pc:docMk/>
+            <pc:sldMk cId="3896974767" sldId="261"/>
+            <ac:picMk id="22" creationId="{82B6C1E8-F2AA-DCF4-35CD-7190D953F14B}"/>
+          </ac:picMkLst>
+        </pc:picChg>
+        <pc:picChg chg="add mod">
+          <ac:chgData name="Agustín Rizzo" userId="3299274c81c12277" providerId="LiveId" clId="{B7D9F617-33B6-44E9-ABC5-B58DDB4FBF0B}" dt="2024-06-12T02:00:20.957" v="131" actId="1076"/>
+          <ac:picMkLst>
+            <pc:docMk/>
+            <pc:sldMk cId="3896974767" sldId="261"/>
+            <ac:picMk id="24" creationId="{72AA02A0-27A8-2BE4-6995-9ACCE345F81A}"/>
+          </ac:picMkLst>
+        </pc:picChg>
+        <pc:picChg chg="add del mod">
+          <ac:chgData name="Agustín Rizzo" userId="3299274c81c12277" providerId="LiveId" clId="{B7D9F617-33B6-44E9-ABC5-B58DDB4FBF0B}" dt="2024-06-12T02:01:11.906" v="137" actId="478"/>
+          <ac:picMkLst>
+            <pc:docMk/>
+            <pc:sldMk cId="3896974767" sldId="261"/>
+            <ac:picMk id="25" creationId="{019BB7E1-84C1-E610-D7CD-4CAFE7FCC3DA}"/>
+          </ac:picMkLst>
+        </pc:picChg>
+        <pc:picChg chg="add mod">
+          <ac:chgData name="Agustín Rizzo" userId="3299274c81c12277" providerId="LiveId" clId="{B7D9F617-33B6-44E9-ABC5-B58DDB4FBF0B}" dt="2024-06-12T02:01:21.819" v="140" actId="1076"/>
+          <ac:picMkLst>
+            <pc:docMk/>
+            <pc:sldMk cId="3896974767" sldId="261"/>
+            <ac:picMk id="26" creationId="{87C9FA19-E64E-057C-95DA-E2EC73F37A39}"/>
+          </ac:picMkLst>
+        </pc:picChg>
+        <pc:picChg chg="add mod">
+          <ac:chgData name="Agustín Rizzo" userId="3299274c81c12277" providerId="LiveId" clId="{B7D9F617-33B6-44E9-ABC5-B58DDB4FBF0B}" dt="2024-06-12T02:01:20.358" v="139" actId="1076"/>
+          <ac:picMkLst>
+            <pc:docMk/>
+            <pc:sldMk cId="3896974767" sldId="261"/>
+            <ac:picMk id="27" creationId="{ECE24499-8BAE-B145-7A29-C59AFD617FD2}"/>
+          </ac:picMkLst>
+        </pc:picChg>
+      </pc:sldChg>
+    </pc:docChg>
+  </pc:docChgLst>
+</pc:chgInfo>
 </file>
 
-<file path=ppt/diagrams/colors2.xml><?xml version="1.0" encoding="utf-8"?>
+<file path=ppt/diagrams/colors1.xml><?xml version="1.0" encoding="utf-8"?>
 <dgm:colorsDef xmlns:dgm="http://schemas.openxmlformats.org/drawingml/2006/diagram" xmlns:a="http://schemas.openxmlformats.org/drawingml/2006/main" uniqueId="urn:microsoft.com/office/officeart/2005/8/colors/accent1_2">
   <dgm:title val=""/>
   <dgm:desc val=""/>
@@ -2047,258 +1613,6 @@
 </dgm:dataModel>
 </file>
 
-<file path=ppt/diagrams/data2.xml><?xml version="1.0" encoding="utf-8"?>
-<dgm:dataModel xmlns:dgm="http://schemas.openxmlformats.org/drawingml/2006/diagram" xmlns:a="http://schemas.openxmlformats.org/drawingml/2006/main">
-  <dgm:ptLst>
-    <dgm:pt modelId="{B5FB02EE-D6D9-4838-872D-D86DFB730413}" type="doc">
-      <dgm:prSet loTypeId="urn:microsoft.com/office/officeart/2005/8/layout/gear1" loCatId="relationship" qsTypeId="urn:microsoft.com/office/officeart/2005/8/quickstyle/simple1" qsCatId="simple" csTypeId="urn:microsoft.com/office/officeart/2005/8/colors/accent1_2" csCatId="accent1" phldr="1"/>
-      <dgm:spPr/>
-    </dgm:pt>
-    <dgm:pt modelId="{627CAC8A-2D63-4403-8860-CD21A13C8D9D}">
-      <dgm:prSet phldrT="[Text]"/>
-      <dgm:spPr>
-        <a:solidFill>
-          <a:schemeClr val="bg2">
-            <a:lumMod val="50000"/>
-          </a:schemeClr>
-        </a:solidFill>
-      </dgm:spPr>
-      <dgm:t>
-        <a:bodyPr/>
-        <a:lstStyle/>
-        <a:p>
-          <a:endParaRPr lang="en-US" dirty="0"/>
-        </a:p>
-      </dgm:t>
-    </dgm:pt>
-    <dgm:pt modelId="{F2C2427B-D833-4A69-B621-C5D8B79C1162}" type="parTrans" cxnId="{6FC559C4-221A-4620-8D51-FBE6776F03A2}">
-      <dgm:prSet/>
-      <dgm:spPr/>
-      <dgm:t>
-        <a:bodyPr/>
-        <a:lstStyle/>
-        <a:p>
-          <a:endParaRPr lang="en-US"/>
-        </a:p>
-      </dgm:t>
-    </dgm:pt>
-    <dgm:pt modelId="{F22725D2-0FB5-44DB-9AE6-2BA85DF5C3CD}" type="sibTrans" cxnId="{6FC559C4-221A-4620-8D51-FBE6776F03A2}">
-      <dgm:prSet/>
-      <dgm:spPr/>
-      <dgm:t>
-        <a:bodyPr/>
-        <a:lstStyle/>
-        <a:p>
-          <a:endParaRPr lang="en-US"/>
-        </a:p>
-      </dgm:t>
-    </dgm:pt>
-    <dgm:pt modelId="{A3FAA964-B973-4FC8-BA0F-29529AC8655A}">
-      <dgm:prSet phldrT="[Text]" phldr="1"/>
-      <dgm:spPr>
-        <a:solidFill>
-          <a:schemeClr val="bg2">
-            <a:lumMod val="75000"/>
-          </a:schemeClr>
-        </a:solidFill>
-      </dgm:spPr>
-      <dgm:t>
-        <a:bodyPr/>
-        <a:lstStyle/>
-        <a:p>
-          <a:endParaRPr lang="en-US" dirty="0"/>
-        </a:p>
-      </dgm:t>
-    </dgm:pt>
-    <dgm:pt modelId="{CBA77D9E-8D68-423D-96B1-006E2786B2E3}" type="parTrans" cxnId="{12D5E93D-5A3B-4537-9B69-EEA32CF4E52C}">
-      <dgm:prSet/>
-      <dgm:spPr/>
-      <dgm:t>
-        <a:bodyPr/>
-        <a:lstStyle/>
-        <a:p>
-          <a:endParaRPr lang="en-US"/>
-        </a:p>
-      </dgm:t>
-    </dgm:pt>
-    <dgm:pt modelId="{55123FF8-36D3-4974-A443-85590C28AC13}" type="sibTrans" cxnId="{12D5E93D-5A3B-4537-9B69-EEA32CF4E52C}">
-      <dgm:prSet/>
-      <dgm:spPr/>
-      <dgm:t>
-        <a:bodyPr/>
-        <a:lstStyle/>
-        <a:p>
-          <a:endParaRPr lang="en-US"/>
-        </a:p>
-      </dgm:t>
-    </dgm:pt>
-    <dgm:pt modelId="{C2D0B7EB-559F-4173-99AD-5AA09DC2303C}">
-      <dgm:prSet phldrT="[Text]" phldr="1"/>
-      <dgm:spPr>
-        <a:solidFill>
-          <a:schemeClr val="bg2">
-            <a:lumMod val="90000"/>
-          </a:schemeClr>
-        </a:solidFill>
-        <a:ln>
-          <a:solidFill>
-            <a:schemeClr val="accent1">
-              <a:lumMod val="60000"/>
-              <a:lumOff val="40000"/>
-            </a:schemeClr>
-          </a:solidFill>
-        </a:ln>
-      </dgm:spPr>
-      <dgm:t>
-        <a:bodyPr/>
-        <a:lstStyle/>
-        <a:p>
-          <a:endParaRPr lang="en-US"/>
-        </a:p>
-      </dgm:t>
-    </dgm:pt>
-    <dgm:pt modelId="{29EF2480-C6B4-4B51-B346-271FA8CB15D9}" type="parTrans" cxnId="{6D21A3E9-C5F1-4E79-AE72-BEFFA332A5FA}">
-      <dgm:prSet/>
-      <dgm:spPr/>
-      <dgm:t>
-        <a:bodyPr/>
-        <a:lstStyle/>
-        <a:p>
-          <a:endParaRPr lang="en-US"/>
-        </a:p>
-      </dgm:t>
-    </dgm:pt>
-    <dgm:pt modelId="{B46886DE-EA55-44C5-A53C-B5826945850B}" type="sibTrans" cxnId="{6D21A3E9-C5F1-4E79-AE72-BEFFA332A5FA}">
-      <dgm:prSet/>
-      <dgm:spPr/>
-      <dgm:t>
-        <a:bodyPr/>
-        <a:lstStyle/>
-        <a:p>
-          <a:endParaRPr lang="en-US"/>
-        </a:p>
-      </dgm:t>
-    </dgm:pt>
-    <dgm:pt modelId="{63F7AB17-46B5-447C-B746-9F781054362E}" type="pres">
-      <dgm:prSet presAssocID="{B5FB02EE-D6D9-4838-872D-D86DFB730413}" presName="composite" presStyleCnt="0">
-        <dgm:presLayoutVars>
-          <dgm:chMax val="3"/>
-          <dgm:animLvl val="lvl"/>
-          <dgm:resizeHandles val="exact"/>
-        </dgm:presLayoutVars>
-      </dgm:prSet>
-      <dgm:spPr/>
-    </dgm:pt>
-    <dgm:pt modelId="{AC949AC7-CAB7-43E7-A061-080658B321DC}" type="pres">
-      <dgm:prSet presAssocID="{627CAC8A-2D63-4403-8860-CD21A13C8D9D}" presName="gear1" presStyleLbl="node1" presStyleIdx="0" presStyleCnt="3">
-        <dgm:presLayoutVars>
-          <dgm:chMax val="1"/>
-          <dgm:bulletEnabled val="1"/>
-        </dgm:presLayoutVars>
-      </dgm:prSet>
-      <dgm:spPr/>
-    </dgm:pt>
-    <dgm:pt modelId="{6C7B9718-A8DE-454A-8A1A-69C9F4917A6F}" type="pres">
-      <dgm:prSet presAssocID="{627CAC8A-2D63-4403-8860-CD21A13C8D9D}" presName="gear1srcNode" presStyleLbl="node1" presStyleIdx="0" presStyleCnt="3"/>
-      <dgm:spPr/>
-    </dgm:pt>
-    <dgm:pt modelId="{A1CDB191-1C9F-4CC8-8A67-A9EA72A9588C}" type="pres">
-      <dgm:prSet presAssocID="{627CAC8A-2D63-4403-8860-CD21A13C8D9D}" presName="gear1dstNode" presStyleLbl="node1" presStyleIdx="0" presStyleCnt="3"/>
-      <dgm:spPr/>
-    </dgm:pt>
-    <dgm:pt modelId="{38E2B1C6-9C39-47BB-9B4F-E2E8FF93BE38}" type="pres">
-      <dgm:prSet presAssocID="{A3FAA964-B973-4FC8-BA0F-29529AC8655A}" presName="gear2" presStyleLbl="node1" presStyleIdx="1" presStyleCnt="3">
-        <dgm:presLayoutVars>
-          <dgm:chMax val="1"/>
-          <dgm:bulletEnabled val="1"/>
-        </dgm:presLayoutVars>
-      </dgm:prSet>
-      <dgm:spPr/>
-    </dgm:pt>
-    <dgm:pt modelId="{3EAB999A-4343-4EBB-AD75-4B40EAC7A6EB}" type="pres">
-      <dgm:prSet presAssocID="{A3FAA964-B973-4FC8-BA0F-29529AC8655A}" presName="gear2srcNode" presStyleLbl="node1" presStyleIdx="1" presStyleCnt="3"/>
-      <dgm:spPr/>
-    </dgm:pt>
-    <dgm:pt modelId="{9B0F9507-99AB-46AC-9E4E-043BB417CAF5}" type="pres">
-      <dgm:prSet presAssocID="{A3FAA964-B973-4FC8-BA0F-29529AC8655A}" presName="gear2dstNode" presStyleLbl="node1" presStyleIdx="1" presStyleCnt="3"/>
-      <dgm:spPr/>
-    </dgm:pt>
-    <dgm:pt modelId="{48F9B910-9648-4127-9C25-11C46FDAFFF6}" type="pres">
-      <dgm:prSet presAssocID="{C2D0B7EB-559F-4173-99AD-5AA09DC2303C}" presName="gear3" presStyleLbl="node1" presStyleIdx="2" presStyleCnt="3"/>
-      <dgm:spPr/>
-    </dgm:pt>
-    <dgm:pt modelId="{B2C29FD1-0BF0-4111-B9DE-F7980360D53A}" type="pres">
-      <dgm:prSet presAssocID="{C2D0B7EB-559F-4173-99AD-5AA09DC2303C}" presName="gear3tx" presStyleLbl="node1" presStyleIdx="2" presStyleCnt="3">
-        <dgm:presLayoutVars>
-          <dgm:chMax val="1"/>
-          <dgm:bulletEnabled val="1"/>
-        </dgm:presLayoutVars>
-      </dgm:prSet>
-      <dgm:spPr/>
-    </dgm:pt>
-    <dgm:pt modelId="{117D971B-06CA-4A72-8422-C726B9A60DFE}" type="pres">
-      <dgm:prSet presAssocID="{C2D0B7EB-559F-4173-99AD-5AA09DC2303C}" presName="gear3srcNode" presStyleLbl="node1" presStyleIdx="2" presStyleCnt="3"/>
-      <dgm:spPr/>
-    </dgm:pt>
-    <dgm:pt modelId="{A9648FA6-A1A3-4E37-B600-F87AC76D2F4A}" type="pres">
-      <dgm:prSet presAssocID="{C2D0B7EB-559F-4173-99AD-5AA09DC2303C}" presName="gear3dstNode" presStyleLbl="node1" presStyleIdx="2" presStyleCnt="3"/>
-      <dgm:spPr/>
-    </dgm:pt>
-    <dgm:pt modelId="{59AD16B0-E08C-479B-B233-1ADFF13F409D}" type="pres">
-      <dgm:prSet presAssocID="{F22725D2-0FB5-44DB-9AE6-2BA85DF5C3CD}" presName="connector1" presStyleLbl="sibTrans2D1" presStyleIdx="0" presStyleCnt="3"/>
-      <dgm:spPr/>
-    </dgm:pt>
-    <dgm:pt modelId="{E5E66D02-2E10-40D4-8285-69D40F73F2C6}" type="pres">
-      <dgm:prSet presAssocID="{55123FF8-36D3-4974-A443-85590C28AC13}" presName="connector2" presStyleLbl="sibTrans2D1" presStyleIdx="1" presStyleCnt="3"/>
-      <dgm:spPr/>
-    </dgm:pt>
-    <dgm:pt modelId="{76C8B629-0C56-4B5B-923E-FC2DEBF47549}" type="pres">
-      <dgm:prSet presAssocID="{B46886DE-EA55-44C5-A53C-B5826945850B}" presName="connector3" presStyleLbl="sibTrans2D1" presStyleIdx="2" presStyleCnt="3"/>
-      <dgm:spPr/>
-    </dgm:pt>
-  </dgm:ptLst>
-  <dgm:cxnLst>
-    <dgm:cxn modelId="{82F9FF0A-0475-4F64-9B48-ABA066A6F6B8}" type="presOf" srcId="{627CAC8A-2D63-4403-8860-CD21A13C8D9D}" destId="{6C7B9718-A8DE-454A-8A1A-69C9F4917A6F}" srcOrd="1" destOrd="0" presId="urn:microsoft.com/office/officeart/2005/8/layout/gear1"/>
-    <dgm:cxn modelId="{9885C212-45D4-451D-98B0-54F763A62E63}" type="presOf" srcId="{A3FAA964-B973-4FC8-BA0F-29529AC8655A}" destId="{38E2B1C6-9C39-47BB-9B4F-E2E8FF93BE38}" srcOrd="0" destOrd="0" presId="urn:microsoft.com/office/officeart/2005/8/layout/gear1"/>
-    <dgm:cxn modelId="{0C540A2C-950A-492A-AE63-C27D555D871D}" type="presOf" srcId="{C2D0B7EB-559F-4173-99AD-5AA09DC2303C}" destId="{A9648FA6-A1A3-4E37-B600-F87AC76D2F4A}" srcOrd="3" destOrd="0" presId="urn:microsoft.com/office/officeart/2005/8/layout/gear1"/>
-    <dgm:cxn modelId="{12D5E93D-5A3B-4537-9B69-EEA32CF4E52C}" srcId="{B5FB02EE-D6D9-4838-872D-D86DFB730413}" destId="{A3FAA964-B973-4FC8-BA0F-29529AC8655A}" srcOrd="1" destOrd="0" parTransId="{CBA77D9E-8D68-423D-96B1-006E2786B2E3}" sibTransId="{55123FF8-36D3-4974-A443-85590C28AC13}"/>
-    <dgm:cxn modelId="{212C0F64-1055-4D4F-89EE-82C7CD27DE3E}" type="presOf" srcId="{C2D0B7EB-559F-4173-99AD-5AA09DC2303C}" destId="{48F9B910-9648-4127-9C25-11C46FDAFFF6}" srcOrd="0" destOrd="0" presId="urn:microsoft.com/office/officeart/2005/8/layout/gear1"/>
-    <dgm:cxn modelId="{7F32A179-3752-4F63-8539-9725C838C292}" type="presOf" srcId="{C2D0B7EB-559F-4173-99AD-5AA09DC2303C}" destId="{B2C29FD1-0BF0-4111-B9DE-F7980360D53A}" srcOrd="1" destOrd="0" presId="urn:microsoft.com/office/officeart/2005/8/layout/gear1"/>
-    <dgm:cxn modelId="{E691FA86-E04C-43D5-BC9C-8BA19921CE25}" type="presOf" srcId="{B46886DE-EA55-44C5-A53C-B5826945850B}" destId="{76C8B629-0C56-4B5B-923E-FC2DEBF47549}" srcOrd="0" destOrd="0" presId="urn:microsoft.com/office/officeart/2005/8/layout/gear1"/>
-    <dgm:cxn modelId="{F7E54C88-64BD-4CCB-A4EF-86F8E5477C71}" type="presOf" srcId="{55123FF8-36D3-4974-A443-85590C28AC13}" destId="{E5E66D02-2E10-40D4-8285-69D40F73F2C6}" srcOrd="0" destOrd="0" presId="urn:microsoft.com/office/officeart/2005/8/layout/gear1"/>
-    <dgm:cxn modelId="{B403168F-5D34-4B2D-83F8-443AF73F8810}" type="presOf" srcId="{F22725D2-0FB5-44DB-9AE6-2BA85DF5C3CD}" destId="{59AD16B0-E08C-479B-B233-1ADFF13F409D}" srcOrd="0" destOrd="0" presId="urn:microsoft.com/office/officeart/2005/8/layout/gear1"/>
-    <dgm:cxn modelId="{B0EDB9A5-74F6-4C26-A419-E6123811385E}" type="presOf" srcId="{627CAC8A-2D63-4403-8860-CD21A13C8D9D}" destId="{A1CDB191-1C9F-4CC8-8A67-A9EA72A9588C}" srcOrd="2" destOrd="0" presId="urn:microsoft.com/office/officeart/2005/8/layout/gear1"/>
-    <dgm:cxn modelId="{6E3EE6B8-9A3F-4FED-8FE7-D91B8D7395D5}" type="presOf" srcId="{B5FB02EE-D6D9-4838-872D-D86DFB730413}" destId="{63F7AB17-46B5-447C-B746-9F781054362E}" srcOrd="0" destOrd="0" presId="urn:microsoft.com/office/officeart/2005/8/layout/gear1"/>
-    <dgm:cxn modelId="{6FC559C4-221A-4620-8D51-FBE6776F03A2}" srcId="{B5FB02EE-D6D9-4838-872D-D86DFB730413}" destId="{627CAC8A-2D63-4403-8860-CD21A13C8D9D}" srcOrd="0" destOrd="0" parTransId="{F2C2427B-D833-4A69-B621-C5D8B79C1162}" sibTransId="{F22725D2-0FB5-44DB-9AE6-2BA85DF5C3CD}"/>
-    <dgm:cxn modelId="{4169C6CC-E036-493D-B362-06E09B70DEDC}" type="presOf" srcId="{C2D0B7EB-559F-4173-99AD-5AA09DC2303C}" destId="{117D971B-06CA-4A72-8422-C726B9A60DFE}" srcOrd="2" destOrd="0" presId="urn:microsoft.com/office/officeart/2005/8/layout/gear1"/>
-    <dgm:cxn modelId="{713AD4CF-B4F0-4182-9615-D9D125400761}" type="presOf" srcId="{A3FAA964-B973-4FC8-BA0F-29529AC8655A}" destId="{3EAB999A-4343-4EBB-AD75-4B40EAC7A6EB}" srcOrd="1" destOrd="0" presId="urn:microsoft.com/office/officeart/2005/8/layout/gear1"/>
-    <dgm:cxn modelId="{12F683D2-B29E-4B90-8C13-183C03B04B88}" type="presOf" srcId="{A3FAA964-B973-4FC8-BA0F-29529AC8655A}" destId="{9B0F9507-99AB-46AC-9E4E-043BB417CAF5}" srcOrd="2" destOrd="0" presId="urn:microsoft.com/office/officeart/2005/8/layout/gear1"/>
-    <dgm:cxn modelId="{D3E820DF-67A4-4CE9-91E8-C015B2A85C55}" type="presOf" srcId="{627CAC8A-2D63-4403-8860-CD21A13C8D9D}" destId="{AC949AC7-CAB7-43E7-A061-080658B321DC}" srcOrd="0" destOrd="0" presId="urn:microsoft.com/office/officeart/2005/8/layout/gear1"/>
-    <dgm:cxn modelId="{6D21A3E9-C5F1-4E79-AE72-BEFFA332A5FA}" srcId="{B5FB02EE-D6D9-4838-872D-D86DFB730413}" destId="{C2D0B7EB-559F-4173-99AD-5AA09DC2303C}" srcOrd="2" destOrd="0" parTransId="{29EF2480-C6B4-4B51-B346-271FA8CB15D9}" sibTransId="{B46886DE-EA55-44C5-A53C-B5826945850B}"/>
-    <dgm:cxn modelId="{410E26CD-CE2B-452C-9E7C-36F96E07A09C}" type="presParOf" srcId="{63F7AB17-46B5-447C-B746-9F781054362E}" destId="{AC949AC7-CAB7-43E7-A061-080658B321DC}" srcOrd="0" destOrd="0" presId="urn:microsoft.com/office/officeart/2005/8/layout/gear1"/>
-    <dgm:cxn modelId="{C661BE20-B80A-4497-8D34-AB591E06D565}" type="presParOf" srcId="{63F7AB17-46B5-447C-B746-9F781054362E}" destId="{6C7B9718-A8DE-454A-8A1A-69C9F4917A6F}" srcOrd="1" destOrd="0" presId="urn:microsoft.com/office/officeart/2005/8/layout/gear1"/>
-    <dgm:cxn modelId="{FA19BB6E-1980-4B32-9728-EB9F5B38790D}" type="presParOf" srcId="{63F7AB17-46B5-447C-B746-9F781054362E}" destId="{A1CDB191-1C9F-4CC8-8A67-A9EA72A9588C}" srcOrd="2" destOrd="0" presId="urn:microsoft.com/office/officeart/2005/8/layout/gear1"/>
-    <dgm:cxn modelId="{C5721187-3091-4F1A-999E-F7BE61EFBAC9}" type="presParOf" srcId="{63F7AB17-46B5-447C-B746-9F781054362E}" destId="{38E2B1C6-9C39-47BB-9B4F-E2E8FF93BE38}" srcOrd="3" destOrd="0" presId="urn:microsoft.com/office/officeart/2005/8/layout/gear1"/>
-    <dgm:cxn modelId="{0187C0E3-2A47-485D-B930-F9F6B2C35CE1}" type="presParOf" srcId="{63F7AB17-46B5-447C-B746-9F781054362E}" destId="{3EAB999A-4343-4EBB-AD75-4B40EAC7A6EB}" srcOrd="4" destOrd="0" presId="urn:microsoft.com/office/officeart/2005/8/layout/gear1"/>
-    <dgm:cxn modelId="{BB5AECEA-371B-4891-A08E-B3D025EB8C4D}" type="presParOf" srcId="{63F7AB17-46B5-447C-B746-9F781054362E}" destId="{9B0F9507-99AB-46AC-9E4E-043BB417CAF5}" srcOrd="5" destOrd="0" presId="urn:microsoft.com/office/officeart/2005/8/layout/gear1"/>
-    <dgm:cxn modelId="{9716AB3E-FFB0-4B59-8B33-E072269A7384}" type="presParOf" srcId="{63F7AB17-46B5-447C-B746-9F781054362E}" destId="{48F9B910-9648-4127-9C25-11C46FDAFFF6}" srcOrd="6" destOrd="0" presId="urn:microsoft.com/office/officeart/2005/8/layout/gear1"/>
-    <dgm:cxn modelId="{97899E4D-72AE-45F9-B398-107723140225}" type="presParOf" srcId="{63F7AB17-46B5-447C-B746-9F781054362E}" destId="{B2C29FD1-0BF0-4111-B9DE-F7980360D53A}" srcOrd="7" destOrd="0" presId="urn:microsoft.com/office/officeart/2005/8/layout/gear1"/>
-    <dgm:cxn modelId="{4E9C190C-9DE3-4B48-8BA1-2D56B8BD9530}" type="presParOf" srcId="{63F7AB17-46B5-447C-B746-9F781054362E}" destId="{117D971B-06CA-4A72-8422-C726B9A60DFE}" srcOrd="8" destOrd="0" presId="urn:microsoft.com/office/officeart/2005/8/layout/gear1"/>
-    <dgm:cxn modelId="{F53F6244-5B1E-4650-BCEC-6930A3BE8946}" type="presParOf" srcId="{63F7AB17-46B5-447C-B746-9F781054362E}" destId="{A9648FA6-A1A3-4E37-B600-F87AC76D2F4A}" srcOrd="9" destOrd="0" presId="urn:microsoft.com/office/officeart/2005/8/layout/gear1"/>
-    <dgm:cxn modelId="{4FCC0439-A58D-4AF3-B656-A9A1B897C74F}" type="presParOf" srcId="{63F7AB17-46B5-447C-B746-9F781054362E}" destId="{59AD16B0-E08C-479B-B233-1ADFF13F409D}" srcOrd="10" destOrd="0" presId="urn:microsoft.com/office/officeart/2005/8/layout/gear1"/>
-    <dgm:cxn modelId="{553A5CAD-EA41-4073-9B9F-59E3156D7221}" type="presParOf" srcId="{63F7AB17-46B5-447C-B746-9F781054362E}" destId="{E5E66D02-2E10-40D4-8285-69D40F73F2C6}" srcOrd="11" destOrd="0" presId="urn:microsoft.com/office/officeart/2005/8/layout/gear1"/>
-    <dgm:cxn modelId="{C2FE41D2-64FE-4151-85D4-ACB5AA6BB874}" type="presParOf" srcId="{63F7AB17-46B5-447C-B746-9F781054362E}" destId="{76C8B629-0C56-4B5B-923E-FC2DEBF47549}" srcOrd="12" destOrd="0" presId="urn:microsoft.com/office/officeart/2005/8/layout/gear1"/>
-  </dgm:cxnLst>
-  <dgm:bg/>
-  <dgm:whole/>
-  <dgm:extLst>
-    <a:ext uri="http://schemas.microsoft.com/office/drawing/2008/diagram">
-      <dsp:dataModelExt xmlns:dsp="http://schemas.microsoft.com/office/drawing/2008/diagram" relId="rId7" minVer="http://schemas.openxmlformats.org/drawingml/2006/diagram"/>
-    </a:ext>
-  </dgm:extLst>
-</dgm:dataModel>
-</file>
-
 <file path=ppt/diagrams/drawing1.xml><?xml version="1.0" encoding="utf-8"?>
 <dsp:drawing xmlns:dgm="http://schemas.openxmlformats.org/drawingml/2006/diagram" xmlns:dsp="http://schemas.microsoft.com/office/drawing/2008/diagram" xmlns:a="http://schemas.openxmlformats.org/drawingml/2006/main">
   <dsp:spTree>
@@ -2991,376 +2305,6 @@
         <a:off x="6564442" y="1837378"/>
         <a:ext cx="2615508" cy="1388869"/>
       </dsp:txXfrm>
-    </dsp:sp>
-  </dsp:spTree>
-</dsp:drawing>
-</file>
-
-<file path=ppt/diagrams/drawing2.xml><?xml version="1.0" encoding="utf-8"?>
-<dsp:drawing xmlns:dgm="http://schemas.openxmlformats.org/drawingml/2006/diagram" xmlns:dsp="http://schemas.microsoft.com/office/drawing/2008/diagram" xmlns:a="http://schemas.openxmlformats.org/drawingml/2006/main">
-  <dsp:spTree>
-    <dsp:nvGrpSpPr>
-      <dsp:cNvPr id="0" name=""/>
-      <dsp:cNvGrpSpPr/>
-    </dsp:nvGrpSpPr>
-    <dsp:grpSpPr/>
-    <dsp:sp modelId="{AC949AC7-CAB7-43E7-A061-080658B321DC}">
-      <dsp:nvSpPr>
-        <dsp:cNvPr id="0" name=""/>
-        <dsp:cNvSpPr/>
-      </dsp:nvSpPr>
-      <dsp:spPr>
-        <a:xfrm>
-          <a:off x="3793066" y="2438400"/>
-          <a:ext cx="2980266" cy="2980266"/>
-        </a:xfrm>
-        <a:prstGeom prst="gear9">
-          <a:avLst/>
-        </a:prstGeom>
-        <a:solidFill>
-          <a:schemeClr val="bg2">
-            <a:lumMod val="50000"/>
-          </a:schemeClr>
-        </a:solidFill>
-        <a:ln w="19050" cap="flat" cmpd="sng" algn="ctr">
-          <a:solidFill>
-            <a:schemeClr val="lt1">
-              <a:hueOff val="0"/>
-              <a:satOff val="0"/>
-              <a:lumOff val="0"/>
-              <a:alphaOff val="0"/>
-            </a:schemeClr>
-          </a:solidFill>
-          <a:prstDash val="solid"/>
-          <a:miter lim="800000"/>
-        </a:ln>
-        <a:effectLst/>
-      </dsp:spPr>
-      <dsp:style>
-        <a:lnRef idx="2">
-          <a:scrgbClr r="0" g="0" b="0"/>
-        </a:lnRef>
-        <a:fillRef idx="1">
-          <a:scrgbClr r="0" g="0" b="0"/>
-        </a:fillRef>
-        <a:effectRef idx="0">
-          <a:scrgbClr r="0" g="0" b="0"/>
-        </a:effectRef>
-        <a:fontRef idx="minor">
-          <a:schemeClr val="lt1"/>
-        </a:fontRef>
-      </dsp:style>
-      <dsp:txBody>
-        <a:bodyPr spcFirstLastPara="0" vert="horz" wrap="square" lIns="82550" tIns="82550" rIns="82550" bIns="82550" numCol="1" spcCol="1270" anchor="ctr" anchorCtr="0">
-          <a:noAutofit/>
-        </a:bodyPr>
-        <a:lstStyle/>
-        <a:p>
-          <a:pPr marL="0" lvl="0" indent="0" algn="ctr" defTabSz="2889250">
-            <a:lnSpc>
-              <a:spcPct val="90000"/>
-            </a:lnSpc>
-            <a:spcBef>
-              <a:spcPct val="0"/>
-            </a:spcBef>
-            <a:spcAft>
-              <a:spcPct val="35000"/>
-            </a:spcAft>
-            <a:buNone/>
-          </a:pPr>
-          <a:endParaRPr lang="en-US" sz="6500" kern="1200" dirty="0"/>
-        </a:p>
-      </dsp:txBody>
-      <dsp:txXfrm>
-        <a:off x="4392232" y="3136513"/>
-        <a:ext cx="1781934" cy="1531918"/>
-      </dsp:txXfrm>
-    </dsp:sp>
-    <dsp:sp modelId="{38E2B1C6-9C39-47BB-9B4F-E2E8FF93BE38}">
-      <dsp:nvSpPr>
-        <dsp:cNvPr id="0" name=""/>
-        <dsp:cNvSpPr/>
-      </dsp:nvSpPr>
-      <dsp:spPr>
-        <a:xfrm>
-          <a:off x="2059093" y="1733973"/>
-          <a:ext cx="2167466" cy="2167466"/>
-        </a:xfrm>
-        <a:prstGeom prst="gear6">
-          <a:avLst/>
-        </a:prstGeom>
-        <a:solidFill>
-          <a:schemeClr val="bg2">
-            <a:lumMod val="75000"/>
-          </a:schemeClr>
-        </a:solidFill>
-        <a:ln w="19050" cap="flat" cmpd="sng" algn="ctr">
-          <a:solidFill>
-            <a:schemeClr val="lt1">
-              <a:hueOff val="0"/>
-              <a:satOff val="0"/>
-              <a:lumOff val="0"/>
-              <a:alphaOff val="0"/>
-            </a:schemeClr>
-          </a:solidFill>
-          <a:prstDash val="solid"/>
-          <a:miter lim="800000"/>
-        </a:ln>
-        <a:effectLst/>
-      </dsp:spPr>
-      <dsp:style>
-        <a:lnRef idx="2">
-          <a:scrgbClr r="0" g="0" b="0"/>
-        </a:lnRef>
-        <a:fillRef idx="1">
-          <a:scrgbClr r="0" g="0" b="0"/>
-        </a:fillRef>
-        <a:effectRef idx="0">
-          <a:scrgbClr r="0" g="0" b="0"/>
-        </a:effectRef>
-        <a:fontRef idx="minor">
-          <a:schemeClr val="lt1"/>
-        </a:fontRef>
-      </dsp:style>
-      <dsp:txBody>
-        <a:bodyPr spcFirstLastPara="0" vert="horz" wrap="square" lIns="43180" tIns="43180" rIns="43180" bIns="43180" numCol="1" spcCol="1270" anchor="ctr" anchorCtr="0">
-          <a:noAutofit/>
-        </a:bodyPr>
-        <a:lstStyle/>
-        <a:p>
-          <a:pPr marL="0" lvl="0" indent="0" algn="ctr" defTabSz="1511300">
-            <a:lnSpc>
-              <a:spcPct val="90000"/>
-            </a:lnSpc>
-            <a:spcBef>
-              <a:spcPct val="0"/>
-            </a:spcBef>
-            <a:spcAft>
-              <a:spcPct val="35000"/>
-            </a:spcAft>
-            <a:buNone/>
-          </a:pPr>
-          <a:endParaRPr lang="en-US" sz="3400" kern="1200" dirty="0"/>
-        </a:p>
-      </dsp:txBody>
-      <dsp:txXfrm>
-        <a:off x="2604759" y="2282937"/>
-        <a:ext cx="1076134" cy="1069538"/>
-      </dsp:txXfrm>
-    </dsp:sp>
-    <dsp:sp modelId="{48F9B910-9648-4127-9C25-11C46FDAFFF6}">
-      <dsp:nvSpPr>
-        <dsp:cNvPr id="0" name=""/>
-        <dsp:cNvSpPr/>
-      </dsp:nvSpPr>
-      <dsp:spPr>
-        <a:xfrm rot="20700000">
-          <a:off x="3273095" y="238642"/>
-          <a:ext cx="2123675" cy="2123675"/>
-        </a:xfrm>
-        <a:prstGeom prst="gear6">
-          <a:avLst/>
-        </a:prstGeom>
-        <a:solidFill>
-          <a:schemeClr val="bg2">
-            <a:lumMod val="90000"/>
-          </a:schemeClr>
-        </a:solidFill>
-        <a:ln w="19050" cap="flat" cmpd="sng" algn="ctr">
-          <a:solidFill>
-            <a:schemeClr val="accent1">
-              <a:lumMod val="60000"/>
-              <a:lumOff val="40000"/>
-            </a:schemeClr>
-          </a:solidFill>
-          <a:prstDash val="solid"/>
-          <a:miter lim="800000"/>
-        </a:ln>
-        <a:effectLst/>
-      </dsp:spPr>
-      <dsp:style>
-        <a:lnRef idx="2">
-          <a:scrgbClr r="0" g="0" b="0"/>
-        </a:lnRef>
-        <a:fillRef idx="1">
-          <a:scrgbClr r="0" g="0" b="0"/>
-        </a:fillRef>
-        <a:effectRef idx="0">
-          <a:scrgbClr r="0" g="0" b="0"/>
-        </a:effectRef>
-        <a:fontRef idx="minor">
-          <a:schemeClr val="lt1"/>
-        </a:fontRef>
-      </dsp:style>
-      <dsp:txBody>
-        <a:bodyPr spcFirstLastPara="0" vert="horz" wrap="square" lIns="48260" tIns="48260" rIns="48260" bIns="48260" numCol="1" spcCol="1270" anchor="ctr" anchorCtr="0">
-          <a:noAutofit/>
-        </a:bodyPr>
-        <a:lstStyle/>
-        <a:p>
-          <a:pPr marL="0" lvl="0" indent="0" algn="ctr" defTabSz="1689100">
-            <a:lnSpc>
-              <a:spcPct val="90000"/>
-            </a:lnSpc>
-            <a:spcBef>
-              <a:spcPct val="0"/>
-            </a:spcBef>
-            <a:spcAft>
-              <a:spcPct val="35000"/>
-            </a:spcAft>
-            <a:buNone/>
-          </a:pPr>
-          <a:endParaRPr lang="en-US" sz="3800" kern="1200"/>
-        </a:p>
-      </dsp:txBody>
-      <dsp:txXfrm rot="-20700000">
-        <a:off x="3738879" y="704426"/>
-        <a:ext cx="1192106" cy="1192106"/>
-      </dsp:txXfrm>
-    </dsp:sp>
-    <dsp:sp modelId="{59AD16B0-E08C-479B-B233-1ADFF13F409D}">
-      <dsp:nvSpPr>
-        <dsp:cNvPr id="0" name=""/>
-        <dsp:cNvSpPr/>
-      </dsp:nvSpPr>
-      <dsp:spPr>
-        <a:xfrm>
-          <a:off x="3577577" y="1980864"/>
-          <a:ext cx="3814741" cy="3814741"/>
-        </a:xfrm>
-        <a:prstGeom prst="circularArrow">
-          <a:avLst>
-            <a:gd name="adj1" fmla="val 4688"/>
-            <a:gd name="adj2" fmla="val 299029"/>
-            <a:gd name="adj3" fmla="val 2539295"/>
-            <a:gd name="adj4" fmla="val 15812321"/>
-            <a:gd name="adj5" fmla="val 5469"/>
-          </a:avLst>
-        </a:prstGeom>
-        <a:solidFill>
-          <a:schemeClr val="accent1">
-            <a:tint val="60000"/>
-            <a:hueOff val="0"/>
-            <a:satOff val="0"/>
-            <a:lumOff val="0"/>
-            <a:alphaOff val="0"/>
-          </a:schemeClr>
-        </a:solidFill>
-        <a:ln>
-          <a:noFill/>
-        </a:ln>
-        <a:effectLst/>
-      </dsp:spPr>
-      <dsp:style>
-        <a:lnRef idx="0">
-          <a:scrgbClr r="0" g="0" b="0"/>
-        </a:lnRef>
-        <a:fillRef idx="1">
-          <a:scrgbClr r="0" g="0" b="0"/>
-        </a:fillRef>
-        <a:effectRef idx="0">
-          <a:scrgbClr r="0" g="0" b="0"/>
-        </a:effectRef>
-        <a:fontRef idx="minor">
-          <a:schemeClr val="lt1"/>
-        </a:fontRef>
-      </dsp:style>
-    </dsp:sp>
-    <dsp:sp modelId="{E5E66D02-2E10-40D4-8285-69D40F73F2C6}">
-      <dsp:nvSpPr>
-        <dsp:cNvPr id="0" name=""/>
-        <dsp:cNvSpPr/>
-      </dsp:nvSpPr>
-      <dsp:spPr>
-        <a:xfrm>
-          <a:off x="1675238" y="1249140"/>
-          <a:ext cx="2771648" cy="2771648"/>
-        </a:xfrm>
-        <a:prstGeom prst="leftCircularArrow">
-          <a:avLst>
-            <a:gd name="adj1" fmla="val 6452"/>
-            <a:gd name="adj2" fmla="val 429999"/>
-            <a:gd name="adj3" fmla="val 10489124"/>
-            <a:gd name="adj4" fmla="val 14837806"/>
-            <a:gd name="adj5" fmla="val 7527"/>
-          </a:avLst>
-        </a:prstGeom>
-        <a:solidFill>
-          <a:schemeClr val="accent1">
-            <a:tint val="60000"/>
-            <a:hueOff val="0"/>
-            <a:satOff val="0"/>
-            <a:lumOff val="0"/>
-            <a:alphaOff val="0"/>
-          </a:schemeClr>
-        </a:solidFill>
-        <a:ln>
-          <a:noFill/>
-        </a:ln>
-        <a:effectLst/>
-      </dsp:spPr>
-      <dsp:style>
-        <a:lnRef idx="0">
-          <a:scrgbClr r="0" g="0" b="0"/>
-        </a:lnRef>
-        <a:fillRef idx="1">
-          <a:scrgbClr r="0" g="0" b="0"/>
-        </a:fillRef>
-        <a:effectRef idx="0">
-          <a:scrgbClr r="0" g="0" b="0"/>
-        </a:effectRef>
-        <a:fontRef idx="minor">
-          <a:schemeClr val="lt1"/>
-        </a:fontRef>
-      </dsp:style>
-    </dsp:sp>
-    <dsp:sp modelId="{76C8B629-0C56-4B5B-923E-FC2DEBF47549}">
-      <dsp:nvSpPr>
-        <dsp:cNvPr id="0" name=""/>
-        <dsp:cNvSpPr/>
-      </dsp:nvSpPr>
-      <dsp:spPr>
-        <a:xfrm>
-          <a:off x="2781867" y="-231776"/>
-          <a:ext cx="2988394" cy="2988394"/>
-        </a:xfrm>
-        <a:prstGeom prst="circularArrow">
-          <a:avLst>
-            <a:gd name="adj1" fmla="val 5984"/>
-            <a:gd name="adj2" fmla="val 394124"/>
-            <a:gd name="adj3" fmla="val 13313824"/>
-            <a:gd name="adj4" fmla="val 10508221"/>
-            <a:gd name="adj5" fmla="val 6981"/>
-          </a:avLst>
-        </a:prstGeom>
-        <a:solidFill>
-          <a:schemeClr val="accent1">
-            <a:tint val="60000"/>
-            <a:hueOff val="0"/>
-            <a:satOff val="0"/>
-            <a:lumOff val="0"/>
-            <a:alphaOff val="0"/>
-          </a:schemeClr>
-        </a:solidFill>
-        <a:ln>
-          <a:noFill/>
-        </a:ln>
-        <a:effectLst/>
-      </dsp:spPr>
-      <dsp:style>
-        <a:lnRef idx="0">
-          <a:scrgbClr r="0" g="0" b="0"/>
-        </a:lnRef>
-        <a:fillRef idx="1">
-          <a:scrgbClr r="0" g="0" b="0"/>
-        </a:fillRef>
-        <a:effectRef idx="0">
-          <a:scrgbClr r="0" g="0" b="0"/>
-        </a:effectRef>
-        <a:fontRef idx="minor">
-          <a:schemeClr val="lt1"/>
-        </a:fontRef>
-      </dsp:style>
     </dsp:sp>
   </dsp:spTree>
 </dsp:drawing>
@@ -5011,1514 +3955,7 @@
 </dgm:layoutDef>
 </file>
 
-<file path=ppt/diagrams/layout2.xml><?xml version="1.0" encoding="utf-8"?>
-<dgm:layoutDef xmlns:dgm="http://schemas.openxmlformats.org/drawingml/2006/diagram" xmlns:a="http://schemas.openxmlformats.org/drawingml/2006/main" uniqueId="urn:microsoft.com/office/officeart/2005/8/layout/gear1">
-  <dgm:title val=""/>
-  <dgm:desc val=""/>
-  <dgm:catLst>
-    <dgm:cat type="relationship" pri="3000"/>
-    <dgm:cat type="process" pri="28000"/>
-    <dgm:cat type="cycle" pri="14000"/>
-  </dgm:catLst>
-  <dgm:sampData useDef="1">
-    <dgm:dataModel>
-      <dgm:ptLst/>
-      <dgm:bg/>
-      <dgm:whole/>
-    </dgm:dataModel>
-  </dgm:sampData>
-  <dgm:styleData>
-    <dgm:dataModel>
-      <dgm:ptLst>
-        <dgm:pt modelId="0" type="doc"/>
-        <dgm:pt modelId="1"/>
-        <dgm:pt modelId="2"/>
-      </dgm:ptLst>
-      <dgm:cxnLst>
-        <dgm:cxn modelId="3" srcId="0" destId="1" srcOrd="0" destOrd="0"/>
-        <dgm:cxn modelId="4" srcId="0" destId="2" srcOrd="1" destOrd="0"/>
-      </dgm:cxnLst>
-      <dgm:bg/>
-      <dgm:whole/>
-    </dgm:dataModel>
-  </dgm:styleData>
-  <dgm:clrData useDef="1">
-    <dgm:dataModel>
-      <dgm:ptLst/>
-      <dgm:bg/>
-      <dgm:whole/>
-    </dgm:dataModel>
-  </dgm:clrData>
-  <dgm:layoutNode name="composite">
-    <dgm:varLst>
-      <dgm:chMax val="3"/>
-      <dgm:animLvl val="lvl"/>
-      <dgm:resizeHandles val="exact"/>
-    </dgm:varLst>
-    <dgm:alg type="composite">
-      <dgm:param type="ar" val="1"/>
-    </dgm:alg>
-    <dgm:shape xmlns:r="http://schemas.openxmlformats.org/officeDocument/2006/relationships" r:blip="">
-      <dgm:adjLst/>
-    </dgm:shape>
-    <dgm:presOf/>
-    <dgm:choose name="Name0">
-      <dgm:if name="Name1" axis="ch" ptType="node" func="cnt" op="lte" val="1">
-        <dgm:constrLst>
-          <dgm:constr type="primFontSz" for="ch" ptType="node" op="equ" val="65"/>
-          <dgm:constr type="w" for="ch" forName="gear1" refType="w" fact="0.55"/>
-          <dgm:constr type="h" for="ch" forName="gear1" refType="w" fact="0.55"/>
-          <dgm:constr type="l" for="ch" forName="gear1" refType="w" fact="0.05"/>
-          <dgm:constr type="t" for="ch" forName="gear1" refType="w" fact="0.05"/>
-          <dgm:constr type="w" for="ch" forName="gear1srcNode" val="1"/>
-          <dgm:constr type="h" for="ch" forName="gear1srcNode" val="1"/>
-          <dgm:constr type="l" for="ch" forName="gear1srcNode" refType="w" fact="0.32"/>
-          <dgm:constr type="t" for="ch" forName="gear1srcNode"/>
-          <dgm:constr type="w" for="ch" forName="gear1dstNode" val="1"/>
-          <dgm:constr type="h" for="ch" forName="gear1dstNode" val="1"/>
-          <dgm:constr type="r" for="ch" forName="gear1dstNode" refType="w" fact="0.58"/>
-          <dgm:constr type="t" for="ch" forName="gear1dstNode" refType="h" fact="0.55"/>
-          <dgm:constr type="diam" for="des" forName="connector1" refType="w" refFor="ch" refForName="gear1" op="equ" fact="1.1"/>
-          <dgm:constr type="h" for="des" forName="connector1" refType="w" refFor="ch" refForName="gear1" op="equ" fact="0.1"/>
-          <dgm:constr type="w" for="ch" forName="gear1ch" refType="w" fact="0.35"/>
-          <dgm:constr type="h" for="ch" forName="gear1ch" refType="w" refFor="ch" refForName="gear1ch" fact="0.6"/>
-          <dgm:constr type="l" for="ch" forName="gear1ch"/>
-          <dgm:constr type="b" for="ch" forName="gear1ch" refType="h" fact="0.6"/>
-        </dgm:constrLst>
-      </dgm:if>
-      <dgm:if name="Name2" axis="ch" ptType="node" func="cnt" op="equ" val="2">
-        <dgm:constrLst>
-          <dgm:constr type="primFontSz" for="ch" ptType="node" op="equ" val="65"/>
-          <dgm:constr type="w" for="ch" forName="gear1" refType="w" fact="0.55"/>
-          <dgm:constr type="h" for="ch" forName="gear1" refType="w" fact="0.55"/>
-          <dgm:constr type="l" for="ch" forName="gear1" refType="w" fact="0.45"/>
-          <dgm:constr type="t" for="ch" forName="gear1" refType="w" fact="0.25"/>
-          <dgm:constr type="w" for="ch" forName="gear1srcNode" val="1"/>
-          <dgm:constr type="h" for="ch" forName="gear1srcNode" val="1"/>
-          <dgm:constr type="l" for="ch" forName="gear1srcNode" refType="w" fact="0.72"/>
-          <dgm:constr type="t" for="ch" forName="gear1srcNode" refType="w" fact="0.2"/>
-          <dgm:constr type="w" for="ch" forName="gear1dstNode" val="1"/>
-          <dgm:constr type="h" for="ch" forName="gear1dstNode" val="1"/>
-          <dgm:constr type="r" for="ch" forName="gear1dstNode" refType="w" fact="0.98"/>
-          <dgm:constr type="t" for="ch" forName="gear1dstNode" refType="h" fact="0.75"/>
-          <dgm:constr type="diam" for="des" forName="connector1" refType="w" refFor="ch" refForName="gear1" op="equ" fact="1.1"/>
-          <dgm:constr type="h" for="des" forName="connector1" refType="w" refFor="ch" refForName="gear1" op="equ" fact="0.1"/>
-          <dgm:constr type="w" for="ch" forName="gear1ch" refType="w" fact="0.35"/>
-          <dgm:constr type="h" for="ch" forName="gear1ch" refType="w" refFor="ch" refForName="gear1ch" fact="0.6"/>
-          <dgm:constr type="l" for="ch" forName="gear1ch" refType="w" fact="0.38"/>
-          <dgm:constr type="b" for="ch" forName="gear1ch" refType="w" fact="0.8"/>
-          <dgm:constr type="w" for="ch" forName="gear2" refType="w" fact="0.4"/>
-          <dgm:constr type="h" for="ch" forName="gear2" refType="w" fact="0.4"/>
-          <dgm:constr type="l" for="ch" forName="gear2" refType="w" fact="0.13"/>
-          <dgm:constr type="t" for="ch" forName="gear2" refType="w" fact="0.12"/>
-          <dgm:constr type="w" for="ch" forName="gear2srcNode" val="1"/>
-          <dgm:constr type="h" for="ch" forName="gear2srcNode" val="1"/>
-          <dgm:constr type="l" for="ch" forName="gear2srcNode" refType="w" fact="0.23"/>
-          <dgm:constr type="t" for="ch" forName="gear2srcNode" refType="w" fact="0.08"/>
-          <dgm:constr type="w" for="ch" forName="gear2dstNode" val="1"/>
-          <dgm:constr type="h" for="ch" forName="gear2dstNode" val="1"/>
-          <dgm:constr type="l" for="ch" forName="gear2dstNode" refType="w" fact="0.1"/>
-          <dgm:constr type="t" for="ch" forName="gear2dstNode" refType="h" fact="0.33"/>
-          <dgm:constr type="diam" for="des" forName="connector2" refType="w" refFor="ch" refForName="gear2" op="equ" fact="-1.1"/>
-          <dgm:constr type="h" for="des" forName="connector2" refType="w" refFor="ch" refForName="gear1" op="equ" fact="0.1"/>
-          <dgm:constr type="w" for="ch" forName="gear2ch" refType="w" fact="0.35"/>
-          <dgm:constr type="h" for="ch" forName="gear2ch" refType="w" refFor="ch" refForName="gear2ch" fact="0.6"/>
-          <dgm:constr type="l" for="ch" forName="gear2ch" refType="w" fact="0.34"/>
-          <dgm:constr type="t" for="ch" forName="gear2ch" refType="w" fact="0.04"/>
-        </dgm:constrLst>
-      </dgm:if>
-      <dgm:else name="Name3">
-        <dgm:constrLst>
-          <dgm:constr type="primFontSz" for="ch" ptType="node" op="equ" val="65"/>
-          <dgm:constr type="w" for="ch" forName="gear1" refType="w" fact="0.55"/>
-          <dgm:constr type="h" for="ch" forName="gear1" refType="w" fact="0.55"/>
-          <dgm:constr type="l" for="ch" forName="gear1" refType="w" fact="0.45"/>
-          <dgm:constr type="t" for="ch" forName="gear1" refType="w" fact="0.45"/>
-          <dgm:constr type="w" for="ch" forName="gear1srcNode" val="1"/>
-          <dgm:constr type="h" for="ch" forName="gear1srcNode" val="1"/>
-          <dgm:constr type="l" for="ch" forName="gear1srcNode" refType="w" fact="0.72"/>
-          <dgm:constr type="t" for="ch" forName="gear1srcNode" refType="w" fact="0.4"/>
-          <dgm:constr type="w" for="ch" forName="gear1dstNode" val="1"/>
-          <dgm:constr type="h" for="ch" forName="gear1dstNode" val="1"/>
-          <dgm:constr type="r" for="ch" forName="gear1dstNode" refType="w" fact="0.98"/>
-          <dgm:constr type="t" for="ch" forName="gear1dstNode" refType="h" fact="0.95"/>
-          <dgm:constr type="diam" for="des" forName="connector1" refType="w" refFor="ch" refForName="gear1" op="equ" fact="1.15"/>
-          <dgm:constr type="h" for="des" forName="connector1" refType="w" refFor="ch" refForName="gear1" op="equ" fact="0.1"/>
-          <dgm:constr type="w" for="ch" forName="gear1ch" refType="w" fact="0.35"/>
-          <dgm:constr type="h" for="ch" forName="gear1ch" refType="w" refFor="ch" refForName="gear1ch" fact="0.6"/>
-          <dgm:constr type="l" for="ch" forName="gear1ch" refType="w" fact="0.38"/>
-          <dgm:constr type="b" for="ch" forName="gear1ch" refType="h"/>
-          <dgm:constr type="w" for="ch" forName="gear2" refType="w" fact="0.4"/>
-          <dgm:constr type="h" for="ch" forName="gear2" refType="w" fact="0.4"/>
-          <dgm:constr type="l" for="ch" forName="gear2" refType="w" fact="0.13"/>
-          <dgm:constr type="t" for="ch" forName="gear2" refType="w" fact="0.32"/>
-          <dgm:constr type="w" for="ch" forName="gear2srcNode" val="1"/>
-          <dgm:constr type="h" for="ch" forName="gear2srcNode" val="1"/>
-          <dgm:constr type="l" for="ch" forName="gear2srcNode" refType="w" fact="0.23"/>
-          <dgm:constr type="t" for="ch" forName="gear2srcNode" refType="w" fact="0.28"/>
-          <dgm:constr type="w" for="ch" forName="gear2dstNode" val="1"/>
-          <dgm:constr type="h" for="ch" forName="gear2dstNode" val="1"/>
-          <dgm:constr type="l" for="ch" forName="gear2dstNode" refType="w" fact="0.1"/>
-          <dgm:constr type="t" for="ch" forName="gear2dstNode" refType="h" fact="0.53"/>
-          <dgm:constr type="diam" for="des" forName="connector2" refType="w" refFor="ch" refForName="gear2" op="equ" fact="-1.1"/>
-          <dgm:constr type="h" for="des" forName="connector2" refType="w" refFor="ch" refForName="gear1" op="equ" fact="0.1"/>
-          <dgm:constr type="w" for="ch" forName="gear2ch" refType="w" fact="0.35"/>
-          <dgm:constr type="h" for="ch" forName="gear2ch" refType="w" refFor="ch" refForName="gear2ch" fact="0.6"/>
-          <dgm:constr type="l" for="ch" forName="gear2ch"/>
-          <dgm:constr type="t" for="ch" forName="gear2ch" refType="w" fact="0.58"/>
-          <dgm:constr type="w" for="ch" forName="gear3" refType="w" fact="0.48"/>
-          <dgm:constr type="h" for="ch" forName="gear3" refType="w" fact="0.48"/>
-          <dgm:constr type="l" for="ch" forName="gear3" refType="w" fact="0.31"/>
-          <dgm:constr type="t" for="ch" forName="gear3"/>
-          <dgm:constr type="w" for="ch" forName="gear3tx" refType="w" fact="0.22"/>
-          <dgm:constr type="h" for="ch" forName="gear3tx" refType="w" fact="0.22"/>
-          <dgm:constr type="ctrX" for="ch" forName="gear3tx" refType="ctrX" refFor="ch" refForName="gear3"/>
-          <dgm:constr type="ctrY" for="ch" forName="gear3tx" refType="ctrY" refFor="ch" refForName="gear3"/>
-          <dgm:constr type="w" for="ch" forName="gear3srcNode" val="1"/>
-          <dgm:constr type="h" for="ch" forName="gear3srcNode" val="1"/>
-          <dgm:constr type="l" for="ch" forName="gear3srcNode" refType="w" fact="0.3"/>
-          <dgm:constr type="t" for="ch" forName="gear3srcNode" refType="w" fact="0.25"/>
-          <dgm:constr type="w" for="ch" forName="gear3dstNode" val="1"/>
-          <dgm:constr type="h" for="ch" forName="gear3dstNode" val="1"/>
-          <dgm:constr type="l" for="ch" forName="gear3dstNode" refType="w" fact="0.38"/>
-          <dgm:constr type="t" for="ch" forName="gear3dstNode" refType="h" fact="0.05"/>
-          <dgm:constr type="diam" for="des" forName="connector3" refType="w" refFor="ch" refForName="gear3" op="equ"/>
-          <dgm:constr type="h" for="des" forName="connector3" refType="w" refFor="ch" refForName="gear1" op="equ" fact="0.1"/>
-          <dgm:constr type="w" for="ch" forName="gear3ch" refType="w" fact="0.35"/>
-          <dgm:constr type="h" for="ch" forName="gear3ch" refType="w" refFor="ch" refForName="gear3ch" fact="0.6"/>
-          <dgm:constr type="l" for="ch" forName="gear3ch" refType="w" fact="0.65"/>
-          <dgm:constr type="t" for="ch" forName="gear3ch" refType="h" fact="0.13"/>
-        </dgm:constrLst>
-      </dgm:else>
-    </dgm:choose>
-    <dgm:ruleLst/>
-    <dgm:forEach name="Name4" axis="ch" ptType="node" cnt="1">
-      <dgm:layoutNode name="gear1" styleLbl="node1">
-        <dgm:varLst>
-          <dgm:chMax val="1"/>
-          <dgm:bulletEnabled val="1"/>
-        </dgm:varLst>
-        <dgm:alg type="tx">
-          <dgm:param type="txAnchorVertCh" val="mid"/>
-        </dgm:alg>
-        <dgm:shape xmlns:r="http://schemas.openxmlformats.org/officeDocument/2006/relationships" type="gear9" r:blip="">
-          <dgm:adjLst/>
-        </dgm:shape>
-        <dgm:presOf axis="self"/>
-        <dgm:constrLst>
-          <dgm:constr type="tMarg" refType="primFontSz" fact="0.1"/>
-          <dgm:constr type="bMarg" refType="primFontSz" fact="0.1"/>
-          <dgm:constr type="lMarg" refType="primFontSz" fact="0.1"/>
-          <dgm:constr type="rMarg" refType="primFontSz" fact="0.1"/>
-        </dgm:constrLst>
-        <dgm:ruleLst>
-          <dgm:rule type="primFontSz" val="5" fact="NaN" max="NaN"/>
-        </dgm:ruleLst>
-      </dgm:layoutNode>
-      <dgm:layoutNode name="gear1srcNode">
-        <dgm:alg type="sp"/>
-        <dgm:shape xmlns:r="http://schemas.openxmlformats.org/officeDocument/2006/relationships" type="rect" r:blip="" hideGeom="1">
-          <dgm:adjLst/>
-        </dgm:shape>
-        <dgm:presOf axis="self"/>
-        <dgm:constrLst/>
-        <dgm:ruleLst/>
-      </dgm:layoutNode>
-      <dgm:layoutNode name="gear1dstNode">
-        <dgm:alg type="sp"/>
-        <dgm:shape xmlns:r="http://schemas.openxmlformats.org/officeDocument/2006/relationships" type="rect" r:blip="" hideGeom="1">
-          <dgm:adjLst/>
-        </dgm:shape>
-        <dgm:presOf axis="self"/>
-        <dgm:constrLst/>
-        <dgm:ruleLst/>
-      </dgm:layoutNode>
-      <dgm:choose name="Name5">
-        <dgm:if name="Name6" axis="ch" ptType="node" func="cnt" op="gte" val="1">
-          <dgm:layoutNode name="gear1ch" styleLbl="fgAcc1">
-            <dgm:varLst>
-              <dgm:chMax val="0"/>
-              <dgm:bulletEnabled val="1"/>
-            </dgm:varLst>
-            <dgm:alg type="tx">
-              <dgm:param type="stBulletLvl" val="1"/>
-            </dgm:alg>
-            <dgm:shape xmlns:r="http://schemas.openxmlformats.org/officeDocument/2006/relationships" type="roundRect" r:blip="">
-              <dgm:adjLst>
-                <dgm:adj idx="1" val="0.1"/>
-              </dgm:adjLst>
-            </dgm:shape>
-            <dgm:presOf axis="des" ptType="node"/>
-            <dgm:constrLst>
-              <dgm:constr type="tMarg" refType="primFontSz" fact="0.3"/>
-              <dgm:constr type="bMarg" refType="primFontSz" fact="0.3"/>
-              <dgm:constr type="lMarg" refType="primFontSz" fact="0.3"/>
-              <dgm:constr type="rMarg" refType="primFontSz" fact="0.3"/>
-            </dgm:constrLst>
-            <dgm:ruleLst>
-              <dgm:rule type="primFontSz" val="5" fact="NaN" max="NaN"/>
-            </dgm:ruleLst>
-          </dgm:layoutNode>
-        </dgm:if>
-        <dgm:else name="Name7"/>
-      </dgm:choose>
-    </dgm:forEach>
-    <dgm:forEach name="Name8" axis="ch" ptType="node" st="2" cnt="1">
-      <dgm:layoutNode name="gear2" styleLbl="node1">
-        <dgm:varLst>
-          <dgm:chMax val="1"/>
-          <dgm:bulletEnabled val="1"/>
-        </dgm:varLst>
-        <dgm:alg type="tx">
-          <dgm:param type="txAnchorVertCh" val="mid"/>
-        </dgm:alg>
-        <dgm:shape xmlns:r="http://schemas.openxmlformats.org/officeDocument/2006/relationships" type="gear6" r:blip="">
-          <dgm:adjLst/>
-        </dgm:shape>
-        <dgm:presOf axis="self"/>
-        <dgm:constrLst>
-          <dgm:constr type="tMarg" refType="primFontSz" fact="0.1"/>
-          <dgm:constr type="bMarg" refType="primFontSz" fact="0.1"/>
-          <dgm:constr type="lMarg" refType="primFontSz" fact="0.1"/>
-          <dgm:constr type="rMarg" refType="primFontSz" fact="0.1"/>
-        </dgm:constrLst>
-        <dgm:ruleLst>
-          <dgm:rule type="primFontSz" val="5" fact="NaN" max="NaN"/>
-        </dgm:ruleLst>
-      </dgm:layoutNode>
-      <dgm:layoutNode name="gear2srcNode">
-        <dgm:alg type="sp"/>
-        <dgm:shape xmlns:r="http://schemas.openxmlformats.org/officeDocument/2006/relationships" type="rect" r:blip="" hideGeom="1">
-          <dgm:adjLst/>
-        </dgm:shape>
-        <dgm:presOf axis="self"/>
-        <dgm:constrLst/>
-        <dgm:ruleLst/>
-      </dgm:layoutNode>
-      <dgm:layoutNode name="gear2dstNode">
-        <dgm:alg type="sp"/>
-        <dgm:shape xmlns:r="http://schemas.openxmlformats.org/officeDocument/2006/relationships" type="rect" r:blip="" hideGeom="1">
-          <dgm:adjLst/>
-        </dgm:shape>
-        <dgm:presOf axis="self"/>
-        <dgm:constrLst/>
-        <dgm:ruleLst/>
-      </dgm:layoutNode>
-      <dgm:choose name="Name9">
-        <dgm:if name="Name10" axis="ch" ptType="node" func="cnt" op="gte" val="1">
-          <dgm:layoutNode name="gear2ch" styleLbl="fgAcc1">
-            <dgm:varLst>
-              <dgm:chMax val="0"/>
-              <dgm:bulletEnabled val="1"/>
-            </dgm:varLst>
-            <dgm:alg type="tx">
-              <dgm:param type="stBulletLvl" val="1"/>
-            </dgm:alg>
-            <dgm:shape xmlns:r="http://schemas.openxmlformats.org/officeDocument/2006/relationships" type="roundRect" r:blip="">
-              <dgm:adjLst>
-                <dgm:adj idx="1" val="0.1"/>
-              </dgm:adjLst>
-            </dgm:shape>
-            <dgm:presOf axis="des" ptType="node"/>
-            <dgm:constrLst>
-              <dgm:constr type="tMarg" refType="primFontSz" fact="0.3"/>
-              <dgm:constr type="bMarg" refType="primFontSz" fact="0.3"/>
-              <dgm:constr type="lMarg" refType="primFontSz" fact="0.3"/>
-              <dgm:constr type="rMarg" refType="primFontSz" fact="0.3"/>
-            </dgm:constrLst>
-            <dgm:ruleLst>
-              <dgm:rule type="primFontSz" val="5" fact="NaN" max="NaN"/>
-            </dgm:ruleLst>
-          </dgm:layoutNode>
-        </dgm:if>
-        <dgm:else name="Name11"/>
-      </dgm:choose>
-    </dgm:forEach>
-    <dgm:forEach name="Name12" axis="ch" ptType="node" st="3" cnt="1">
-      <dgm:layoutNode name="gear3" styleLbl="node1">
-        <dgm:alg type="sp"/>
-        <dgm:shape xmlns:r="http://schemas.openxmlformats.org/officeDocument/2006/relationships" rot="-15" type="gear6" r:blip="">
-          <dgm:adjLst/>
-        </dgm:shape>
-        <dgm:presOf axis="self"/>
-        <dgm:constrLst/>
-        <dgm:ruleLst/>
-      </dgm:layoutNode>
-      <dgm:layoutNode name="gear3tx" styleLbl="node1">
-        <dgm:varLst>
-          <dgm:chMax val="1"/>
-          <dgm:bulletEnabled val="1"/>
-        </dgm:varLst>
-        <dgm:alg type="tx">
-          <dgm:param type="txAnchorVertCh" val="mid"/>
-        </dgm:alg>
-        <dgm:shape xmlns:r="http://schemas.openxmlformats.org/officeDocument/2006/relationships" type="rect" r:blip="" hideGeom="1">
-          <dgm:adjLst/>
-        </dgm:shape>
-        <dgm:presOf axis="self"/>
-        <dgm:constrLst>
-          <dgm:constr type="tMarg" refType="primFontSz" fact="0.1"/>
-          <dgm:constr type="bMarg" refType="primFontSz" fact="0.1"/>
-          <dgm:constr type="lMarg" refType="primFontSz" fact="0.1"/>
-          <dgm:constr type="rMarg" refType="primFontSz" fact="0.1"/>
-        </dgm:constrLst>
-        <dgm:ruleLst>
-          <dgm:rule type="primFontSz" val="5" fact="NaN" max="NaN"/>
-        </dgm:ruleLst>
-      </dgm:layoutNode>
-      <dgm:layoutNode name="gear3srcNode">
-        <dgm:alg type="sp"/>
-        <dgm:shape xmlns:r="http://schemas.openxmlformats.org/officeDocument/2006/relationships" type="rect" r:blip="" hideGeom="1">
-          <dgm:adjLst/>
-        </dgm:shape>
-        <dgm:presOf axis="self"/>
-        <dgm:constrLst/>
-        <dgm:ruleLst/>
-      </dgm:layoutNode>
-      <dgm:layoutNode name="gear3dstNode">
-        <dgm:alg type="sp"/>
-        <dgm:shape xmlns:r="http://schemas.openxmlformats.org/officeDocument/2006/relationships" type="rect" r:blip="" hideGeom="1">
-          <dgm:adjLst/>
-        </dgm:shape>
-        <dgm:presOf axis="self"/>
-        <dgm:constrLst/>
-        <dgm:ruleLst/>
-      </dgm:layoutNode>
-      <dgm:choose name="Name13">
-        <dgm:if name="Name14" axis="ch" ptType="node" func="cnt" op="gte" val="1">
-          <dgm:layoutNode name="gear3ch" styleLbl="fgAcc1">
-            <dgm:varLst>
-              <dgm:chMax val="0"/>
-              <dgm:bulletEnabled val="1"/>
-            </dgm:varLst>
-            <dgm:alg type="tx">
-              <dgm:param type="stBulletLvl" val="1"/>
-            </dgm:alg>
-            <dgm:shape xmlns:r="http://schemas.openxmlformats.org/officeDocument/2006/relationships" type="roundRect" r:blip="">
-              <dgm:adjLst>
-                <dgm:adj idx="1" val="0.1"/>
-              </dgm:adjLst>
-            </dgm:shape>
-            <dgm:presOf axis="des" ptType="node"/>
-            <dgm:constrLst>
-              <dgm:constr type="tMarg" refType="primFontSz" fact="0.3"/>
-              <dgm:constr type="bMarg" refType="primFontSz" fact="0.3"/>
-              <dgm:constr type="lMarg" refType="primFontSz" fact="0.3"/>
-              <dgm:constr type="rMarg" refType="primFontSz" fact="0.3"/>
-            </dgm:constrLst>
-            <dgm:ruleLst>
-              <dgm:rule type="primFontSz" val="5" fact="NaN" max="NaN"/>
-            </dgm:ruleLst>
-          </dgm:layoutNode>
-        </dgm:if>
-        <dgm:else name="Name15"/>
-      </dgm:choose>
-    </dgm:forEach>
-    <dgm:forEach name="Name16" axis="ch" ptType="sibTrans" hideLastTrans="0" cnt="1">
-      <dgm:layoutNode name="connector1" styleLbl="sibTrans2D1">
-        <dgm:alg type="conn">
-          <dgm:param type="connRout" val="curve"/>
-          <dgm:param type="srcNode" val="gear1srcNode"/>
-          <dgm:param type="dstNode" val="gear1dstNode"/>
-          <dgm:param type="begPts" val="midR"/>
-          <dgm:param type="endPts" val="tCtr"/>
-        </dgm:alg>
-        <dgm:shape xmlns:r="http://schemas.openxmlformats.org/officeDocument/2006/relationships" type="conn" r:blip="">
-          <dgm:adjLst/>
-        </dgm:shape>
-        <dgm:presOf axis="self"/>
-        <dgm:constrLst>
-          <dgm:constr type="w" val="10"/>
-          <dgm:constr type="h" val="10"/>
-          <dgm:constr type="begPad"/>
-          <dgm:constr type="endPad"/>
-        </dgm:constrLst>
-        <dgm:ruleLst/>
-      </dgm:layoutNode>
-    </dgm:forEach>
-    <dgm:forEach name="Name17" axis="ch" ptType="sibTrans" hideLastTrans="0" st="2" cnt="1">
-      <dgm:layoutNode name="connector2" styleLbl="sibTrans2D1">
-        <dgm:alg type="conn">
-          <dgm:param type="connRout" val="curve"/>
-          <dgm:param type="srcNode" val="gear2srcNode"/>
-          <dgm:param type="dstNode" val="gear2dstNode"/>
-          <dgm:param type="begPts" val="midL"/>
-          <dgm:param type="endPts" val="midL"/>
-        </dgm:alg>
-        <dgm:shape xmlns:r="http://schemas.openxmlformats.org/officeDocument/2006/relationships" type="conn" r:blip="">
-          <dgm:adjLst/>
-        </dgm:shape>
-        <dgm:presOf axis="self"/>
-        <dgm:constrLst>
-          <dgm:constr type="w" val="10"/>
-          <dgm:constr type="h" val="10"/>
-          <dgm:constr type="begPad"/>
-          <dgm:constr type="endPad"/>
-        </dgm:constrLst>
-        <dgm:ruleLst/>
-      </dgm:layoutNode>
-    </dgm:forEach>
-    <dgm:forEach name="Name18" axis="ch" ptType="sibTrans" hideLastTrans="0" st="3" cnt="1">
-      <dgm:layoutNode name="connector3" styleLbl="sibTrans2D1">
-        <dgm:alg type="conn">
-          <dgm:param type="connRout" val="curve"/>
-          <dgm:param type="srcNode" val="gear3srcNode"/>
-          <dgm:param type="dstNode" val="gear3dstNode"/>
-          <dgm:param type="begPts" val="midL"/>
-          <dgm:param type="endPts" val="midL"/>
-        </dgm:alg>
-        <dgm:shape xmlns:r="http://schemas.openxmlformats.org/officeDocument/2006/relationships" type="conn" r:blip="">
-          <dgm:adjLst/>
-        </dgm:shape>
-        <dgm:presOf axis="self"/>
-        <dgm:constrLst>
-          <dgm:constr type="w" val="10"/>
-          <dgm:constr type="h" val="10"/>
-          <dgm:constr type="begPad"/>
-          <dgm:constr type="endPad"/>
-        </dgm:constrLst>
-        <dgm:ruleLst/>
-      </dgm:layoutNode>
-    </dgm:forEach>
-  </dgm:layoutNode>
-</dgm:layoutDef>
-</file>
-
 <file path=ppt/diagrams/quickStyle1.xml><?xml version="1.0" encoding="utf-8"?>
-<dgm:styleDef xmlns:dgm="http://schemas.openxmlformats.org/drawingml/2006/diagram" xmlns:a="http://schemas.openxmlformats.org/drawingml/2006/main" uniqueId="urn:microsoft.com/office/officeart/2005/8/quickstyle/simple1">
-  <dgm:title val=""/>
-  <dgm:desc val=""/>
-  <dgm:catLst>
-    <dgm:cat type="simple" pri="10100"/>
-  </dgm:catLst>
-  <dgm:scene3d>
-    <a:camera prst="orthographicFront"/>
-    <a:lightRig rig="threePt" dir="t"/>
-  </dgm:scene3d>
-  <dgm:styleLbl name="node0">
-    <dgm:scene3d>
-      <a:camera prst="orthographicFront"/>
-      <a:lightRig rig="threePt" dir="t"/>
-    </dgm:scene3d>
-    <dgm:sp3d/>
-    <dgm:txPr/>
-    <dgm:style>
-      <a:lnRef idx="2">
-        <a:scrgbClr r="0" g="0" b="0"/>
-      </a:lnRef>
-      <a:fillRef idx="1">
-        <a:scrgbClr r="0" g="0" b="0"/>
-      </a:fillRef>
-      <a:effectRef idx="0">
-        <a:scrgbClr r="0" g="0" b="0"/>
-      </a:effectRef>
-      <a:fontRef idx="minor">
-        <a:schemeClr val="lt1"/>
-      </a:fontRef>
-    </dgm:style>
-  </dgm:styleLbl>
-  <dgm:styleLbl name="lnNode1">
-    <dgm:scene3d>
-      <a:camera prst="orthographicFront"/>
-      <a:lightRig rig="threePt" dir="t"/>
-    </dgm:scene3d>
-    <dgm:sp3d/>
-    <dgm:txPr/>
-    <dgm:style>
-      <a:lnRef idx="2">
-        <a:scrgbClr r="0" g="0" b="0"/>
-      </a:lnRef>
-      <a:fillRef idx="1">
-        <a:scrgbClr r="0" g="0" b="0"/>
-      </a:fillRef>
-      <a:effectRef idx="0">
-        <a:scrgbClr r="0" g="0" b="0"/>
-      </a:effectRef>
-      <a:fontRef idx="minor">
-        <a:schemeClr val="lt1"/>
-      </a:fontRef>
-    </dgm:style>
-  </dgm:styleLbl>
-  <dgm:styleLbl name="vennNode1">
-    <dgm:scene3d>
-      <a:camera prst="orthographicFront"/>
-      <a:lightRig rig="threePt" dir="t"/>
-    </dgm:scene3d>
-    <dgm:sp3d/>
-    <dgm:txPr/>
-    <dgm:style>
-      <a:lnRef idx="2">
-        <a:scrgbClr r="0" g="0" b="0"/>
-      </a:lnRef>
-      <a:fillRef idx="1">
-        <a:scrgbClr r="0" g="0" b="0"/>
-      </a:fillRef>
-      <a:effectRef idx="0">
-        <a:scrgbClr r="0" g="0" b="0"/>
-      </a:effectRef>
-      <a:fontRef idx="minor">
-        <a:schemeClr val="tx1"/>
-      </a:fontRef>
-    </dgm:style>
-  </dgm:styleLbl>
-  <dgm:styleLbl name="alignNode1">
-    <dgm:scene3d>
-      <a:camera prst="orthographicFront"/>
-      <a:lightRig rig="threePt" dir="t"/>
-    </dgm:scene3d>
-    <dgm:sp3d/>
-    <dgm:txPr/>
-    <dgm:style>
-      <a:lnRef idx="2">
-        <a:scrgbClr r="0" g="0" b="0"/>
-      </a:lnRef>
-      <a:fillRef idx="1">
-        <a:scrgbClr r="0" g="0" b="0"/>
-      </a:fillRef>
-      <a:effectRef idx="0">
-        <a:scrgbClr r="0" g="0" b="0"/>
-      </a:effectRef>
-      <a:fontRef idx="minor">
-        <a:schemeClr val="lt1"/>
-      </a:fontRef>
-    </dgm:style>
-  </dgm:styleLbl>
-  <dgm:styleLbl name="node1">
-    <dgm:scene3d>
-      <a:camera prst="orthographicFront"/>
-      <a:lightRig rig="threePt" dir="t"/>
-    </dgm:scene3d>
-    <dgm:sp3d/>
-    <dgm:txPr/>
-    <dgm:style>
-      <a:lnRef idx="2">
-        <a:scrgbClr r="0" g="0" b="0"/>
-      </a:lnRef>
-      <a:fillRef idx="1">
-        <a:scrgbClr r="0" g="0" b="0"/>
-      </a:fillRef>
-      <a:effectRef idx="0">
-        <a:scrgbClr r="0" g="0" b="0"/>
-      </a:effectRef>
-      <a:fontRef idx="minor">
-        <a:schemeClr val="lt1"/>
-      </a:fontRef>
-    </dgm:style>
-  </dgm:styleLbl>
-  <dgm:styleLbl name="node2">
-    <dgm:scene3d>
-      <a:camera prst="orthographicFront"/>
-      <a:lightRig rig="threePt" dir="t"/>
-    </dgm:scene3d>
-    <dgm:sp3d/>
-    <dgm:txPr/>
-    <dgm:style>
-      <a:lnRef idx="2">
-        <a:scrgbClr r="0" g="0" b="0"/>
-      </a:lnRef>
-      <a:fillRef idx="1">
-        <a:scrgbClr r="0" g="0" b="0"/>
-      </a:fillRef>
-      <a:effectRef idx="0">
-        <a:scrgbClr r="0" g="0" b="0"/>
-      </a:effectRef>
-      <a:fontRef idx="minor">
-        <a:schemeClr val="lt1"/>
-      </a:fontRef>
-    </dgm:style>
-  </dgm:styleLbl>
-  <dgm:styleLbl name="node3">
-    <dgm:scene3d>
-      <a:camera prst="orthographicFront"/>
-      <a:lightRig rig="threePt" dir="t"/>
-    </dgm:scene3d>
-    <dgm:sp3d/>
-    <dgm:txPr/>
-    <dgm:style>
-      <a:lnRef idx="2">
-        <a:scrgbClr r="0" g="0" b="0"/>
-      </a:lnRef>
-      <a:fillRef idx="1">
-        <a:scrgbClr r="0" g="0" b="0"/>
-      </a:fillRef>
-      <a:effectRef idx="0">
-        <a:scrgbClr r="0" g="0" b="0"/>
-      </a:effectRef>
-      <a:fontRef idx="minor">
-        <a:schemeClr val="lt1"/>
-      </a:fontRef>
-    </dgm:style>
-  </dgm:styleLbl>
-  <dgm:styleLbl name="node4">
-    <dgm:scene3d>
-      <a:camera prst="orthographicFront"/>
-      <a:lightRig rig="threePt" dir="t"/>
-    </dgm:scene3d>
-    <dgm:sp3d/>
-    <dgm:txPr/>
-    <dgm:style>
-      <a:lnRef idx="2">
-        <a:scrgbClr r="0" g="0" b="0"/>
-      </a:lnRef>
-      <a:fillRef idx="1">
-        <a:scrgbClr r="0" g="0" b="0"/>
-      </a:fillRef>
-      <a:effectRef idx="0">
-        <a:scrgbClr r="0" g="0" b="0"/>
-      </a:effectRef>
-      <a:fontRef idx="minor">
-        <a:schemeClr val="lt1"/>
-      </a:fontRef>
-    </dgm:style>
-  </dgm:styleLbl>
-  <dgm:styleLbl name="fgImgPlace1">
-    <dgm:scene3d>
-      <a:camera prst="orthographicFront"/>
-      <a:lightRig rig="threePt" dir="t"/>
-    </dgm:scene3d>
-    <dgm:sp3d/>
-    <dgm:txPr/>
-    <dgm:style>
-      <a:lnRef idx="2">
-        <a:scrgbClr r="0" g="0" b="0"/>
-      </a:lnRef>
-      <a:fillRef idx="1">
-        <a:scrgbClr r="0" g="0" b="0"/>
-      </a:fillRef>
-      <a:effectRef idx="0">
-        <a:scrgbClr r="0" g="0" b="0"/>
-      </a:effectRef>
-      <a:fontRef idx="minor"/>
-    </dgm:style>
-  </dgm:styleLbl>
-  <dgm:styleLbl name="alignImgPlace1">
-    <dgm:scene3d>
-      <a:camera prst="orthographicFront"/>
-      <a:lightRig rig="threePt" dir="t"/>
-    </dgm:scene3d>
-    <dgm:sp3d/>
-    <dgm:txPr/>
-    <dgm:style>
-      <a:lnRef idx="2">
-        <a:scrgbClr r="0" g="0" b="0"/>
-      </a:lnRef>
-      <a:fillRef idx="1">
-        <a:scrgbClr r="0" g="0" b="0"/>
-      </a:fillRef>
-      <a:effectRef idx="0">
-        <a:scrgbClr r="0" g="0" b="0"/>
-      </a:effectRef>
-      <a:fontRef idx="minor"/>
-    </dgm:style>
-  </dgm:styleLbl>
-  <dgm:styleLbl name="bgImgPlace1">
-    <dgm:scene3d>
-      <a:camera prst="orthographicFront"/>
-      <a:lightRig rig="threePt" dir="t"/>
-    </dgm:scene3d>
-    <dgm:sp3d/>
-    <dgm:txPr/>
-    <dgm:style>
-      <a:lnRef idx="2">
-        <a:scrgbClr r="0" g="0" b="0"/>
-      </a:lnRef>
-      <a:fillRef idx="1">
-        <a:scrgbClr r="0" g="0" b="0"/>
-      </a:fillRef>
-      <a:effectRef idx="0">
-        <a:scrgbClr r="0" g="0" b="0"/>
-      </a:effectRef>
-      <a:fontRef idx="minor"/>
-    </dgm:style>
-  </dgm:styleLbl>
-  <dgm:styleLbl name="sibTrans2D1">
-    <dgm:scene3d>
-      <a:camera prst="orthographicFront"/>
-      <a:lightRig rig="threePt" dir="t"/>
-    </dgm:scene3d>
-    <dgm:sp3d/>
-    <dgm:txPr/>
-    <dgm:style>
-      <a:lnRef idx="0">
-        <a:scrgbClr r="0" g="0" b="0"/>
-      </a:lnRef>
-      <a:fillRef idx="1">
-        <a:scrgbClr r="0" g="0" b="0"/>
-      </a:fillRef>
-      <a:effectRef idx="0">
-        <a:scrgbClr r="0" g="0" b="0"/>
-      </a:effectRef>
-      <a:fontRef idx="minor">
-        <a:schemeClr val="lt1"/>
-      </a:fontRef>
-    </dgm:style>
-  </dgm:styleLbl>
-  <dgm:styleLbl name="fgSibTrans2D1">
-    <dgm:scene3d>
-      <a:camera prst="orthographicFront"/>
-      <a:lightRig rig="threePt" dir="t"/>
-    </dgm:scene3d>
-    <dgm:sp3d/>
-    <dgm:txPr/>
-    <dgm:style>
-      <a:lnRef idx="0">
-        <a:scrgbClr r="0" g="0" b="0"/>
-      </a:lnRef>
-      <a:fillRef idx="1">
-        <a:scrgbClr r="0" g="0" b="0"/>
-      </a:fillRef>
-      <a:effectRef idx="0">
-        <a:scrgbClr r="0" g="0" b="0"/>
-      </a:effectRef>
-      <a:fontRef idx="minor">
-        <a:schemeClr val="lt1"/>
-      </a:fontRef>
-    </dgm:style>
-  </dgm:styleLbl>
-  <dgm:styleLbl name="bgSibTrans2D1">
-    <dgm:scene3d>
-      <a:camera prst="orthographicFront"/>
-      <a:lightRig rig="threePt" dir="t"/>
-    </dgm:scene3d>
-    <dgm:sp3d/>
-    <dgm:txPr/>
-    <dgm:style>
-      <a:lnRef idx="0">
-        <a:scrgbClr r="0" g="0" b="0"/>
-      </a:lnRef>
-      <a:fillRef idx="1">
-        <a:scrgbClr r="0" g="0" b="0"/>
-      </a:fillRef>
-      <a:effectRef idx="0">
-        <a:scrgbClr r="0" g="0" b="0"/>
-      </a:effectRef>
-      <a:fontRef idx="minor">
-        <a:schemeClr val="lt1"/>
-      </a:fontRef>
-    </dgm:style>
-  </dgm:styleLbl>
-  <dgm:styleLbl name="sibTrans1D1">
-    <dgm:scene3d>
-      <a:camera prst="orthographicFront"/>
-      <a:lightRig rig="threePt" dir="t"/>
-    </dgm:scene3d>
-    <dgm:sp3d/>
-    <dgm:txPr/>
-    <dgm:style>
-      <a:lnRef idx="1">
-        <a:scrgbClr r="0" g="0" b="0"/>
-      </a:lnRef>
-      <a:fillRef idx="0">
-        <a:scrgbClr r="0" g="0" b="0"/>
-      </a:fillRef>
-      <a:effectRef idx="0">
-        <a:scrgbClr r="0" g="0" b="0"/>
-      </a:effectRef>
-      <a:fontRef idx="minor"/>
-    </dgm:style>
-  </dgm:styleLbl>
-  <dgm:styleLbl name="callout">
-    <dgm:scene3d>
-      <a:camera prst="orthographicFront"/>
-      <a:lightRig rig="threePt" dir="t"/>
-    </dgm:scene3d>
-    <dgm:sp3d/>
-    <dgm:txPr/>
-    <dgm:style>
-      <a:lnRef idx="2">
-        <a:scrgbClr r="0" g="0" b="0"/>
-      </a:lnRef>
-      <a:fillRef idx="1">
-        <a:scrgbClr r="0" g="0" b="0"/>
-      </a:fillRef>
-      <a:effectRef idx="0">
-        <a:scrgbClr r="0" g="0" b="0"/>
-      </a:effectRef>
-      <a:fontRef idx="minor"/>
-    </dgm:style>
-  </dgm:styleLbl>
-  <dgm:styleLbl name="asst0">
-    <dgm:scene3d>
-      <a:camera prst="orthographicFront"/>
-      <a:lightRig rig="threePt" dir="t"/>
-    </dgm:scene3d>
-    <dgm:sp3d/>
-    <dgm:txPr/>
-    <dgm:style>
-      <a:lnRef idx="2">
-        <a:scrgbClr r="0" g="0" b="0"/>
-      </a:lnRef>
-      <a:fillRef idx="1">
-        <a:scrgbClr r="0" g="0" b="0"/>
-      </a:fillRef>
-      <a:effectRef idx="0">
-        <a:scrgbClr r="0" g="0" b="0"/>
-      </a:effectRef>
-      <a:fontRef idx="minor">
-        <a:schemeClr val="lt1"/>
-      </a:fontRef>
-    </dgm:style>
-  </dgm:styleLbl>
-  <dgm:styleLbl name="asst1">
-    <dgm:scene3d>
-      <a:camera prst="orthographicFront"/>
-      <a:lightRig rig="threePt" dir="t"/>
-    </dgm:scene3d>
-    <dgm:sp3d/>
-    <dgm:txPr/>
-    <dgm:style>
-      <a:lnRef idx="2">
-        <a:scrgbClr r="0" g="0" b="0"/>
-      </a:lnRef>
-      <a:fillRef idx="1">
-        <a:scrgbClr r="0" g="0" b="0"/>
-      </a:fillRef>
-      <a:effectRef idx="0">
-        <a:scrgbClr r="0" g="0" b="0"/>
-      </a:effectRef>
-      <a:fontRef idx="minor">
-        <a:schemeClr val="lt1"/>
-      </a:fontRef>
-    </dgm:style>
-  </dgm:styleLbl>
-  <dgm:styleLbl name="asst2">
-    <dgm:scene3d>
-      <a:camera prst="orthographicFront"/>
-      <a:lightRig rig="threePt" dir="t"/>
-    </dgm:scene3d>
-    <dgm:sp3d/>
-    <dgm:txPr/>
-    <dgm:style>
-      <a:lnRef idx="2">
-        <a:scrgbClr r="0" g="0" b="0"/>
-      </a:lnRef>
-      <a:fillRef idx="1">
-        <a:scrgbClr r="0" g="0" b="0"/>
-      </a:fillRef>
-      <a:effectRef idx="0">
-        <a:scrgbClr r="0" g="0" b="0"/>
-      </a:effectRef>
-      <a:fontRef idx="minor">
-        <a:schemeClr val="lt1"/>
-      </a:fontRef>
-    </dgm:style>
-  </dgm:styleLbl>
-  <dgm:styleLbl name="asst3">
-    <dgm:scene3d>
-      <a:camera prst="orthographicFront"/>
-      <a:lightRig rig="threePt" dir="t"/>
-    </dgm:scene3d>
-    <dgm:sp3d/>
-    <dgm:txPr/>
-    <dgm:style>
-      <a:lnRef idx="2">
-        <a:scrgbClr r="0" g="0" b="0"/>
-      </a:lnRef>
-      <a:fillRef idx="1">
-        <a:scrgbClr r="0" g="0" b="0"/>
-      </a:fillRef>
-      <a:effectRef idx="0">
-        <a:scrgbClr r="0" g="0" b="0"/>
-      </a:effectRef>
-      <a:fontRef idx="minor">
-        <a:schemeClr val="lt1"/>
-      </a:fontRef>
-    </dgm:style>
-  </dgm:styleLbl>
-  <dgm:styleLbl name="asst4">
-    <dgm:scene3d>
-      <a:camera prst="orthographicFront"/>
-      <a:lightRig rig="threePt" dir="t"/>
-    </dgm:scene3d>
-    <dgm:sp3d/>
-    <dgm:txPr/>
-    <dgm:style>
-      <a:lnRef idx="2">
-        <a:scrgbClr r="0" g="0" b="0"/>
-      </a:lnRef>
-      <a:fillRef idx="1">
-        <a:scrgbClr r="0" g="0" b="0"/>
-      </a:fillRef>
-      <a:effectRef idx="0">
-        <a:scrgbClr r="0" g="0" b="0"/>
-      </a:effectRef>
-      <a:fontRef idx="minor">
-        <a:schemeClr val="lt1"/>
-      </a:fontRef>
-    </dgm:style>
-  </dgm:styleLbl>
-  <dgm:styleLbl name="parChTrans2D1">
-    <dgm:scene3d>
-      <a:camera prst="orthographicFront"/>
-      <a:lightRig rig="threePt" dir="t"/>
-    </dgm:scene3d>
-    <dgm:sp3d/>
-    <dgm:txPr/>
-    <dgm:style>
-      <a:lnRef idx="2">
-        <a:scrgbClr r="0" g="0" b="0"/>
-      </a:lnRef>
-      <a:fillRef idx="1">
-        <a:scrgbClr r="0" g="0" b="0"/>
-      </a:fillRef>
-      <a:effectRef idx="0">
-        <a:scrgbClr r="0" g="0" b="0"/>
-      </a:effectRef>
-      <a:fontRef idx="minor">
-        <a:schemeClr val="lt1"/>
-      </a:fontRef>
-    </dgm:style>
-  </dgm:styleLbl>
-  <dgm:styleLbl name="parChTrans2D2">
-    <dgm:scene3d>
-      <a:camera prst="orthographicFront"/>
-      <a:lightRig rig="threePt" dir="t"/>
-    </dgm:scene3d>
-    <dgm:sp3d/>
-    <dgm:txPr/>
-    <dgm:style>
-      <a:lnRef idx="2">
-        <a:scrgbClr r="0" g="0" b="0"/>
-      </a:lnRef>
-      <a:fillRef idx="1">
-        <a:scrgbClr r="0" g="0" b="0"/>
-      </a:fillRef>
-      <a:effectRef idx="0">
-        <a:scrgbClr r="0" g="0" b="0"/>
-      </a:effectRef>
-      <a:fontRef idx="minor">
-        <a:schemeClr val="lt1"/>
-      </a:fontRef>
-    </dgm:style>
-  </dgm:styleLbl>
-  <dgm:styleLbl name="parChTrans2D3">
-    <dgm:scene3d>
-      <a:camera prst="orthographicFront"/>
-      <a:lightRig rig="threePt" dir="t"/>
-    </dgm:scene3d>
-    <dgm:sp3d/>
-    <dgm:txPr/>
-    <dgm:style>
-      <a:lnRef idx="2">
-        <a:scrgbClr r="0" g="0" b="0"/>
-      </a:lnRef>
-      <a:fillRef idx="1">
-        <a:scrgbClr r="0" g="0" b="0"/>
-      </a:fillRef>
-      <a:effectRef idx="0">
-        <a:scrgbClr r="0" g="0" b="0"/>
-      </a:effectRef>
-      <a:fontRef idx="minor">
-        <a:schemeClr val="lt1"/>
-      </a:fontRef>
-    </dgm:style>
-  </dgm:styleLbl>
-  <dgm:styleLbl name="parChTrans2D4">
-    <dgm:scene3d>
-      <a:camera prst="orthographicFront"/>
-      <a:lightRig rig="threePt" dir="t"/>
-    </dgm:scene3d>
-    <dgm:sp3d/>
-    <dgm:txPr/>
-    <dgm:style>
-      <a:lnRef idx="2">
-        <a:scrgbClr r="0" g="0" b="0"/>
-      </a:lnRef>
-      <a:fillRef idx="1">
-        <a:scrgbClr r="0" g="0" b="0"/>
-      </a:fillRef>
-      <a:effectRef idx="0">
-        <a:scrgbClr r="0" g="0" b="0"/>
-      </a:effectRef>
-      <a:fontRef idx="minor">
-        <a:schemeClr val="lt1"/>
-      </a:fontRef>
-    </dgm:style>
-  </dgm:styleLbl>
-  <dgm:styleLbl name="parChTrans1D1">
-    <dgm:scene3d>
-      <a:camera prst="orthographicFront"/>
-      <a:lightRig rig="threePt" dir="t"/>
-    </dgm:scene3d>
-    <dgm:sp3d/>
-    <dgm:txPr/>
-    <dgm:style>
-      <a:lnRef idx="2">
-        <a:scrgbClr r="0" g="0" b="0"/>
-      </a:lnRef>
-      <a:fillRef idx="0">
-        <a:scrgbClr r="0" g="0" b="0"/>
-      </a:fillRef>
-      <a:effectRef idx="0">
-        <a:scrgbClr r="0" g="0" b="0"/>
-      </a:effectRef>
-      <a:fontRef idx="minor"/>
-    </dgm:style>
-  </dgm:styleLbl>
-  <dgm:styleLbl name="parChTrans1D2">
-    <dgm:scene3d>
-      <a:camera prst="orthographicFront"/>
-      <a:lightRig rig="threePt" dir="t"/>
-    </dgm:scene3d>
-    <dgm:sp3d/>
-    <dgm:txPr/>
-    <dgm:style>
-      <a:lnRef idx="2">
-        <a:scrgbClr r="0" g="0" b="0"/>
-      </a:lnRef>
-      <a:fillRef idx="0">
-        <a:scrgbClr r="0" g="0" b="0"/>
-      </a:fillRef>
-      <a:effectRef idx="0">
-        <a:scrgbClr r="0" g="0" b="0"/>
-      </a:effectRef>
-      <a:fontRef idx="minor"/>
-    </dgm:style>
-  </dgm:styleLbl>
-  <dgm:styleLbl name="parChTrans1D3">
-    <dgm:scene3d>
-      <a:camera prst="orthographicFront"/>
-      <a:lightRig rig="threePt" dir="t"/>
-    </dgm:scene3d>
-    <dgm:sp3d/>
-    <dgm:txPr/>
-    <dgm:style>
-      <a:lnRef idx="2">
-        <a:scrgbClr r="0" g="0" b="0"/>
-      </a:lnRef>
-      <a:fillRef idx="0">
-        <a:scrgbClr r="0" g="0" b="0"/>
-      </a:fillRef>
-      <a:effectRef idx="0">
-        <a:scrgbClr r="0" g="0" b="0"/>
-      </a:effectRef>
-      <a:fontRef idx="minor"/>
-    </dgm:style>
-  </dgm:styleLbl>
-  <dgm:styleLbl name="parChTrans1D4">
-    <dgm:scene3d>
-      <a:camera prst="orthographicFront"/>
-      <a:lightRig rig="threePt" dir="t"/>
-    </dgm:scene3d>
-    <dgm:sp3d/>
-    <dgm:txPr/>
-    <dgm:style>
-      <a:lnRef idx="2">
-        <a:scrgbClr r="0" g="0" b="0"/>
-      </a:lnRef>
-      <a:fillRef idx="0">
-        <a:scrgbClr r="0" g="0" b="0"/>
-      </a:fillRef>
-      <a:effectRef idx="0">
-        <a:scrgbClr r="0" g="0" b="0"/>
-      </a:effectRef>
-      <a:fontRef idx="minor"/>
-    </dgm:style>
-  </dgm:styleLbl>
-  <dgm:styleLbl name="fgAcc1">
-    <dgm:scene3d>
-      <a:camera prst="orthographicFront"/>
-      <a:lightRig rig="threePt" dir="t"/>
-    </dgm:scene3d>
-    <dgm:sp3d/>
-    <dgm:txPr/>
-    <dgm:style>
-      <a:lnRef idx="2">
-        <a:scrgbClr r="0" g="0" b="0"/>
-      </a:lnRef>
-      <a:fillRef idx="1">
-        <a:scrgbClr r="0" g="0" b="0"/>
-      </a:fillRef>
-      <a:effectRef idx="0">
-        <a:scrgbClr r="0" g="0" b="0"/>
-      </a:effectRef>
-      <a:fontRef idx="minor"/>
-    </dgm:style>
-  </dgm:styleLbl>
-  <dgm:styleLbl name="conFgAcc1">
-    <dgm:scene3d>
-      <a:camera prst="orthographicFront"/>
-      <a:lightRig rig="threePt" dir="t"/>
-    </dgm:scene3d>
-    <dgm:sp3d/>
-    <dgm:txPr/>
-    <dgm:style>
-      <a:lnRef idx="2">
-        <a:scrgbClr r="0" g="0" b="0"/>
-      </a:lnRef>
-      <a:fillRef idx="1">
-        <a:scrgbClr r="0" g="0" b="0"/>
-      </a:fillRef>
-      <a:effectRef idx="0">
-        <a:scrgbClr r="0" g="0" b="0"/>
-      </a:effectRef>
-      <a:fontRef idx="minor"/>
-    </dgm:style>
-  </dgm:styleLbl>
-  <dgm:styleLbl name="alignAcc1">
-    <dgm:scene3d>
-      <a:camera prst="orthographicFront"/>
-      <a:lightRig rig="threePt" dir="t"/>
-    </dgm:scene3d>
-    <dgm:sp3d/>
-    <dgm:txPr/>
-    <dgm:style>
-      <a:lnRef idx="2">
-        <a:scrgbClr r="0" g="0" b="0"/>
-      </a:lnRef>
-      <a:fillRef idx="1">
-        <a:scrgbClr r="0" g="0" b="0"/>
-      </a:fillRef>
-      <a:effectRef idx="0">
-        <a:scrgbClr r="0" g="0" b="0"/>
-      </a:effectRef>
-      <a:fontRef idx="minor"/>
-    </dgm:style>
-  </dgm:styleLbl>
-  <dgm:styleLbl name="trAlignAcc1">
-    <dgm:scene3d>
-      <a:camera prst="orthographicFront"/>
-      <a:lightRig rig="threePt" dir="t"/>
-    </dgm:scene3d>
-    <dgm:sp3d/>
-    <dgm:txPr/>
-    <dgm:style>
-      <a:lnRef idx="1">
-        <a:scrgbClr r="0" g="0" b="0"/>
-      </a:lnRef>
-      <a:fillRef idx="1">
-        <a:scrgbClr r="0" g="0" b="0"/>
-      </a:fillRef>
-      <a:effectRef idx="0">
-        <a:scrgbClr r="0" g="0" b="0"/>
-      </a:effectRef>
-      <a:fontRef idx="minor"/>
-    </dgm:style>
-  </dgm:styleLbl>
-  <dgm:styleLbl name="bgAcc1">
-    <dgm:scene3d>
-      <a:camera prst="orthographicFront"/>
-      <a:lightRig rig="threePt" dir="t"/>
-    </dgm:scene3d>
-    <dgm:sp3d/>
-    <dgm:txPr/>
-    <dgm:style>
-      <a:lnRef idx="2">
-        <a:scrgbClr r="0" g="0" b="0"/>
-      </a:lnRef>
-      <a:fillRef idx="1">
-        <a:scrgbClr r="0" g="0" b="0"/>
-      </a:fillRef>
-      <a:effectRef idx="0">
-        <a:scrgbClr r="0" g="0" b="0"/>
-      </a:effectRef>
-      <a:fontRef idx="minor"/>
-    </dgm:style>
-  </dgm:styleLbl>
-  <dgm:styleLbl name="solidFgAcc1">
-    <dgm:scene3d>
-      <a:camera prst="orthographicFront"/>
-      <a:lightRig rig="threePt" dir="t"/>
-    </dgm:scene3d>
-    <dgm:sp3d/>
-    <dgm:txPr/>
-    <dgm:style>
-      <a:lnRef idx="2">
-        <a:scrgbClr r="0" g="0" b="0"/>
-      </a:lnRef>
-      <a:fillRef idx="1">
-        <a:scrgbClr r="0" g="0" b="0"/>
-      </a:fillRef>
-      <a:effectRef idx="0">
-        <a:scrgbClr r="0" g="0" b="0"/>
-      </a:effectRef>
-      <a:fontRef idx="minor"/>
-    </dgm:style>
-  </dgm:styleLbl>
-  <dgm:styleLbl name="solidAlignAcc1">
-    <dgm:scene3d>
-      <a:camera prst="orthographicFront"/>
-      <a:lightRig rig="threePt" dir="t"/>
-    </dgm:scene3d>
-    <dgm:sp3d/>
-    <dgm:txPr/>
-    <dgm:style>
-      <a:lnRef idx="2">
-        <a:scrgbClr r="0" g="0" b="0"/>
-      </a:lnRef>
-      <a:fillRef idx="1">
-        <a:scrgbClr r="0" g="0" b="0"/>
-      </a:fillRef>
-      <a:effectRef idx="0">
-        <a:scrgbClr r="0" g="0" b="0"/>
-      </a:effectRef>
-      <a:fontRef idx="minor"/>
-    </dgm:style>
-  </dgm:styleLbl>
-  <dgm:styleLbl name="solidBgAcc1">
-    <dgm:scene3d>
-      <a:camera prst="orthographicFront"/>
-      <a:lightRig rig="threePt" dir="t"/>
-    </dgm:scene3d>
-    <dgm:sp3d/>
-    <dgm:txPr/>
-    <dgm:style>
-      <a:lnRef idx="2">
-        <a:scrgbClr r="0" g="0" b="0"/>
-      </a:lnRef>
-      <a:fillRef idx="1">
-        <a:scrgbClr r="0" g="0" b="0"/>
-      </a:fillRef>
-      <a:effectRef idx="0">
-        <a:scrgbClr r="0" g="0" b="0"/>
-      </a:effectRef>
-      <a:fontRef idx="minor"/>
-    </dgm:style>
-  </dgm:styleLbl>
-  <dgm:styleLbl name="fgAccFollowNode1">
-    <dgm:scene3d>
-      <a:camera prst="orthographicFront"/>
-      <a:lightRig rig="threePt" dir="t"/>
-    </dgm:scene3d>
-    <dgm:sp3d/>
-    <dgm:txPr/>
-    <dgm:style>
-      <a:lnRef idx="2">
-        <a:scrgbClr r="0" g="0" b="0"/>
-      </a:lnRef>
-      <a:fillRef idx="1">
-        <a:scrgbClr r="0" g="0" b="0"/>
-      </a:fillRef>
-      <a:effectRef idx="0">
-        <a:scrgbClr r="0" g="0" b="0"/>
-      </a:effectRef>
-      <a:fontRef idx="minor"/>
-    </dgm:style>
-  </dgm:styleLbl>
-  <dgm:styleLbl name="alignAccFollowNode1">
-    <dgm:scene3d>
-      <a:camera prst="orthographicFront"/>
-      <a:lightRig rig="threePt" dir="t"/>
-    </dgm:scene3d>
-    <dgm:sp3d/>
-    <dgm:txPr/>
-    <dgm:style>
-      <a:lnRef idx="2">
-        <a:scrgbClr r="0" g="0" b="0"/>
-      </a:lnRef>
-      <a:fillRef idx="1">
-        <a:scrgbClr r="0" g="0" b="0"/>
-      </a:fillRef>
-      <a:effectRef idx="0">
-        <a:scrgbClr r="0" g="0" b="0"/>
-      </a:effectRef>
-      <a:fontRef idx="minor"/>
-    </dgm:style>
-  </dgm:styleLbl>
-  <dgm:styleLbl name="bgAccFollowNode1">
-    <dgm:scene3d>
-      <a:camera prst="orthographicFront"/>
-      <a:lightRig rig="threePt" dir="t"/>
-    </dgm:scene3d>
-    <dgm:sp3d/>
-    <dgm:txPr/>
-    <dgm:style>
-      <a:lnRef idx="2">
-        <a:scrgbClr r="0" g="0" b="0"/>
-      </a:lnRef>
-      <a:fillRef idx="1">
-        <a:scrgbClr r="0" g="0" b="0"/>
-      </a:fillRef>
-      <a:effectRef idx="0">
-        <a:scrgbClr r="0" g="0" b="0"/>
-      </a:effectRef>
-      <a:fontRef idx="minor"/>
-    </dgm:style>
-  </dgm:styleLbl>
-  <dgm:styleLbl name="fgAcc0">
-    <dgm:scene3d>
-      <a:camera prst="orthographicFront"/>
-      <a:lightRig rig="threePt" dir="t"/>
-    </dgm:scene3d>
-    <dgm:sp3d/>
-    <dgm:txPr/>
-    <dgm:style>
-      <a:lnRef idx="2">
-        <a:scrgbClr r="0" g="0" b="0"/>
-      </a:lnRef>
-      <a:fillRef idx="1">
-        <a:scrgbClr r="0" g="0" b="0"/>
-      </a:fillRef>
-      <a:effectRef idx="0">
-        <a:scrgbClr r="0" g="0" b="0"/>
-      </a:effectRef>
-      <a:fontRef idx="minor"/>
-    </dgm:style>
-  </dgm:styleLbl>
-  <dgm:styleLbl name="fgAcc2">
-    <dgm:scene3d>
-      <a:camera prst="orthographicFront"/>
-      <a:lightRig rig="threePt" dir="t"/>
-    </dgm:scene3d>
-    <dgm:sp3d/>
-    <dgm:txPr/>
-    <dgm:style>
-      <a:lnRef idx="2">
-        <a:scrgbClr r="0" g="0" b="0"/>
-      </a:lnRef>
-      <a:fillRef idx="1">
-        <a:scrgbClr r="0" g="0" b="0"/>
-      </a:fillRef>
-      <a:effectRef idx="0">
-        <a:scrgbClr r="0" g="0" b="0"/>
-      </a:effectRef>
-      <a:fontRef idx="minor"/>
-    </dgm:style>
-  </dgm:styleLbl>
-  <dgm:styleLbl name="fgAcc3">
-    <dgm:scene3d>
-      <a:camera prst="orthographicFront"/>
-      <a:lightRig rig="threePt" dir="t"/>
-    </dgm:scene3d>
-    <dgm:sp3d/>
-    <dgm:txPr/>
-    <dgm:style>
-      <a:lnRef idx="2">
-        <a:scrgbClr r="0" g="0" b="0"/>
-      </a:lnRef>
-      <a:fillRef idx="1">
-        <a:scrgbClr r="0" g="0" b="0"/>
-      </a:fillRef>
-      <a:effectRef idx="0">
-        <a:scrgbClr r="0" g="0" b="0"/>
-      </a:effectRef>
-      <a:fontRef idx="minor"/>
-    </dgm:style>
-  </dgm:styleLbl>
-  <dgm:styleLbl name="fgAcc4">
-    <dgm:scene3d>
-      <a:camera prst="orthographicFront"/>
-      <a:lightRig rig="threePt" dir="t"/>
-    </dgm:scene3d>
-    <dgm:sp3d/>
-    <dgm:txPr/>
-    <dgm:style>
-      <a:lnRef idx="2">
-        <a:scrgbClr r="0" g="0" b="0"/>
-      </a:lnRef>
-      <a:fillRef idx="1">
-        <a:scrgbClr r="0" g="0" b="0"/>
-      </a:fillRef>
-      <a:effectRef idx="0">
-        <a:scrgbClr r="0" g="0" b="0"/>
-      </a:effectRef>
-      <a:fontRef idx="minor"/>
-    </dgm:style>
-  </dgm:styleLbl>
-  <dgm:styleLbl name="bgShp">
-    <dgm:scene3d>
-      <a:camera prst="orthographicFront"/>
-      <a:lightRig rig="threePt" dir="t"/>
-    </dgm:scene3d>
-    <dgm:sp3d/>
-    <dgm:txPr/>
-    <dgm:style>
-      <a:lnRef idx="0">
-        <a:scrgbClr r="0" g="0" b="0"/>
-      </a:lnRef>
-      <a:fillRef idx="1">
-        <a:scrgbClr r="0" g="0" b="0"/>
-      </a:fillRef>
-      <a:effectRef idx="0">
-        <a:scrgbClr r="0" g="0" b="0"/>
-      </a:effectRef>
-      <a:fontRef idx="minor"/>
-    </dgm:style>
-  </dgm:styleLbl>
-  <dgm:styleLbl name="dkBgShp">
-    <dgm:scene3d>
-      <a:camera prst="orthographicFront"/>
-      <a:lightRig rig="threePt" dir="t"/>
-    </dgm:scene3d>
-    <dgm:sp3d/>
-    <dgm:txPr/>
-    <dgm:style>
-      <a:lnRef idx="0">
-        <a:scrgbClr r="0" g="0" b="0"/>
-      </a:lnRef>
-      <a:fillRef idx="1">
-        <a:scrgbClr r="0" g="0" b="0"/>
-      </a:fillRef>
-      <a:effectRef idx="0">
-        <a:scrgbClr r="0" g="0" b="0"/>
-      </a:effectRef>
-      <a:fontRef idx="minor"/>
-    </dgm:style>
-  </dgm:styleLbl>
-  <dgm:styleLbl name="trBgShp">
-    <dgm:scene3d>
-      <a:camera prst="orthographicFront"/>
-      <a:lightRig rig="threePt" dir="t"/>
-    </dgm:scene3d>
-    <dgm:sp3d/>
-    <dgm:txPr/>
-    <dgm:style>
-      <a:lnRef idx="0">
-        <a:scrgbClr r="0" g="0" b="0"/>
-      </a:lnRef>
-      <a:fillRef idx="1">
-        <a:scrgbClr r="0" g="0" b="0"/>
-      </a:fillRef>
-      <a:effectRef idx="0">
-        <a:scrgbClr r="0" g="0" b="0"/>
-      </a:effectRef>
-      <a:fontRef idx="minor"/>
-    </dgm:style>
-  </dgm:styleLbl>
-  <dgm:styleLbl name="fgShp">
-    <dgm:scene3d>
-      <a:camera prst="orthographicFront"/>
-      <a:lightRig rig="threePt" dir="t"/>
-    </dgm:scene3d>
-    <dgm:sp3d/>
-    <dgm:txPr/>
-    <dgm:style>
-      <a:lnRef idx="2">
-        <a:scrgbClr r="0" g="0" b="0"/>
-      </a:lnRef>
-      <a:fillRef idx="1">
-        <a:scrgbClr r="0" g="0" b="0"/>
-      </a:fillRef>
-      <a:effectRef idx="0">
-        <a:scrgbClr r="0" g="0" b="0"/>
-      </a:effectRef>
-      <a:fontRef idx="minor"/>
-    </dgm:style>
-  </dgm:styleLbl>
-  <dgm:styleLbl name="revTx">
-    <dgm:scene3d>
-      <a:camera prst="orthographicFront"/>
-      <a:lightRig rig="threePt" dir="t"/>
-    </dgm:scene3d>
-    <dgm:sp3d/>
-    <dgm:txPr/>
-    <dgm:style>
-      <a:lnRef idx="0">
-        <a:scrgbClr r="0" g="0" b="0"/>
-      </a:lnRef>
-      <a:fillRef idx="0">
-        <a:scrgbClr r="0" g="0" b="0"/>
-      </a:fillRef>
-      <a:effectRef idx="0">
-        <a:scrgbClr r="0" g="0" b="0"/>
-      </a:effectRef>
-      <a:fontRef idx="minor"/>
-    </dgm:style>
-  </dgm:styleLbl>
-</dgm:styleDef>
-</file>
-
-<file path=ppt/diagrams/quickStyle2.xml><?xml version="1.0" encoding="utf-8"?>
 <dgm:styleDef xmlns:dgm="http://schemas.openxmlformats.org/drawingml/2006/diagram" xmlns:a="http://schemas.openxmlformats.org/drawingml/2006/main" uniqueId="urn:microsoft.com/office/officeart/2005/8/quickstyle/simple1">
   <dgm:title val=""/>
   <dgm:desc val=""/>
@@ -14928,6 +12365,104 @@
           </a:p>
         </p:txBody>
       </p:sp>
+      <p:sp>
+        <p:nvSpPr>
+          <p:cNvPr id="5" name="TextBox 4">
+            <a:extLst>
+              <a:ext uri="{FF2B5EF4-FFF2-40B4-BE49-F238E27FC236}">
+                <a16:creationId xmlns:a16="http://schemas.microsoft.com/office/drawing/2014/main" id="{4A87ED60-18A8-21BD-D8FF-D45C47A250B4}"/>
+              </a:ext>
+            </a:extLst>
+          </p:cNvPr>
+          <p:cNvSpPr txBox="1"/>
+          <p:nvPr/>
+        </p:nvSpPr>
+        <p:spPr>
+          <a:xfrm>
+            <a:off x="655112" y="3391759"/>
+            <a:ext cx="3315065" cy="584775"/>
+          </a:xfrm>
+          <a:prstGeom prst="rect">
+            <a:avLst/>
+          </a:prstGeom>
+          <a:noFill/>
+        </p:spPr>
+        <p:txBody>
+          <a:bodyPr wrap="square" rtlCol="0">
+            <a:spAutoFit/>
+          </a:bodyPr>
+          <a:lstStyle/>
+          <a:p>
+            <a:pPr algn="ctr"/>
+            <a:r>
+              <a:rPr lang="es-AR" sz="1600" dirty="0">
+                <a:solidFill>
+                  <a:schemeClr val="bg2"/>
+                </a:solidFill>
+                <a:latin typeface="Segoe UI" panose="020B0502040204020203" pitchFamily="34" charset="0"/>
+                <a:cs typeface="Segoe UI" panose="020B0502040204020203" pitchFamily="34" charset="0"/>
+              </a:rPr>
+              <a:t>Gonzalo Ducca – Nahuel Toledo – Agustín Rizzo</a:t>
+            </a:r>
+            <a:endParaRPr lang="en-US" sz="1600" dirty="0">
+              <a:solidFill>
+                <a:schemeClr val="bg2"/>
+              </a:solidFill>
+              <a:latin typeface="Segoe UI" panose="020B0502040204020203" pitchFamily="34" charset="0"/>
+              <a:cs typeface="Segoe UI" panose="020B0502040204020203" pitchFamily="34" charset="0"/>
+            </a:endParaRPr>
+          </a:p>
+        </p:txBody>
+      </p:sp>
+      <p:sp>
+        <p:nvSpPr>
+          <p:cNvPr id="8" name="TextBox 7">
+            <a:extLst>
+              <a:ext uri="{FF2B5EF4-FFF2-40B4-BE49-F238E27FC236}">
+                <a16:creationId xmlns:a16="http://schemas.microsoft.com/office/drawing/2014/main" id="{90E00C7A-1029-79F7-C407-514BD1B078C7}"/>
+              </a:ext>
+            </a:extLst>
+          </p:cNvPr>
+          <p:cNvSpPr txBox="1"/>
+          <p:nvPr/>
+        </p:nvSpPr>
+        <p:spPr>
+          <a:xfrm>
+            <a:off x="-514400" y="6443318"/>
+            <a:ext cx="2270317" cy="307777"/>
+          </a:xfrm>
+          <a:prstGeom prst="rect">
+            <a:avLst/>
+          </a:prstGeom>
+          <a:noFill/>
+        </p:spPr>
+        <p:txBody>
+          <a:bodyPr wrap="square" rtlCol="0">
+            <a:spAutoFit/>
+          </a:bodyPr>
+          <a:lstStyle/>
+          <a:p>
+            <a:pPr algn="ctr"/>
+            <a:r>
+              <a:rPr lang="es-AR" sz="1400" dirty="0">
+                <a:solidFill>
+                  <a:schemeClr val="bg2"/>
+                </a:solidFill>
+                <a:latin typeface="Segoe UI" panose="020B0502040204020203" pitchFamily="34" charset="0"/>
+                <a:cs typeface="Segoe UI" panose="020B0502040204020203" pitchFamily="34" charset="0"/>
+              </a:rPr>
+              <a:t>14/06/2024</a:t>
+            </a:r>
+            <a:endParaRPr lang="en-US" sz="1400" dirty="0">
+              <a:solidFill>
+                <a:schemeClr val="bg2"/>
+              </a:solidFill>
+              <a:latin typeface="Segoe UI" panose="020B0502040204020203" pitchFamily="34" charset="0"/>
+              <a:cs typeface="Segoe UI" panose="020B0502040204020203" pitchFamily="34" charset="0"/>
+            </a:endParaRPr>
+          </a:p>
+        </p:txBody>
+      </p:sp>
     </p:spTree>
     <p:extLst>
       <p:ext uri="{BB962C8B-B14F-4D97-AF65-F5344CB8AC3E}">
@@ -14986,8 +12521,8 @@
         </p:nvSpPr>
         <p:spPr>
           <a:xfrm>
-            <a:off x="-1618050" y="152073"/>
-            <a:ext cx="8497222" cy="646331"/>
+            <a:off x="-245224" y="1146664"/>
+            <a:ext cx="3486990" cy="461665"/>
           </a:xfrm>
           <a:prstGeom prst="rect">
             <a:avLst/>
@@ -15002,15 +12537,15 @@
           <a:p>
             <a:pPr algn="ctr"/>
             <a:r>
-              <a:rPr lang="es-AR" sz="3600" b="1" dirty="0">
+              <a:rPr lang="es-AR" sz="2400" b="1" u="sng" dirty="0">
                 <a:solidFill>
                   <a:schemeClr val="bg2"/>
                 </a:solidFill>
                 <a:latin typeface="+mj-lt"/>
               </a:rPr>
-              <a:t>Objetivo del proyecto</a:t>
+              <a:t>Objetivos</a:t>
             </a:r>
-            <a:endParaRPr lang="en-US" sz="3600" b="1" dirty="0">
+            <a:endParaRPr lang="en-US" sz="2400" b="1" u="sng" dirty="0">
               <a:solidFill>
                 <a:schemeClr val="bg2"/>
               </a:solidFill>
@@ -15033,8 +12568,8 @@
         </p:nvSpPr>
         <p:spPr>
           <a:xfrm>
-            <a:off x="403511" y="1488713"/>
-            <a:ext cx="11367317" cy="2246769"/>
+            <a:off x="541701" y="1768041"/>
+            <a:ext cx="11367317" cy="2031325"/>
           </a:xfrm>
           <a:prstGeom prst="rect">
             <a:avLst/>
@@ -15052,7 +12587,7 @@
               <a:buChar char="ü"/>
             </a:pPr>
             <a:r>
-              <a:rPr lang="es-ES" sz="2000" dirty="0">
+              <a:rPr lang="es-ES" b="1" dirty="0">
                 <a:solidFill>
                   <a:schemeClr val="bg2"/>
                 </a:solidFill>
@@ -15061,7 +12596,7 @@
             </a:r>
           </a:p>
           <a:p>
-            <a:endParaRPr lang="es-ES" sz="2000" dirty="0">
+            <a:endParaRPr lang="es-ES" b="1" dirty="0">
               <a:solidFill>
                 <a:schemeClr val="bg2"/>
               </a:solidFill>
@@ -15073,7 +12608,7 @@
               <a:buChar char="ü"/>
             </a:pPr>
             <a:r>
-              <a:rPr lang="es-ES" sz="2000" dirty="0">
+              <a:rPr lang="es-ES" b="1" dirty="0">
                 <a:solidFill>
                   <a:schemeClr val="bg2"/>
                 </a:solidFill>
@@ -15082,7 +12617,7 @@
             </a:r>
           </a:p>
           <a:p>
-            <a:endParaRPr lang="es-ES" sz="2000" dirty="0">
+            <a:endParaRPr lang="es-ES" b="1" dirty="0">
               <a:solidFill>
                 <a:schemeClr val="bg2"/>
               </a:solidFill>
@@ -15094,7 +12629,7 @@
               <a:buChar char="ü"/>
             </a:pPr>
             <a:r>
-              <a:rPr lang="es-ES" sz="2000" dirty="0">
+              <a:rPr lang="es-ES" b="1" dirty="0">
                 <a:solidFill>
                   <a:schemeClr val="bg2"/>
                 </a:solidFill>
@@ -15103,7 +12638,7 @@
             </a:r>
           </a:p>
           <a:p>
-            <a:endParaRPr lang="es-ES" sz="2000" dirty="0">
+            <a:endParaRPr lang="es-ES" b="1" dirty="0">
               <a:solidFill>
                 <a:schemeClr val="bg2"/>
               </a:solidFill>
@@ -15115,14 +12650,14 @@
               <a:buChar char="ü"/>
             </a:pPr>
             <a:r>
-              <a:rPr lang="es-ES" sz="2000" dirty="0">
+              <a:rPr lang="es-ES" b="1" dirty="0">
                 <a:solidFill>
                   <a:schemeClr val="bg2"/>
                 </a:solidFill>
               </a:rPr>
               <a:t>Desarrollar y aplicar estrategias específicas para retener a los clientes identificados en riesgo.</a:t>
             </a:r>
-            <a:endParaRPr lang="en-US" sz="2000" dirty="0">
+            <a:endParaRPr lang="en-US" b="1" dirty="0">
               <a:solidFill>
                 <a:schemeClr val="bg2"/>
               </a:solidFill>
@@ -15130,12 +12665,79 @@
           </a:p>
         </p:txBody>
       </p:sp>
+      <p:sp>
+        <p:nvSpPr>
+          <p:cNvPr id="20" name="TextBox 19">
+            <a:extLst>
+              <a:ext uri="{FF2B5EF4-FFF2-40B4-BE49-F238E27FC236}">
+                <a16:creationId xmlns:a16="http://schemas.microsoft.com/office/drawing/2014/main" id="{6C8BD7A8-4014-B303-4F03-344A272C0124}"/>
+              </a:ext>
+            </a:extLst>
+          </p:cNvPr>
+          <p:cNvSpPr txBox="1"/>
+          <p:nvPr/>
+        </p:nvSpPr>
+        <p:spPr>
+          <a:xfrm>
+            <a:off x="1192243" y="139617"/>
+            <a:ext cx="9822121" cy="954107"/>
+          </a:xfrm>
+          <a:prstGeom prst="rect">
+            <a:avLst/>
+          </a:prstGeom>
+          <a:noFill/>
+        </p:spPr>
+        <p:txBody>
+          <a:bodyPr wrap="square" rtlCol="0">
+            <a:spAutoFit/>
+          </a:bodyPr>
+          <a:lstStyle/>
+          <a:p>
+            <a:pPr algn="ctr"/>
+            <a:r>
+              <a:rPr lang="es-AR" sz="2800" b="1" dirty="0">
+                <a:solidFill>
+                  <a:schemeClr val="tx2">
+                    <a:lumMod val="10000"/>
+                    <a:lumOff val="90000"/>
+                  </a:schemeClr>
+                </a:solidFill>
+                <a:effectLst>
+                  <a:outerShdw blurRad="38100" dist="38100" dir="2700000" algn="tl">
+                    <a:srgbClr val="000000">
+                      <a:alpha val="43137"/>
+                    </a:srgbClr>
+                  </a:outerShdw>
+                </a:effectLst>
+                <a:latin typeface="+mj-lt"/>
+              </a:rPr>
+              <a:t>Predicción de fuga de clientes en negocio de telecomunicaciones</a:t>
+            </a:r>
+            <a:endParaRPr lang="en-US" sz="2800" b="1" dirty="0">
+              <a:solidFill>
+                <a:schemeClr val="tx2">
+                  <a:lumMod val="10000"/>
+                  <a:lumOff val="90000"/>
+                </a:schemeClr>
+              </a:solidFill>
+              <a:effectLst>
+                <a:outerShdw blurRad="38100" dist="38100" dir="2700000" algn="tl">
+                  <a:srgbClr val="000000">
+                    <a:alpha val="43137"/>
+                  </a:srgbClr>
+                </a:outerShdw>
+              </a:effectLst>
+              <a:latin typeface="+mj-lt"/>
+            </a:endParaRPr>
+          </a:p>
+        </p:txBody>
+      </p:sp>
       <p:grpSp>
         <p:nvGrpSpPr>
-          <p:cNvPr id="10" name="Group 9">
+          <p:cNvPr id="23" name="Group 22">
             <a:extLst>
               <a:ext uri="{FF2B5EF4-FFF2-40B4-BE49-F238E27FC236}">
-                <a16:creationId xmlns:a16="http://schemas.microsoft.com/office/drawing/2014/main" id="{EC4EAADD-D18B-7423-79AD-37DF6E9EF5F8}"/>
+                <a16:creationId xmlns:a16="http://schemas.microsoft.com/office/drawing/2014/main" id="{15C28F7E-EE7D-710F-5FB7-468AF00F5CDA}"/>
               </a:ext>
             </a:extLst>
           </p:cNvPr>
@@ -15144,77 +12746,18 @@
         </p:nvGrpSpPr>
         <p:grpSpPr>
           <a:xfrm>
-            <a:off x="136807" y="3838474"/>
-            <a:ext cx="6455981" cy="2862322"/>
-            <a:chOff x="2657797" y="2609321"/>
-            <a:chExt cx="7890488" cy="3849998"/>
+            <a:off x="317836" y="3831089"/>
+            <a:ext cx="10706207" cy="2887294"/>
+            <a:chOff x="1458653" y="3888262"/>
+            <a:chExt cx="10706207" cy="2887294"/>
           </a:xfrm>
         </p:grpSpPr>
-        <p:pic>
-          <p:nvPicPr>
-            <p:cNvPr id="11" name="Picture 10" descr="16,200+ Sale Tag Drawing Stock Photos, Pictures &amp; Royalty-Free Images -  iStock">
+        <p:grpSp>
+          <p:nvGrpSpPr>
+            <p:cNvPr id="2" name="Group 1">
               <a:extLst>
                 <a:ext uri="{FF2B5EF4-FFF2-40B4-BE49-F238E27FC236}">
-                  <a16:creationId xmlns:a16="http://schemas.microsoft.com/office/drawing/2014/main" id="{6777065A-C7C6-FEA8-5EF0-16267ABEAB12}"/>
-                </a:ext>
-              </a:extLst>
-            </p:cNvPr>
-            <p:cNvPicPr>
-              <a:picLocks noChangeAspect="1" noChangeArrowheads="1"/>
-            </p:cNvPicPr>
-            <p:nvPr/>
-          </p:nvPicPr>
-          <p:blipFill rotWithShape="1">
-            <a:blip r:embed="rId3">
-              <a:extLst>
-                <a:ext uri="{BEBA8EAE-BF5A-486C-A8C5-ECC9F3942E4B}">
-                  <a14:imgProps xmlns:a14="http://schemas.microsoft.com/office/drawing/2010/main">
-                    <a14:imgLayer r:embed="rId4">
-                      <a14:imgEffect>
-                        <a14:backgroundRemoval t="3105" b="29085" l="42203" r="61356">
-                          <a14:foregroundMark x1="48475" y1="27614" x2="48475" y2="27614"/>
-                          <a14:foregroundMark x1="52203" y1="28268" x2="52203" y2="28268"/>
-                          <a14:foregroundMark x1="52712" y1="29085" x2="52712" y2="29085"/>
-                          <a14:foregroundMark x1="51864" y1="3105" x2="51864" y2="3105"/>
-                        </a14:backgroundRemoval>
-                      </a14:imgEffect>
-                    </a14:imgLayer>
-                  </a14:imgProps>
-                </a:ext>
-                <a:ext uri="{28A0092B-C50C-407E-A947-70E740481C1C}">
-                  <a14:useLocalDpi xmlns:a14="http://schemas.microsoft.com/office/drawing/2010/main" val="0"/>
-                </a:ext>
-              </a:extLst>
-            </a:blip>
-            <a:srcRect l="39975" r="36187" b="68162"/>
-            <a:stretch/>
-          </p:blipFill>
-          <p:spPr bwMode="auto">
-            <a:xfrm>
-              <a:off x="6133534" y="4557675"/>
-              <a:ext cx="468503" cy="649060"/>
-            </a:xfrm>
-            <a:prstGeom prst="rect">
-              <a:avLst/>
-            </a:prstGeom>
-            <a:noFill/>
-            <a:extLst>
-              <a:ext uri="{909E8E84-426E-40DD-AFC4-6F175D3DCCD1}">
-                <a14:hiddenFill xmlns:a14="http://schemas.microsoft.com/office/drawing/2010/main">
-                  <a:solidFill>
-                    <a:srgbClr val="FFFFFF"/>
-                  </a:solidFill>
-                </a14:hiddenFill>
-              </a:ext>
-            </a:extLst>
-          </p:spPr>
-        </p:pic>
-        <p:grpSp>
-          <p:nvGrpSpPr>
-            <p:cNvPr id="12" name="Group 11">
-              <a:extLst>
-                <a:ext uri="{FF2B5EF4-FFF2-40B4-BE49-F238E27FC236}">
-                  <a16:creationId xmlns:a16="http://schemas.microsoft.com/office/drawing/2014/main" id="{8DF1191D-36AD-2AD1-B7E7-A86EEDC23497}"/>
+                  <a16:creationId xmlns:a16="http://schemas.microsoft.com/office/drawing/2014/main" id="{CC0C132D-D5BF-840F-A065-8A95816AD9E9}"/>
                 </a:ext>
               </a:extLst>
             </p:cNvPr>
@@ -15223,248 +12766,18 @@
           </p:nvGrpSpPr>
           <p:grpSpPr>
             <a:xfrm>
-              <a:off x="2657797" y="2609321"/>
-              <a:ext cx="7890488" cy="3849998"/>
-              <a:chOff x="-125750" y="18976"/>
-              <a:chExt cx="14024296" cy="6783120"/>
+              <a:off x="1458653" y="3888262"/>
+              <a:ext cx="2832506" cy="2887294"/>
+              <a:chOff x="814455" y="1881137"/>
+              <a:chExt cx="4127477" cy="4556593"/>
             </a:xfrm>
           </p:grpSpPr>
           <p:pic>
             <p:nvPicPr>
-              <p:cNvPr id="13" name="Graphic 4">
+              <p:cNvPr id="3" name="Picture 14" descr="Maleta de cuero abierta pegatina de dibujos animados | Vector Gratis">
                 <a:extLst>
                   <a:ext uri="{FF2B5EF4-FFF2-40B4-BE49-F238E27FC236}">
-                    <a16:creationId xmlns:a16="http://schemas.microsoft.com/office/drawing/2014/main" id="{6B46E322-1E30-EB8F-AF16-7FD0E5A271BC}"/>
-                  </a:ext>
-                </a:extLst>
-              </p:cNvPr>
-              <p:cNvPicPr>
-                <a:picLocks noChangeAspect="1"/>
-              </p:cNvPicPr>
-              <p:nvPr/>
-            </p:nvPicPr>
-            <p:blipFill>
-              <a:blip r:embed="rId5">
-                <a:extLst>
-                  <a:ext uri="{28A0092B-C50C-407E-A947-70E740481C1C}">
-                    <a14:useLocalDpi xmlns:a14="http://schemas.microsoft.com/office/drawing/2010/main" val="0"/>
-                  </a:ext>
-                  <a:ext uri="{96DAC541-7B7A-43D3-8B79-37D633B846F1}">
-                    <asvg:svgBlip xmlns:asvg="http://schemas.microsoft.com/office/drawing/2016/SVG/main" r:embed="rId6"/>
-                  </a:ext>
-                  <a:ext uri="{837473B0-CC2E-450A-ABE3-18F120FF3D39}">
-                    <a1611:picAttrSrcUrl xmlns:a1611="http://schemas.microsoft.com/office/drawing/2016/11/main" r:id="rId7"/>
-                  </a:ext>
-                </a:extLst>
-              </a:blip>
-              <a:stretch>
-                <a:fillRect/>
-              </a:stretch>
-            </p:blipFill>
-            <p:spPr>
-              <a:xfrm>
-                <a:off x="9414147" y="4023458"/>
-                <a:ext cx="2358133" cy="2712488"/>
-              </a:xfrm>
-              <a:prstGeom prst="rect">
-                <a:avLst/>
-              </a:prstGeom>
-              <a:effectLst>
-                <a:outerShdw blurRad="292100" dist="139700" dir="2700000" algn="tl" rotWithShape="0">
-                  <a:srgbClr val="333333">
-                    <a:alpha val="65000"/>
-                  </a:srgbClr>
-                </a:outerShdw>
-              </a:effectLst>
-            </p:spPr>
-          </p:pic>
-          <p:pic>
-            <p:nvPicPr>
-              <p:cNvPr id="14" name="Picture 13" descr="A black silhouette of a person&#10;&#10;Description automatically generated">
-                <a:extLst>
-                  <a:ext uri="{FF2B5EF4-FFF2-40B4-BE49-F238E27FC236}">
-                    <a16:creationId xmlns:a16="http://schemas.microsoft.com/office/drawing/2014/main" id="{8C80EE37-C15F-0C5B-6618-880D099324E2}"/>
-                  </a:ext>
-                </a:extLst>
-              </p:cNvPr>
-              <p:cNvPicPr>
-                <a:picLocks noChangeAspect="1"/>
-              </p:cNvPicPr>
-              <p:nvPr/>
-            </p:nvPicPr>
-            <p:blipFill>
-              <a:blip r:embed="rId8">
-                <a:duotone>
-                  <a:schemeClr val="accent2">
-                    <a:shade val="45000"/>
-                    <a:satMod val="135000"/>
-                  </a:schemeClr>
-                  <a:prstClr val="white"/>
-                </a:duotone>
-                <a:extLst>
-                  <a:ext uri="{28A0092B-C50C-407E-A947-70E740481C1C}">
-                    <a14:useLocalDpi xmlns:a14="http://schemas.microsoft.com/office/drawing/2010/main" val="0"/>
-                  </a:ext>
-                  <a:ext uri="{837473B0-CC2E-450A-ABE3-18F120FF3D39}">
-                    <a1611:picAttrSrcUrl xmlns:a1611="http://schemas.microsoft.com/office/drawing/2016/11/main" r:id="rId9"/>
-                  </a:ext>
-                </a:extLst>
-              </a:blip>
-              <a:stretch>
-                <a:fillRect/>
-              </a:stretch>
-            </p:blipFill>
-            <p:spPr>
-              <a:xfrm>
-                <a:off x="7499391" y="3817704"/>
-                <a:ext cx="1418539" cy="2837077"/>
-              </a:xfrm>
-              <a:prstGeom prst="rect">
-                <a:avLst/>
-              </a:prstGeom>
-              <a:ln>
-                <a:noFill/>
-              </a:ln>
-              <a:effectLst>
-                <a:outerShdw blurRad="292100" dist="139700" dir="2700000" algn="tl" rotWithShape="0">
-                  <a:srgbClr val="333333">
-                    <a:alpha val="65000"/>
-                  </a:srgbClr>
-                </a:outerShdw>
-              </a:effectLst>
-            </p:spPr>
-          </p:pic>
-          <p:pic>
-            <p:nvPicPr>
-              <p:cNvPr id="15" name="Picture 14" descr="A silhouette of a person running&#10;&#10;Description automatically generated">
-                <a:extLst>
-                  <a:ext uri="{FF2B5EF4-FFF2-40B4-BE49-F238E27FC236}">
-                    <a16:creationId xmlns:a16="http://schemas.microsoft.com/office/drawing/2014/main" id="{98D56C0D-9EF7-E878-9F2F-C17096B737B4}"/>
-                  </a:ext>
-                </a:extLst>
-              </p:cNvPr>
-              <p:cNvPicPr>
-                <a:picLocks noChangeAspect="1"/>
-              </p:cNvPicPr>
-              <p:nvPr/>
-            </p:nvPicPr>
-            <p:blipFill>
-              <a:blip r:embed="rId10">
-                <a:lum bright="70000" contrast="-70000"/>
-                <a:extLst>
-                  <a:ext uri="{BEBA8EAE-BF5A-486C-A8C5-ECC9F3942E4B}">
-                    <a14:imgProps xmlns:a14="http://schemas.microsoft.com/office/drawing/2010/main">
-                      <a14:imgLayer r:embed="rId11">
-                        <a14:imgEffect>
-                          <a14:backgroundRemoval t="4125" b="95125" l="10000" r="90000">
-                            <a14:foregroundMark x1="45500" y1="6042" x2="45500" y2="6042"/>
-                            <a14:foregroundMark x1="52083" y1="6250" x2="52083" y2="6250"/>
-                            <a14:foregroundMark x1="51875" y1="5000" x2="51875" y2="5000"/>
-                            <a14:foregroundMark x1="52292" y1="4125" x2="52292" y2="4125"/>
-                            <a14:foregroundMark x1="35250" y1="91500" x2="35250" y2="91500"/>
-                            <a14:foregroundMark x1="35042" y1="91083" x2="35042" y2="91083"/>
-                            <a14:foregroundMark x1="31833" y1="94250" x2="31833" y2="94250"/>
-                            <a14:foregroundMark x1="32292" y1="94042" x2="32292" y2="94042"/>
-                            <a14:foregroundMark x1="84458" y1="95125" x2="84458" y2="95125"/>
-                          </a14:backgroundRemoval>
-                        </a14:imgEffect>
-                      </a14:imgLayer>
-                    </a14:imgProps>
-                  </a:ext>
-                  <a:ext uri="{28A0092B-C50C-407E-A947-70E740481C1C}">
-                    <a14:useLocalDpi xmlns:a14="http://schemas.microsoft.com/office/drawing/2010/main" val="0"/>
-                  </a:ext>
-                  <a:ext uri="{837473B0-CC2E-450A-ABE3-18F120FF3D39}">
-                    <a1611:picAttrSrcUrl xmlns:a1611="http://schemas.microsoft.com/office/drawing/2016/11/main" r:id="rId12"/>
-                  </a:ext>
-                </a:extLst>
-              </a:blip>
-              <a:stretch>
-                <a:fillRect/>
-              </a:stretch>
-            </p:blipFill>
-            <p:spPr>
-              <a:xfrm flipH="1">
-                <a:off x="3767383" y="3754026"/>
-                <a:ext cx="3048073" cy="3048070"/>
-              </a:xfrm>
-              <a:prstGeom prst="rect">
-                <a:avLst/>
-              </a:prstGeom>
-              <a:ln>
-                <a:noFill/>
-              </a:ln>
-              <a:effectLst>
-                <a:outerShdw blurRad="292100" dist="139700" dir="2700000" algn="tl" rotWithShape="0">
-                  <a:srgbClr val="333333">
-                    <a:alpha val="65000"/>
-                  </a:srgbClr>
-                </a:outerShdw>
-              </a:effectLst>
-            </p:spPr>
-          </p:pic>
-          <p:pic>
-            <p:nvPicPr>
-              <p:cNvPr id="16" name="Picture 15" descr="A silhouette of a person running&#10;&#10;Description automatically generated">
-                <a:extLst>
-                  <a:ext uri="{FF2B5EF4-FFF2-40B4-BE49-F238E27FC236}">
-                    <a16:creationId xmlns:a16="http://schemas.microsoft.com/office/drawing/2014/main" id="{73595391-0E21-74B8-62BE-8F3BFF38E505}"/>
-                  </a:ext>
-                </a:extLst>
-              </p:cNvPr>
-              <p:cNvPicPr>
-                <a:picLocks noChangeAspect="1"/>
-              </p:cNvPicPr>
-              <p:nvPr/>
-            </p:nvPicPr>
-            <p:blipFill>
-              <a:blip r:embed="rId13">
-                <a:duotone>
-                  <a:schemeClr val="accent2">
-                    <a:shade val="45000"/>
-                    <a:satMod val="135000"/>
-                  </a:schemeClr>
-                  <a:prstClr val="white"/>
-                </a:duotone>
-                <a:extLst>
-                  <a:ext uri="{28A0092B-C50C-407E-A947-70E740481C1C}">
-                    <a14:useLocalDpi xmlns:a14="http://schemas.microsoft.com/office/drawing/2010/main" val="0"/>
-                  </a:ext>
-                  <a:ext uri="{837473B0-CC2E-450A-ABE3-18F120FF3D39}">
-                    <a1611:picAttrSrcUrl xmlns:a1611="http://schemas.microsoft.com/office/drawing/2016/11/main" r:id="rId14"/>
-                  </a:ext>
-                </a:extLst>
-              </a:blip>
-              <a:stretch>
-                <a:fillRect/>
-              </a:stretch>
-            </p:blipFill>
-            <p:spPr>
-              <a:xfrm>
-                <a:off x="12202086" y="3962690"/>
-                <a:ext cx="1696460" cy="2769732"/>
-              </a:xfrm>
-              <a:prstGeom prst="rect">
-                <a:avLst/>
-              </a:prstGeom>
-              <a:ln>
-                <a:noFill/>
-              </a:ln>
-              <a:effectLst>
-                <a:outerShdw blurRad="292100" dist="139700" dir="2700000" algn="tl" rotWithShape="0">
-                  <a:srgbClr val="333333">
-                    <a:alpha val="65000"/>
-                  </a:srgbClr>
-                </a:outerShdw>
-              </a:effectLst>
-            </p:spPr>
-          </p:pic>
-          <p:pic>
-            <p:nvPicPr>
-              <p:cNvPr id="17" name="Picture 16" descr="Exit Sign Images – Browse 195,067 Stock Photos, Vectors,, 60% OFF">
-                <a:extLst>
-                  <a:ext uri="{FF2B5EF4-FFF2-40B4-BE49-F238E27FC236}">
-                    <a16:creationId xmlns:a16="http://schemas.microsoft.com/office/drawing/2014/main" id="{982F97CA-411B-25A3-90BA-312DAA084F79}"/>
+                    <a16:creationId xmlns:a16="http://schemas.microsoft.com/office/drawing/2014/main" id="{606EE3AB-DA00-1C44-E999-030D9D8A5897}"/>
                   </a:ext>
                 </a:extLst>
               </p:cNvPr>
@@ -15474,41 +12787,47 @@
               <p:nvPr/>
             </p:nvPicPr>
             <p:blipFill rotWithShape="1">
-              <a:blip r:embed="rId15">
-                <a:duotone>
-                  <a:schemeClr val="accent2">
-                    <a:shade val="45000"/>
-                    <a:satMod val="135000"/>
-                  </a:schemeClr>
-                  <a:prstClr val="white"/>
-                </a:duotone>
+              <a:blip r:embed="rId3">
                 <a:extLst>
+                  <a:ext uri="{BEBA8EAE-BF5A-486C-A8C5-ECC9F3942E4B}">
+                    <a14:imgProps xmlns:a14="http://schemas.microsoft.com/office/drawing/2010/main">
+                      <a14:imgLayer r:embed="rId4">
+                        <a14:imgEffect>
+                          <a14:backgroundRemoval t="8946" b="89776" l="6400" r="89920">
+                            <a14:foregroundMark x1="25440" y1="10863" x2="25440" y2="10863"/>
+                            <a14:foregroundMark x1="35520" y1="8946" x2="51840" y2="8946"/>
+                            <a14:foregroundMark x1="54880" y1="9105" x2="68320" y2="9904"/>
+                            <a14:foregroundMark x1="78560" y1="14537" x2="74720" y2="53355"/>
+                            <a14:foregroundMark x1="26080" y1="64856" x2="51040" y2="64377"/>
+                            <a14:foregroundMark x1="20320" y1="80192" x2="53760" y2="78914"/>
+                            <a14:foregroundMark x1="19040" y1="76198" x2="27040" y2="81310"/>
+                            <a14:foregroundMark x1="27040" y1="81310" x2="63200" y2="84026"/>
+                            <a14:foregroundMark x1="63200" y1="84026" x2="69920" y2="82907"/>
+                            <a14:foregroundMark x1="87680" y1="76997" x2="87520" y2="79872"/>
+                            <a14:foregroundMark x1="86400" y1="82109" x2="86080" y2="87700"/>
+                            <a14:foregroundMark x1="6400" y1="72684" x2="6400" y2="72684"/>
+                          </a14:backgroundRemoval>
+                        </a14:imgEffect>
+                      </a14:imgLayer>
+                    </a14:imgProps>
+                  </a:ext>
                   <a:ext uri="{28A0092B-C50C-407E-A947-70E740481C1C}">
                     <a14:useLocalDpi xmlns:a14="http://schemas.microsoft.com/office/drawing/2010/main" val="0"/>
                   </a:ext>
                 </a:extLst>
               </a:blip>
-              <a:srcRect l="3019" t="5820" r="1683" b="3973"/>
+              <a:srcRect b="27871"/>
               <a:stretch/>
             </p:blipFill>
             <p:spPr bwMode="auto">
-              <a:xfrm>
-                <a:off x="10433595" y="982199"/>
-                <a:ext cx="3064228" cy="1065632"/>
+              <a:xfrm rot="21000537">
+                <a:off x="1178642" y="3347119"/>
+                <a:ext cx="3163111" cy="2285149"/>
               </a:xfrm>
               <a:prstGeom prst="rect">
                 <a:avLst/>
               </a:prstGeom>
-              <a:ln>
-                <a:noFill/>
-              </a:ln>
-              <a:effectLst>
-                <a:outerShdw blurRad="292100" dist="139700" dir="2700000" algn="tl" rotWithShape="0">
-                  <a:srgbClr val="333333">
-                    <a:alpha val="65000"/>
-                  </a:srgbClr>
-                </a:outerShdw>
-              </a:effectLst>
+              <a:noFill/>
               <a:extLst>
                 <a:ext uri="{909E8E84-426E-40DD-AFC4-6F175D3DCCD1}">
                   <a14:hiddenFill xmlns:a14="http://schemas.microsoft.com/office/drawing/2010/main">
@@ -15522,10 +12841,10 @@
           </p:pic>
           <p:pic>
             <p:nvPicPr>
-              <p:cNvPr id="18" name="Picture 17" descr="Fishing Cartoon png download - 1200*1200 - Free Transparent Fishing Rods  png Download. - CleanPNG / KissPNG">
+              <p:cNvPr id="5" name="Picture 2" descr="Antenna, cartoon, communication, telecommunication, tower, wireless icon -  Download on Iconfinder">
                 <a:extLst>
                   <a:ext uri="{FF2B5EF4-FFF2-40B4-BE49-F238E27FC236}">
-                    <a16:creationId xmlns:a16="http://schemas.microsoft.com/office/drawing/2014/main" id="{40086D42-6927-7884-C77A-0B12BA83A9B1}"/>
+                    <a16:creationId xmlns:a16="http://schemas.microsoft.com/office/drawing/2014/main" id="{F5014975-21C9-AC78-31EF-6496C1F60D6F}"/>
                   </a:ext>
                 </a:extLst>
               </p:cNvPr>
@@ -15535,17 +12854,235 @@
               <p:nvPr/>
             </p:nvPicPr>
             <p:blipFill>
-              <a:blip r:embed="rId16">
+              <a:blip r:embed="rId5">
+                <a:duotone>
+                  <a:prstClr val="black"/>
+                  <a:schemeClr val="accent4">
+                    <a:tint val="45000"/>
+                    <a:satMod val="400000"/>
+                  </a:schemeClr>
+                </a:duotone>
+                <a:extLst>
+                  <a:ext uri="{28A0092B-C50C-407E-A947-70E740481C1C}">
+                    <a14:useLocalDpi xmlns:a14="http://schemas.microsoft.com/office/drawing/2010/main" val="0"/>
+                  </a:ext>
+                </a:extLst>
+              </a:blip>
+              <a:srcRect/>
+              <a:stretch>
+                <a:fillRect/>
+              </a:stretch>
+            </p:blipFill>
+            <p:spPr bwMode="auto">
+              <a:xfrm>
+                <a:off x="814455" y="1881137"/>
+                <a:ext cx="4127477" cy="4127476"/>
+              </a:xfrm>
+              <a:prstGeom prst="rect">
+                <a:avLst/>
+              </a:prstGeom>
+              <a:noFill/>
+              <a:extLst>
+                <a:ext uri="{909E8E84-426E-40DD-AFC4-6F175D3DCCD1}">
+                  <a14:hiddenFill xmlns:a14="http://schemas.microsoft.com/office/drawing/2010/main">
+                    <a:solidFill>
+                      <a:srgbClr val="FFFFFF"/>
+                    </a:solidFill>
+                  </a14:hiddenFill>
+                </a:ext>
+              </a:extLst>
+            </p:spPr>
+          </p:pic>
+          <p:pic>
+            <p:nvPicPr>
+              <p:cNvPr id="6" name="Picture 8" descr="Colorful cartoon 12 telecommunication elements Vector Image">
+                <a:extLst>
+                  <a:ext uri="{FF2B5EF4-FFF2-40B4-BE49-F238E27FC236}">
+                    <a16:creationId xmlns:a16="http://schemas.microsoft.com/office/drawing/2014/main" id="{8F7F7D5B-99DE-265F-BAB0-A84EE626EAE5}"/>
+                  </a:ext>
+                </a:extLst>
+              </p:cNvPr>
+              <p:cNvPicPr>
+                <a:picLocks noChangeAspect="1" noChangeArrowheads="1"/>
+              </p:cNvPicPr>
+              <p:nvPr/>
+            </p:nvPicPr>
+            <p:blipFill rotWithShape="1">
+              <a:blip r:embed="rId6">
                 <a:extLst>
                   <a:ext uri="{BEBA8EAE-BF5A-486C-A8C5-ECC9F3942E4B}">
                     <a14:imgProps xmlns:a14="http://schemas.microsoft.com/office/drawing/2010/main">
-                      <a14:imgLayer r:embed="rId17">
+                      <a14:imgLayer r:embed="rId7">
                         <a14:imgEffect>
-                          <a14:backgroundRemoval t="10000" b="90000" l="2556" r="97222">
-                            <a14:foregroundMark x1="7000" y1="84778" x2="7000" y2="84778"/>
-                            <a14:foregroundMark x1="2556" y1="88333" x2="2556" y2="88333"/>
-                            <a14:foregroundMark x1="92000" y1="52222" x2="92000" y2="52222"/>
-                            <a14:foregroundMark x1="97222" y1="75333" x2="97222" y2="75333"/>
+                          <a14:backgroundRemoval t="62027" b="86748" l="3600" r="22800">
+                            <a14:foregroundMark x1="17000" y1="83073" x2="17000" y2="83073"/>
+                            <a14:foregroundMark x1="22100" y1="79287" x2="22100" y2="79287"/>
+                            <a14:foregroundMark x1="22900" y1="76058" x2="22900" y2="76058"/>
+                            <a14:foregroundMark x1="22100" y1="70601" x2="22100" y2="70601"/>
+                            <a14:foregroundMark x1="16200" y1="86748" x2="16200" y2="86748"/>
+                          </a14:backgroundRemoval>
+                        </a14:imgEffect>
+                      </a14:imgLayer>
+                    </a14:imgProps>
+                  </a:ext>
+                  <a:ext uri="{28A0092B-C50C-407E-A947-70E740481C1C}">
+                    <a14:useLocalDpi xmlns:a14="http://schemas.microsoft.com/office/drawing/2010/main" val="0"/>
+                  </a:ext>
+                </a:extLst>
+              </a:blip>
+              <a:srcRect l="1471" t="58994" r="76439" b="10628"/>
+              <a:stretch/>
+            </p:blipFill>
+            <p:spPr bwMode="auto">
+              <a:xfrm rot="20293686">
+                <a:off x="1151414" y="4347294"/>
+                <a:ext cx="1217730" cy="1503684"/>
+              </a:xfrm>
+              <a:prstGeom prst="rect">
+                <a:avLst/>
+              </a:prstGeom>
+              <a:noFill/>
+              <a:extLst>
+                <a:ext uri="{909E8E84-426E-40DD-AFC4-6F175D3DCCD1}">
+                  <a14:hiddenFill xmlns:a14="http://schemas.microsoft.com/office/drawing/2010/main">
+                    <a:solidFill>
+                      <a:srgbClr val="FFFFFF"/>
+                    </a:solidFill>
+                  </a14:hiddenFill>
+                </a:ext>
+              </a:extLst>
+            </p:spPr>
+          </p:pic>
+          <p:pic>
+            <p:nvPicPr>
+              <p:cNvPr id="7" name="Picture 10" descr="Colorful cartoon 12 telecommunication elements Vector Image">
+                <a:extLst>
+                  <a:ext uri="{FF2B5EF4-FFF2-40B4-BE49-F238E27FC236}">
+                    <a16:creationId xmlns:a16="http://schemas.microsoft.com/office/drawing/2014/main" id="{4AEF6C68-82FB-C9DA-F5CD-8679B1E799B0}"/>
+                  </a:ext>
+                </a:extLst>
+              </p:cNvPr>
+              <p:cNvPicPr>
+                <a:picLocks noChangeAspect="1" noChangeArrowheads="1"/>
+              </p:cNvPicPr>
+              <p:nvPr/>
+            </p:nvPicPr>
+            <p:blipFill rotWithShape="1">
+              <a:blip r:embed="rId8">
+                <a:extLst>
+                  <a:ext uri="{BEBA8EAE-BF5A-486C-A8C5-ECC9F3942E4B}">
+                    <a14:imgProps xmlns:a14="http://schemas.microsoft.com/office/drawing/2010/main">
+                      <a14:imgLayer r:embed="rId7">
+                        <a14:imgEffect>
+                          <a14:backgroundRemoval t="35969" b="56125" l="47000" r="70600">
+                            <a14:foregroundMark x1="47000" y1="54009" x2="47000" y2="54009"/>
+                          </a14:backgroundRemoval>
+                        </a14:imgEffect>
+                      </a14:imgLayer>
+                    </a14:imgProps>
+                  </a:ext>
+                  <a:ext uri="{28A0092B-C50C-407E-A947-70E740481C1C}">
+                    <a14:useLocalDpi xmlns:a14="http://schemas.microsoft.com/office/drawing/2010/main" val="0"/>
+                  </a:ext>
+                </a:extLst>
+              </a:blip>
+              <a:srcRect l="44497" t="33488" r="26439" b="41286"/>
+              <a:stretch/>
+            </p:blipFill>
+            <p:spPr bwMode="auto">
+              <a:xfrm rot="158927">
+                <a:off x="1181889" y="2927621"/>
+                <a:ext cx="2219770" cy="1730040"/>
+              </a:xfrm>
+              <a:prstGeom prst="rect">
+                <a:avLst/>
+              </a:prstGeom>
+              <a:noFill/>
+              <a:extLst>
+                <a:ext uri="{909E8E84-426E-40DD-AFC4-6F175D3DCCD1}">
+                  <a14:hiddenFill xmlns:a14="http://schemas.microsoft.com/office/drawing/2010/main">
+                    <a:solidFill>
+                      <a:srgbClr val="FFFFFF"/>
+                    </a:solidFill>
+                  </a14:hiddenFill>
+                </a:ext>
+              </a:extLst>
+            </p:spPr>
+          </p:pic>
+          <p:pic>
+            <p:nvPicPr>
+              <p:cNvPr id="9" name="Picture 6">
+                <a:extLst>
+                  <a:ext uri="{FF2B5EF4-FFF2-40B4-BE49-F238E27FC236}">
+                    <a16:creationId xmlns:a16="http://schemas.microsoft.com/office/drawing/2014/main" id="{4C2EDC97-C7A5-A6FC-DC56-C91FAABE4819}"/>
+                  </a:ext>
+                </a:extLst>
+              </p:cNvPr>
+              <p:cNvPicPr>
+                <a:picLocks noChangeAspect="1" noChangeArrowheads="1"/>
+              </p:cNvPicPr>
+              <p:nvPr/>
+            </p:nvPicPr>
+            <p:blipFill rotWithShape="1">
+              <a:blip r:embed="rId9">
+                <a:extLst>
+                  <a:ext uri="{28A0092B-C50C-407E-A947-70E740481C1C}">
+                    <a14:useLocalDpi xmlns:a14="http://schemas.microsoft.com/office/drawing/2010/main" val="0"/>
+                  </a:ext>
+                </a:extLst>
+              </a:blip>
+              <a:srcRect r="23288"/>
+              <a:stretch/>
+            </p:blipFill>
+            <p:spPr bwMode="auto">
+              <a:xfrm rot="817918">
+                <a:off x="2418619" y="4214088"/>
+                <a:ext cx="1643923" cy="1573363"/>
+              </a:xfrm>
+              <a:prstGeom prst="rect">
+                <a:avLst/>
+              </a:prstGeom>
+              <a:noFill/>
+              <a:extLst>
+                <a:ext uri="{909E8E84-426E-40DD-AFC4-6F175D3DCCD1}">
+                  <a14:hiddenFill xmlns:a14="http://schemas.microsoft.com/office/drawing/2010/main">
+                    <a:solidFill>
+                      <a:srgbClr val="FFFFFF"/>
+                    </a:solidFill>
+                  </a14:hiddenFill>
+                </a:ext>
+              </a:extLst>
+            </p:spPr>
+          </p:pic>
+          <p:pic>
+            <p:nvPicPr>
+              <p:cNvPr id="21" name="Picture 12" descr="Email - Telephone Cartoon - CleanPNG / KissPNG">
+                <a:extLst>
+                  <a:ext uri="{FF2B5EF4-FFF2-40B4-BE49-F238E27FC236}">
+                    <a16:creationId xmlns:a16="http://schemas.microsoft.com/office/drawing/2014/main" id="{C9932A73-A68D-0B2C-25CF-C8CCC3C69683}"/>
+                  </a:ext>
+                </a:extLst>
+              </p:cNvPr>
+              <p:cNvPicPr>
+                <a:picLocks noChangeAspect="1" noChangeArrowheads="1"/>
+              </p:cNvPicPr>
+              <p:nvPr/>
+            </p:nvPicPr>
+            <p:blipFill>
+              <a:blip r:embed="rId10">
+                <a:extLst>
+                  <a:ext uri="{BEBA8EAE-BF5A-486C-A8C5-ECC9F3942E4B}">
+                    <a14:imgProps xmlns:a14="http://schemas.microsoft.com/office/drawing/2010/main">
+                      <a14:imgLayer r:embed="rId11">
+                        <a14:imgEffect>
+                          <a14:backgroundRemoval t="10000" b="93182" l="10000" r="90000">
+                            <a14:foregroundMark x1="41222" y1="10303" x2="41222" y2="10303"/>
+                            <a14:foregroundMark x1="62111" y1="70152" x2="62111" y2="70152"/>
+                            <a14:foregroundMark x1="56000" y1="65152" x2="56000" y2="65152"/>
+                            <a14:foregroundMark x1="53000" y1="62273" x2="55667" y2="67424"/>
+                            <a14:foregroundMark x1="52222" y1="57727" x2="44778" y2="63636"/>
+                            <a14:foregroundMark x1="45111" y1="93182" x2="45111" y2="93182"/>
+                            <a14:foregroundMark x1="82000" y1="20758" x2="82000" y2="20758"/>
                           </a14:backgroundRemoval>
                         </a14:imgEffect>
                       </a14:imgLayer>
@@ -15562,23 +13099,14 @@
               </a:stretch>
             </p:blipFill>
             <p:spPr bwMode="auto">
-              <a:xfrm>
-                <a:off x="2306087" y="18976"/>
-                <a:ext cx="4318587" cy="4318588"/>
+              <a:xfrm rot="21261457">
+                <a:off x="1685814" y="4946692"/>
+                <a:ext cx="1642588" cy="1204564"/>
               </a:xfrm>
               <a:prstGeom prst="rect">
                 <a:avLst/>
               </a:prstGeom>
-              <a:ln>
-                <a:noFill/>
-              </a:ln>
-              <a:effectLst>
-                <a:outerShdw blurRad="292100" dist="139700" dir="2700000" algn="tl" rotWithShape="0">
-                  <a:srgbClr val="333333">
-                    <a:alpha val="65000"/>
-                  </a:srgbClr>
-                </a:outerShdw>
-              </a:effectLst>
+              <a:noFill/>
               <a:extLst>
                 <a:ext uri="{909E8E84-426E-40DD-AFC4-6F175D3DCCD1}">
                   <a14:hiddenFill xmlns:a14="http://schemas.microsoft.com/office/drawing/2010/main">
@@ -15592,10 +13120,10 @@
           </p:pic>
           <p:pic>
             <p:nvPicPr>
-              <p:cNvPr id="19" name="Picture 18" descr="Cartoon Businessperson, Serious manager, child, people png | PNGEgg">
+              <p:cNvPr id="22" name="Picture 14" descr="Maleta de cuero abierta pegatina de dibujos animados | Vector Gratis">
                 <a:extLst>
                   <a:ext uri="{FF2B5EF4-FFF2-40B4-BE49-F238E27FC236}">
-                    <a16:creationId xmlns:a16="http://schemas.microsoft.com/office/drawing/2014/main" id="{321D54D2-C248-996A-82D0-C949FBCD57A3}"/>
+                    <a16:creationId xmlns:a16="http://schemas.microsoft.com/office/drawing/2014/main" id="{82B6C1E8-F2AA-DCF4-35CD-7190D953F14B}"/>
                   </a:ext>
                 </a:extLst>
               </p:cNvPr>
@@ -15604,52 +13132,26 @@
               </p:cNvPicPr>
               <p:nvPr/>
             </p:nvPicPr>
-            <p:blipFill>
-              <a:blip r:embed="rId18">
+            <p:blipFill rotWithShape="1">
+              <a:blip r:embed="rId3">
                 <a:extLst>
                   <a:ext uri="{BEBA8EAE-BF5A-486C-A8C5-ECC9F3942E4B}">
                     <a14:imgProps xmlns:a14="http://schemas.microsoft.com/office/drawing/2010/main">
-                      <a14:imgLayer r:embed="rId19">
+                      <a14:imgLayer r:embed="rId4">
                         <a14:imgEffect>
-                          <a14:backgroundRemoval t="4333" b="96444" l="10000" r="90000">
-                            <a14:foregroundMark x1="47778" y1="34444" x2="47778" y2="34444"/>
-                            <a14:foregroundMark x1="46444" y1="26111" x2="46444" y2="26111"/>
-                            <a14:foregroundMark x1="39222" y1="26444" x2="39222" y2="26444"/>
-                            <a14:foregroundMark x1="37222" y1="27222" x2="37222" y2="27222"/>
-                            <a14:foregroundMark x1="55333" y1="24222" x2="55333" y2="24222"/>
-                            <a14:foregroundMark x1="57778" y1="22778" x2="57778" y2="22778"/>
-                            <a14:foregroundMark x1="52556" y1="23111" x2="52556" y2="23111"/>
-                            <a14:foregroundMark x1="51333" y1="23333" x2="51333" y2="23333"/>
-                            <a14:foregroundMark x1="48333" y1="8333" x2="48333" y2="8333"/>
-                            <a14:foregroundMark x1="41444" y1="7778" x2="47222" y2="8333"/>
-                            <a14:foregroundMark x1="37778" y1="7000" x2="47556" y2="8111"/>
-                            <a14:foregroundMark x1="54111" y1="5333" x2="54111" y2="5333"/>
-                            <a14:foregroundMark x1="43667" y1="46111" x2="43667" y2="46111"/>
-                            <a14:foregroundMark x1="45889" y1="45556" x2="45889" y2="45556"/>
-                            <a14:foregroundMark x1="49778" y1="46444" x2="49778" y2="46444"/>
-                            <a14:foregroundMark x1="58667" y1="44222" x2="58667" y2="44222"/>
-                            <a14:foregroundMark x1="57778" y1="43111" x2="60333" y2="46444"/>
-                            <a14:foregroundMark x1="60333" y1="52222" x2="60889" y2="48333"/>
-                            <a14:foregroundMark x1="52222" y1="55556" x2="52556" y2="50556"/>
-                            <a14:foregroundMark x1="52556" y1="63889" x2="50556" y2="60556"/>
-                            <a14:foregroundMark x1="43111" y1="62222" x2="42222" y2="53889"/>
-                            <a14:foregroundMark x1="36667" y1="43889" x2="33333" y2="50556"/>
-                            <a14:foregroundMark x1="40889" y1="64222" x2="46111" y2="65556"/>
-                            <a14:foregroundMark x1="44444" y1="70556" x2="42556" y2="74444"/>
-                            <a14:foregroundMark x1="52778" y1="72556" x2="53333" y2="78667"/>
-                            <a14:foregroundMark x1="41111" y1="78889" x2="41111" y2="85333"/>
-                            <a14:foregroundMark x1="41444" y1="86667" x2="41444" y2="91667"/>
-                            <a14:foregroundMark x1="41111" y1="95000" x2="41111" y2="95000"/>
-                            <a14:foregroundMark x1="58333" y1="93111" x2="58333" y2="93111"/>
-                            <a14:foregroundMark x1="58889" y1="93889" x2="55556" y2="92556"/>
-                            <a14:foregroundMark x1="44778" y1="4444" x2="44778" y2="4444"/>
-                            <a14:foregroundMark x1="43889" y1="43333" x2="49444" y2="49222"/>
-                            <a14:foregroundMark x1="50333" y1="42778" x2="49778" y2="52556"/>
-                            <a14:foregroundMark x1="46667" y1="24222" x2="46667" y2="24222"/>
-                            <a14:foregroundMark x1="40889" y1="96444" x2="40889" y2="96444"/>
-                            <a14:foregroundMark x1="40333" y1="26667" x2="40333" y2="26667"/>
-                            <a14:foregroundMark x1="40556" y1="25889" x2="40556" y2="25889"/>
-                            <a14:backgroundMark x1="57000" y1="49778" x2="57000" y2="49778"/>
+                          <a14:backgroundRemoval t="8946" b="89776" l="6400" r="89920">
+                            <a14:foregroundMark x1="25440" y1="10863" x2="25440" y2="10863"/>
+                            <a14:foregroundMark x1="35520" y1="8946" x2="51840" y2="8946"/>
+                            <a14:foregroundMark x1="54880" y1="9105" x2="68320" y2="9904"/>
+                            <a14:foregroundMark x1="78560" y1="14537" x2="74720" y2="53355"/>
+                            <a14:foregroundMark x1="26080" y1="64856" x2="51040" y2="64377"/>
+                            <a14:foregroundMark x1="20320" y1="80192" x2="53760" y2="78914"/>
+                            <a14:foregroundMark x1="19040" y1="76198" x2="27040" y2="81310"/>
+                            <a14:foregroundMark x1="27040" y1="81310" x2="63200" y2="84026"/>
+                            <a14:foregroundMark x1="63200" y1="84026" x2="69920" y2="82907"/>
+                            <a14:foregroundMark x1="87680" y1="76997" x2="87520" y2="79872"/>
+                            <a14:foregroundMark x1="86400" y1="82109" x2="86080" y2="87700"/>
+                            <a14:foregroundMark x1="6400" y1="72684" x2="6400" y2="72684"/>
                           </a14:backgroundRemoval>
                         </a14:imgEffect>
                       </a14:imgLayer>
@@ -15660,29 +13162,18 @@
                   </a:ext>
                 </a:extLst>
               </a:blip>
-              <a:srcRect/>
-              <a:stretch>
-                <a:fillRect/>
-              </a:stretch>
+              <a:srcRect t="72129"/>
+              <a:stretch/>
             </p:blipFill>
             <p:spPr bwMode="auto">
-              <a:xfrm>
-                <a:off x="-125750" y="1515016"/>
-                <a:ext cx="5287080" cy="5287080"/>
+              <a:xfrm rot="21000537">
+                <a:off x="1497685" y="5554710"/>
+                <a:ext cx="3163111" cy="883020"/>
               </a:xfrm>
               <a:prstGeom prst="rect">
                 <a:avLst/>
               </a:prstGeom>
-              <a:ln>
-                <a:noFill/>
-              </a:ln>
-              <a:effectLst>
-                <a:outerShdw blurRad="292100" dist="139700" dir="2700000" algn="tl" rotWithShape="0">
-                  <a:srgbClr val="333333">
-                    <a:alpha val="65000"/>
-                  </a:srgbClr>
-                </a:outerShdw>
-              </a:effectLst>
+              <a:noFill/>
               <a:extLst>
                 <a:ext uri="{909E8E84-426E-40DD-AFC4-6F175D3DCCD1}">
                   <a14:hiddenFill xmlns:a14="http://schemas.microsoft.com/office/drawing/2010/main">
@@ -15695,74 +13186,734 @@
             </p:spPr>
           </p:pic>
         </p:grpSp>
+        <p:grpSp>
+          <p:nvGrpSpPr>
+            <p:cNvPr id="10" name="Group 9">
+              <a:extLst>
+                <a:ext uri="{FF2B5EF4-FFF2-40B4-BE49-F238E27FC236}">
+                  <a16:creationId xmlns:a16="http://schemas.microsoft.com/office/drawing/2014/main" id="{EC4EAADD-D18B-7423-79AD-37DF6E9EF5F8}"/>
+                </a:ext>
+              </a:extLst>
+            </p:cNvPr>
+            <p:cNvGrpSpPr/>
+            <p:nvPr/>
+          </p:nvGrpSpPr>
+          <p:grpSpPr>
+            <a:xfrm>
+              <a:off x="2639088" y="4034828"/>
+              <a:ext cx="9525772" cy="2590240"/>
+              <a:chOff x="2657797" y="2609321"/>
+              <a:chExt cx="12686043" cy="3849998"/>
+            </a:xfrm>
+          </p:grpSpPr>
+          <p:pic>
+            <p:nvPicPr>
+              <p:cNvPr id="11" name="Picture 10" descr="16,200+ Sale Tag Drawing Stock Photos, Pictures &amp; Royalty-Free Images -  iStock">
+                <a:extLst>
+                  <a:ext uri="{FF2B5EF4-FFF2-40B4-BE49-F238E27FC236}">
+                    <a16:creationId xmlns:a16="http://schemas.microsoft.com/office/drawing/2014/main" id="{6777065A-C7C6-FEA8-5EF0-16267ABEAB12}"/>
+                  </a:ext>
+                </a:extLst>
+              </p:cNvPr>
+              <p:cNvPicPr>
+                <a:picLocks noChangeAspect="1" noChangeArrowheads="1"/>
+              </p:cNvPicPr>
+              <p:nvPr/>
+            </p:nvPicPr>
+            <p:blipFill rotWithShape="1">
+              <a:blip r:embed="rId12">
+                <a:extLst>
+                  <a:ext uri="{BEBA8EAE-BF5A-486C-A8C5-ECC9F3942E4B}">
+                    <a14:imgProps xmlns:a14="http://schemas.microsoft.com/office/drawing/2010/main">
+                      <a14:imgLayer r:embed="rId13">
+                        <a14:imgEffect>
+                          <a14:backgroundRemoval t="3105" b="29085" l="42203" r="61356">
+                            <a14:foregroundMark x1="48475" y1="27614" x2="48475" y2="27614"/>
+                            <a14:foregroundMark x1="52203" y1="28268" x2="52203" y2="28268"/>
+                            <a14:foregroundMark x1="52712" y1="29085" x2="52712" y2="29085"/>
+                            <a14:foregroundMark x1="51864" y1="3105" x2="51864" y2="3105"/>
+                          </a14:backgroundRemoval>
+                        </a14:imgEffect>
+                      </a14:imgLayer>
+                    </a14:imgProps>
+                  </a:ext>
+                  <a:ext uri="{28A0092B-C50C-407E-A947-70E740481C1C}">
+                    <a14:useLocalDpi xmlns:a14="http://schemas.microsoft.com/office/drawing/2010/main" val="0"/>
+                  </a:ext>
+                </a:extLst>
+              </a:blip>
+              <a:srcRect l="39975" r="36187" b="68162"/>
+              <a:stretch/>
+            </p:blipFill>
+            <p:spPr bwMode="auto">
+              <a:xfrm>
+                <a:off x="6133534" y="4557675"/>
+                <a:ext cx="468503" cy="649060"/>
+              </a:xfrm>
+              <a:prstGeom prst="rect">
+                <a:avLst/>
+              </a:prstGeom>
+              <a:noFill/>
+              <a:extLst>
+                <a:ext uri="{909E8E84-426E-40DD-AFC4-6F175D3DCCD1}">
+                  <a14:hiddenFill xmlns:a14="http://schemas.microsoft.com/office/drawing/2010/main">
+                    <a:solidFill>
+                      <a:srgbClr val="FFFFFF"/>
+                    </a:solidFill>
+                  </a14:hiddenFill>
+                </a:ext>
+              </a:extLst>
+            </p:spPr>
+          </p:pic>
+          <p:grpSp>
+            <p:nvGrpSpPr>
+              <p:cNvPr id="12" name="Group 11">
+                <a:extLst>
+                  <a:ext uri="{FF2B5EF4-FFF2-40B4-BE49-F238E27FC236}">
+                    <a16:creationId xmlns:a16="http://schemas.microsoft.com/office/drawing/2014/main" id="{8DF1191D-36AD-2AD1-B7E7-A86EEDC23497}"/>
+                  </a:ext>
+                </a:extLst>
+              </p:cNvPr>
+              <p:cNvGrpSpPr/>
+              <p:nvPr/>
+            </p:nvGrpSpPr>
+            <p:grpSpPr>
+              <a:xfrm>
+                <a:off x="2657797" y="2609321"/>
+                <a:ext cx="12686043" cy="3849998"/>
+                <a:chOff x="-125750" y="18976"/>
+                <a:chExt cx="22547759" cy="6783120"/>
+              </a:xfrm>
+            </p:grpSpPr>
+            <p:pic>
+              <p:nvPicPr>
+                <p:cNvPr id="13" name="Graphic 4">
+                  <a:extLst>
+                    <a:ext uri="{FF2B5EF4-FFF2-40B4-BE49-F238E27FC236}">
+                      <a16:creationId xmlns:a16="http://schemas.microsoft.com/office/drawing/2014/main" id="{6B46E322-1E30-EB8F-AF16-7FD0E5A271BC}"/>
+                    </a:ext>
+                  </a:extLst>
+                </p:cNvPr>
+                <p:cNvPicPr>
+                  <a:picLocks noChangeAspect="1"/>
+                </p:cNvPicPr>
+                <p:nvPr/>
+              </p:nvPicPr>
+              <p:blipFill>
+                <a:blip r:embed="rId14">
+                  <a:extLst>
+                    <a:ext uri="{28A0092B-C50C-407E-A947-70E740481C1C}">
+                      <a14:useLocalDpi xmlns:a14="http://schemas.microsoft.com/office/drawing/2010/main" val="0"/>
+                    </a:ext>
+                    <a:ext uri="{96DAC541-7B7A-43D3-8B79-37D633B846F1}">
+                      <asvg:svgBlip xmlns:asvg="http://schemas.microsoft.com/office/drawing/2016/SVG/main" r:embed="rId15"/>
+                    </a:ext>
+                    <a:ext uri="{837473B0-CC2E-450A-ABE3-18F120FF3D39}">
+                      <a1611:picAttrSrcUrl xmlns:a1611="http://schemas.microsoft.com/office/drawing/2016/11/main" r:id="rId16"/>
+                    </a:ext>
+                  </a:extLst>
+                </a:blip>
+                <a:stretch>
+                  <a:fillRect/>
+                </a:stretch>
+              </p:blipFill>
+              <p:spPr>
+                <a:xfrm>
+                  <a:off x="9610918" y="4023458"/>
+                  <a:ext cx="2358134" cy="2712489"/>
+                </a:xfrm>
+                <a:prstGeom prst="rect">
+                  <a:avLst/>
+                </a:prstGeom>
+                <a:effectLst>
+                  <a:outerShdw blurRad="292100" dist="139700" dir="2700000" algn="tl" rotWithShape="0">
+                    <a:srgbClr val="333333">
+                      <a:alpha val="65000"/>
+                    </a:srgbClr>
+                  </a:outerShdw>
+                </a:effectLst>
+              </p:spPr>
+            </p:pic>
+            <p:pic>
+              <p:nvPicPr>
+                <p:cNvPr id="14" name="Picture 13" descr="A black silhouette of a person&#10;&#10;Description automatically generated">
+                  <a:extLst>
+                    <a:ext uri="{FF2B5EF4-FFF2-40B4-BE49-F238E27FC236}">
+                      <a16:creationId xmlns:a16="http://schemas.microsoft.com/office/drawing/2014/main" id="{8C80EE37-C15F-0C5B-6618-880D099324E2}"/>
+                    </a:ext>
+                  </a:extLst>
+                </p:cNvPr>
+                <p:cNvPicPr>
+                  <a:picLocks noChangeAspect="1"/>
+                </p:cNvPicPr>
+                <p:nvPr/>
+              </p:nvPicPr>
+              <p:blipFill>
+                <a:blip r:embed="rId17">
+                  <a:duotone>
+                    <a:schemeClr val="accent2">
+                      <a:shade val="45000"/>
+                      <a:satMod val="135000"/>
+                    </a:schemeClr>
+                    <a:prstClr val="white"/>
+                  </a:duotone>
+                  <a:extLst>
+                    <a:ext uri="{28A0092B-C50C-407E-A947-70E740481C1C}">
+                      <a14:useLocalDpi xmlns:a14="http://schemas.microsoft.com/office/drawing/2010/main" val="0"/>
+                    </a:ext>
+                    <a:ext uri="{837473B0-CC2E-450A-ABE3-18F120FF3D39}">
+                      <a1611:picAttrSrcUrl xmlns:a1611="http://schemas.microsoft.com/office/drawing/2016/11/main" r:id="rId18"/>
+                    </a:ext>
+                  </a:extLst>
+                </a:blip>
+                <a:stretch>
+                  <a:fillRect/>
+                </a:stretch>
+              </p:blipFill>
+              <p:spPr>
+                <a:xfrm>
+                  <a:off x="7499391" y="3817704"/>
+                  <a:ext cx="1418539" cy="2837077"/>
+                </a:xfrm>
+                <a:prstGeom prst="rect">
+                  <a:avLst/>
+                </a:prstGeom>
+                <a:ln>
+                  <a:noFill/>
+                </a:ln>
+                <a:effectLst>
+                  <a:outerShdw blurRad="292100" dist="139700" dir="2700000" algn="tl" rotWithShape="0">
+                    <a:srgbClr val="333333">
+                      <a:alpha val="65000"/>
+                    </a:srgbClr>
+                  </a:outerShdw>
+                </a:effectLst>
+              </p:spPr>
+            </p:pic>
+            <p:pic>
+              <p:nvPicPr>
+                <p:cNvPr id="15" name="Picture 14" descr="A silhouette of a person running&#10;&#10;Description automatically generated">
+                  <a:extLst>
+                    <a:ext uri="{FF2B5EF4-FFF2-40B4-BE49-F238E27FC236}">
+                      <a16:creationId xmlns:a16="http://schemas.microsoft.com/office/drawing/2014/main" id="{98D56C0D-9EF7-E878-9F2F-C17096B737B4}"/>
+                    </a:ext>
+                  </a:extLst>
+                </p:cNvPr>
+                <p:cNvPicPr>
+                  <a:picLocks noChangeAspect="1"/>
+                </p:cNvPicPr>
+                <p:nvPr/>
+              </p:nvPicPr>
+              <p:blipFill>
+                <a:blip r:embed="rId19">
+                  <a:lum bright="70000" contrast="-70000"/>
+                  <a:extLst>
+                    <a:ext uri="{BEBA8EAE-BF5A-486C-A8C5-ECC9F3942E4B}">
+                      <a14:imgProps xmlns:a14="http://schemas.microsoft.com/office/drawing/2010/main">
+                        <a14:imgLayer r:embed="rId20">
+                          <a14:imgEffect>
+                            <a14:backgroundRemoval t="4125" b="95125" l="10000" r="90000">
+                              <a14:foregroundMark x1="45500" y1="6042" x2="45500" y2="6042"/>
+                              <a14:foregroundMark x1="52083" y1="6250" x2="52083" y2="6250"/>
+                              <a14:foregroundMark x1="51875" y1="5000" x2="51875" y2="5000"/>
+                              <a14:foregroundMark x1="52292" y1="4125" x2="52292" y2="4125"/>
+                              <a14:foregroundMark x1="35250" y1="91500" x2="35250" y2="91500"/>
+                              <a14:foregroundMark x1="35042" y1="91083" x2="35042" y2="91083"/>
+                              <a14:foregroundMark x1="31833" y1="94250" x2="31833" y2="94250"/>
+                              <a14:foregroundMark x1="32292" y1="94042" x2="32292" y2="94042"/>
+                              <a14:foregroundMark x1="84458" y1="95125" x2="84458" y2="95125"/>
+                            </a14:backgroundRemoval>
+                          </a14:imgEffect>
+                        </a14:imgLayer>
+                      </a14:imgProps>
+                    </a:ext>
+                    <a:ext uri="{28A0092B-C50C-407E-A947-70E740481C1C}">
+                      <a14:useLocalDpi xmlns:a14="http://schemas.microsoft.com/office/drawing/2010/main" val="0"/>
+                    </a:ext>
+                    <a:ext uri="{837473B0-CC2E-450A-ABE3-18F120FF3D39}">
+                      <a1611:picAttrSrcUrl xmlns:a1611="http://schemas.microsoft.com/office/drawing/2016/11/main" r:id="rId21"/>
+                    </a:ext>
+                  </a:extLst>
+                </a:blip>
+                <a:stretch>
+                  <a:fillRect/>
+                </a:stretch>
+              </p:blipFill>
+              <p:spPr>
+                <a:xfrm flipH="1">
+                  <a:off x="3767383" y="3754026"/>
+                  <a:ext cx="3048073" cy="3048070"/>
+                </a:xfrm>
+                <a:prstGeom prst="rect">
+                  <a:avLst/>
+                </a:prstGeom>
+                <a:ln>
+                  <a:noFill/>
+                </a:ln>
+                <a:effectLst>
+                  <a:outerShdw blurRad="292100" dist="139700" dir="2700000" algn="tl" rotWithShape="0">
+                    <a:srgbClr val="333333">
+                      <a:alpha val="65000"/>
+                    </a:srgbClr>
+                  </a:outerShdw>
+                </a:effectLst>
+              </p:spPr>
+            </p:pic>
+            <p:pic>
+              <p:nvPicPr>
+                <p:cNvPr id="16" name="Picture 15" descr="A silhouette of a person running&#10;&#10;Description automatically generated">
+                  <a:extLst>
+                    <a:ext uri="{FF2B5EF4-FFF2-40B4-BE49-F238E27FC236}">
+                      <a16:creationId xmlns:a16="http://schemas.microsoft.com/office/drawing/2014/main" id="{73595391-0E21-74B8-62BE-8F3BFF38E505}"/>
+                    </a:ext>
+                  </a:extLst>
+                </p:cNvPr>
+                <p:cNvPicPr>
+                  <a:picLocks noChangeAspect="1"/>
+                </p:cNvPicPr>
+                <p:nvPr/>
+              </p:nvPicPr>
+              <p:blipFill>
+                <a:blip r:embed="rId22">
+                  <a:duotone>
+                    <a:schemeClr val="accent2">
+                      <a:shade val="45000"/>
+                      <a:satMod val="135000"/>
+                    </a:schemeClr>
+                    <a:prstClr val="white"/>
+                  </a:duotone>
+                  <a:extLst>
+                    <a:ext uri="{28A0092B-C50C-407E-A947-70E740481C1C}">
+                      <a14:useLocalDpi xmlns:a14="http://schemas.microsoft.com/office/drawing/2010/main" val="0"/>
+                    </a:ext>
+                    <a:ext uri="{837473B0-CC2E-450A-ABE3-18F120FF3D39}">
+                      <a1611:picAttrSrcUrl xmlns:a1611="http://schemas.microsoft.com/office/drawing/2016/11/main" r:id="rId23"/>
+                    </a:ext>
+                  </a:extLst>
+                </a:blip>
+                <a:stretch>
+                  <a:fillRect/>
+                </a:stretch>
+              </p:blipFill>
+              <p:spPr>
+                <a:xfrm>
+                  <a:off x="12520245" y="4032365"/>
+                  <a:ext cx="1696460" cy="2769731"/>
+                </a:xfrm>
+                <a:prstGeom prst="rect">
+                  <a:avLst/>
+                </a:prstGeom>
+                <a:ln>
+                  <a:noFill/>
+                </a:ln>
+                <a:effectLst>
+                  <a:outerShdw blurRad="292100" dist="139700" dir="2700000" algn="tl" rotWithShape="0">
+                    <a:srgbClr val="333333">
+                      <a:alpha val="65000"/>
+                    </a:srgbClr>
+                  </a:outerShdw>
+                </a:effectLst>
+              </p:spPr>
+            </p:pic>
+            <p:pic>
+              <p:nvPicPr>
+                <p:cNvPr id="17" name="Picture 16" descr="Exit Sign Images – Browse 195,067 Stock Photos, Vectors,, 60% OFF">
+                  <a:extLst>
+                    <a:ext uri="{FF2B5EF4-FFF2-40B4-BE49-F238E27FC236}">
+                      <a16:creationId xmlns:a16="http://schemas.microsoft.com/office/drawing/2014/main" id="{982F97CA-411B-25A3-90BA-312DAA084F79}"/>
+                    </a:ext>
+                  </a:extLst>
+                </p:cNvPr>
+                <p:cNvPicPr>
+                  <a:picLocks noChangeAspect="1" noChangeArrowheads="1"/>
+                </p:cNvPicPr>
+                <p:nvPr/>
+              </p:nvPicPr>
+              <p:blipFill rotWithShape="1">
+                <a:blip r:embed="rId24">
+                  <a:duotone>
+                    <a:schemeClr val="accent2">
+                      <a:shade val="45000"/>
+                      <a:satMod val="135000"/>
+                    </a:schemeClr>
+                    <a:prstClr val="white"/>
+                  </a:duotone>
+                  <a:extLst>
+                    <a:ext uri="{28A0092B-C50C-407E-A947-70E740481C1C}">
+                      <a14:useLocalDpi xmlns:a14="http://schemas.microsoft.com/office/drawing/2010/main" val="0"/>
+                    </a:ext>
+                  </a:extLst>
+                </a:blip>
+                <a:srcRect l="3019" t="5820" r="1683" b="3973"/>
+                <a:stretch/>
+              </p:blipFill>
+              <p:spPr bwMode="auto">
+                <a:xfrm>
+                  <a:off x="19357781" y="785120"/>
+                  <a:ext cx="3064228" cy="1065632"/>
+                </a:xfrm>
+                <a:prstGeom prst="rect">
+                  <a:avLst/>
+                </a:prstGeom>
+                <a:ln>
+                  <a:noFill/>
+                </a:ln>
+                <a:effectLst>
+                  <a:outerShdw blurRad="292100" dist="139700" dir="2700000" algn="tl" rotWithShape="0">
+                    <a:srgbClr val="333333">
+                      <a:alpha val="65000"/>
+                    </a:srgbClr>
+                  </a:outerShdw>
+                </a:effectLst>
+                <a:extLst>
+                  <a:ext uri="{909E8E84-426E-40DD-AFC4-6F175D3DCCD1}">
+                    <a14:hiddenFill xmlns:a14="http://schemas.microsoft.com/office/drawing/2010/main">
+                      <a:solidFill>
+                        <a:srgbClr val="FFFFFF"/>
+                      </a:solidFill>
+                    </a14:hiddenFill>
+                  </a:ext>
+                </a:extLst>
+              </p:spPr>
+            </p:pic>
+            <p:pic>
+              <p:nvPicPr>
+                <p:cNvPr id="18" name="Picture 17" descr="Fishing Cartoon png download - 1200*1200 - Free Transparent Fishing Rods  png Download. - CleanPNG / KissPNG">
+                  <a:extLst>
+                    <a:ext uri="{FF2B5EF4-FFF2-40B4-BE49-F238E27FC236}">
+                      <a16:creationId xmlns:a16="http://schemas.microsoft.com/office/drawing/2014/main" id="{40086D42-6927-7884-C77A-0B12BA83A9B1}"/>
+                    </a:ext>
+                  </a:extLst>
+                </p:cNvPr>
+                <p:cNvPicPr>
+                  <a:picLocks noChangeAspect="1" noChangeArrowheads="1"/>
+                </p:cNvPicPr>
+                <p:nvPr/>
+              </p:nvPicPr>
+              <p:blipFill>
+                <a:blip r:embed="rId25">
+                  <a:extLst>
+                    <a:ext uri="{BEBA8EAE-BF5A-486C-A8C5-ECC9F3942E4B}">
+                      <a14:imgProps xmlns:a14="http://schemas.microsoft.com/office/drawing/2010/main">
+                        <a14:imgLayer r:embed="rId26">
+                          <a14:imgEffect>
+                            <a14:backgroundRemoval t="10000" b="90000" l="2556" r="97222">
+                              <a14:foregroundMark x1="7000" y1="84778" x2="7000" y2="84778"/>
+                              <a14:foregroundMark x1="2556" y1="88333" x2="2556" y2="88333"/>
+                              <a14:foregroundMark x1="92000" y1="52222" x2="92000" y2="52222"/>
+                              <a14:foregroundMark x1="97222" y1="75333" x2="97222" y2="75333"/>
+                            </a14:backgroundRemoval>
+                          </a14:imgEffect>
+                        </a14:imgLayer>
+                      </a14:imgProps>
+                    </a:ext>
+                    <a:ext uri="{28A0092B-C50C-407E-A947-70E740481C1C}">
+                      <a14:useLocalDpi xmlns:a14="http://schemas.microsoft.com/office/drawing/2010/main" val="0"/>
+                    </a:ext>
+                  </a:extLst>
+                </a:blip>
+                <a:srcRect/>
+                <a:stretch>
+                  <a:fillRect/>
+                </a:stretch>
+              </p:blipFill>
+              <p:spPr bwMode="auto">
+                <a:xfrm>
+                  <a:off x="2306087" y="18976"/>
+                  <a:ext cx="4318587" cy="4318588"/>
+                </a:xfrm>
+                <a:prstGeom prst="rect">
+                  <a:avLst/>
+                </a:prstGeom>
+                <a:ln>
+                  <a:noFill/>
+                </a:ln>
+                <a:effectLst>
+                  <a:outerShdw blurRad="292100" dist="139700" dir="2700000" algn="tl" rotWithShape="0">
+                    <a:srgbClr val="333333">
+                      <a:alpha val="65000"/>
+                    </a:srgbClr>
+                  </a:outerShdw>
+                </a:effectLst>
+                <a:extLst>
+                  <a:ext uri="{909E8E84-426E-40DD-AFC4-6F175D3DCCD1}">
+                    <a14:hiddenFill xmlns:a14="http://schemas.microsoft.com/office/drawing/2010/main">
+                      <a:solidFill>
+                        <a:srgbClr val="FFFFFF"/>
+                      </a:solidFill>
+                    </a14:hiddenFill>
+                  </a:ext>
+                </a:extLst>
+              </p:spPr>
+            </p:pic>
+            <p:pic>
+              <p:nvPicPr>
+                <p:cNvPr id="19" name="Picture 18" descr="Cartoon Businessperson, Serious manager, child, people png | PNGEgg">
+                  <a:extLst>
+                    <a:ext uri="{FF2B5EF4-FFF2-40B4-BE49-F238E27FC236}">
+                      <a16:creationId xmlns:a16="http://schemas.microsoft.com/office/drawing/2014/main" id="{321D54D2-C248-996A-82D0-C949FBCD57A3}"/>
+                    </a:ext>
+                  </a:extLst>
+                </p:cNvPr>
+                <p:cNvPicPr>
+                  <a:picLocks noChangeAspect="1" noChangeArrowheads="1"/>
+                </p:cNvPicPr>
+                <p:nvPr/>
+              </p:nvPicPr>
+              <p:blipFill>
+                <a:blip r:embed="rId27">
+                  <a:extLst>
+                    <a:ext uri="{BEBA8EAE-BF5A-486C-A8C5-ECC9F3942E4B}">
+                      <a14:imgProps xmlns:a14="http://schemas.microsoft.com/office/drawing/2010/main">
+                        <a14:imgLayer r:embed="rId28">
+                          <a14:imgEffect>
+                            <a14:backgroundRemoval t="4333" b="96444" l="10000" r="90000">
+                              <a14:foregroundMark x1="47778" y1="34444" x2="47778" y2="34444"/>
+                              <a14:foregroundMark x1="46444" y1="26111" x2="46444" y2="26111"/>
+                              <a14:foregroundMark x1="39222" y1="26444" x2="39222" y2="26444"/>
+                              <a14:foregroundMark x1="37222" y1="27222" x2="37222" y2="27222"/>
+                              <a14:foregroundMark x1="55333" y1="24222" x2="55333" y2="24222"/>
+                              <a14:foregroundMark x1="57778" y1="22778" x2="57778" y2="22778"/>
+                              <a14:foregroundMark x1="52556" y1="23111" x2="52556" y2="23111"/>
+                              <a14:foregroundMark x1="51333" y1="23333" x2="51333" y2="23333"/>
+                              <a14:foregroundMark x1="48333" y1="8333" x2="48333" y2="8333"/>
+                              <a14:foregroundMark x1="41444" y1="7778" x2="47222" y2="8333"/>
+                              <a14:foregroundMark x1="37778" y1="7000" x2="47556" y2="8111"/>
+                              <a14:foregroundMark x1="54111" y1="5333" x2="54111" y2="5333"/>
+                              <a14:foregroundMark x1="43667" y1="46111" x2="43667" y2="46111"/>
+                              <a14:foregroundMark x1="45889" y1="45556" x2="45889" y2="45556"/>
+                              <a14:foregroundMark x1="49778" y1="46444" x2="49778" y2="46444"/>
+                              <a14:foregroundMark x1="58667" y1="44222" x2="58667" y2="44222"/>
+                              <a14:foregroundMark x1="57778" y1="43111" x2="60333" y2="46444"/>
+                              <a14:foregroundMark x1="60333" y1="52222" x2="60889" y2="48333"/>
+                              <a14:foregroundMark x1="52222" y1="55556" x2="52556" y2="50556"/>
+                              <a14:foregroundMark x1="52556" y1="63889" x2="50556" y2="60556"/>
+                              <a14:foregroundMark x1="43111" y1="62222" x2="42222" y2="53889"/>
+                              <a14:foregroundMark x1="36667" y1="43889" x2="33333" y2="50556"/>
+                              <a14:foregroundMark x1="40889" y1="64222" x2="46111" y2="65556"/>
+                              <a14:foregroundMark x1="44444" y1="70556" x2="42556" y2="74444"/>
+                              <a14:foregroundMark x1="52778" y1="72556" x2="53333" y2="78667"/>
+                              <a14:foregroundMark x1="41111" y1="78889" x2="41111" y2="85333"/>
+                              <a14:foregroundMark x1="41444" y1="86667" x2="41444" y2="91667"/>
+                              <a14:foregroundMark x1="41111" y1="95000" x2="41111" y2="95000"/>
+                              <a14:foregroundMark x1="58333" y1="93111" x2="58333" y2="93111"/>
+                              <a14:foregroundMark x1="58889" y1="93889" x2="55556" y2="92556"/>
+                              <a14:foregroundMark x1="44778" y1="4444" x2="44778" y2="4444"/>
+                              <a14:foregroundMark x1="43889" y1="43333" x2="49444" y2="49222"/>
+                              <a14:foregroundMark x1="50333" y1="42778" x2="49778" y2="52556"/>
+                              <a14:foregroundMark x1="46667" y1="24222" x2="46667" y2="24222"/>
+                              <a14:foregroundMark x1="40889" y1="96444" x2="40889" y2="96444"/>
+                              <a14:foregroundMark x1="40333" y1="26667" x2="40333" y2="26667"/>
+                              <a14:foregroundMark x1="40556" y1="25889" x2="40556" y2="25889"/>
+                              <a14:backgroundMark x1="57000" y1="49778" x2="57000" y2="49778"/>
+                            </a14:backgroundRemoval>
+                          </a14:imgEffect>
+                        </a14:imgLayer>
+                      </a14:imgProps>
+                    </a:ext>
+                    <a:ext uri="{28A0092B-C50C-407E-A947-70E740481C1C}">
+                      <a14:useLocalDpi xmlns:a14="http://schemas.microsoft.com/office/drawing/2010/main" val="0"/>
+                    </a:ext>
+                  </a:extLst>
+                </a:blip>
+                <a:srcRect/>
+                <a:stretch>
+                  <a:fillRect/>
+                </a:stretch>
+              </p:blipFill>
+              <p:spPr bwMode="auto">
+                <a:xfrm>
+                  <a:off x="-125750" y="1515016"/>
+                  <a:ext cx="5287080" cy="5287080"/>
+                </a:xfrm>
+                <a:prstGeom prst="rect">
+                  <a:avLst/>
+                </a:prstGeom>
+                <a:ln>
+                  <a:noFill/>
+                </a:ln>
+                <a:effectLst>
+                  <a:outerShdw blurRad="292100" dist="139700" dir="2700000" algn="tl" rotWithShape="0">
+                    <a:srgbClr val="333333">
+                      <a:alpha val="65000"/>
+                    </a:srgbClr>
+                  </a:outerShdw>
+                </a:effectLst>
+                <a:extLst>
+                  <a:ext uri="{909E8E84-426E-40DD-AFC4-6F175D3DCCD1}">
+                    <a14:hiddenFill xmlns:a14="http://schemas.microsoft.com/office/drawing/2010/main">
+                      <a:solidFill>
+                        <a:srgbClr val="FFFFFF"/>
+                      </a:solidFill>
+                    </a14:hiddenFill>
+                  </a:ext>
+                </a:extLst>
+              </p:spPr>
+            </p:pic>
+          </p:grpSp>
+        </p:grpSp>
       </p:grpSp>
-      <p:sp>
-        <p:nvSpPr>
-          <p:cNvPr id="20" name="TextBox 19">
+      <p:pic>
+        <p:nvPicPr>
+          <p:cNvPr id="24" name="Picture 23" descr="A black silhouette of a person&#10;&#10;Description automatically generated">
             <a:extLst>
               <a:ext uri="{FF2B5EF4-FFF2-40B4-BE49-F238E27FC236}">
-                <a16:creationId xmlns:a16="http://schemas.microsoft.com/office/drawing/2014/main" id="{6C8BD7A8-4014-B303-4F03-344A272C0124}"/>
+                <a16:creationId xmlns:a16="http://schemas.microsoft.com/office/drawing/2014/main" id="{72AA02A0-27A8-2BE4-6995-9ACCE345F81A}"/>
               </a:ext>
             </a:extLst>
           </p:cNvPr>
-          <p:cNvSpPr txBox="1"/>
+          <p:cNvPicPr>
+            <a:picLocks noChangeAspect="1"/>
+          </p:cNvPicPr>
           <p:nvPr/>
-        </p:nvSpPr>
+        </p:nvPicPr>
+        <p:blipFill>
+          <a:blip r:embed="rId17">
+            <a:duotone>
+              <a:schemeClr val="accent2">
+                <a:shade val="45000"/>
+                <a:satMod val="135000"/>
+              </a:schemeClr>
+              <a:prstClr val="white"/>
+            </a:duotone>
+            <a:extLst>
+              <a:ext uri="{28A0092B-C50C-407E-A947-70E740481C1C}">
+                <a14:useLocalDpi xmlns:a14="http://schemas.microsoft.com/office/drawing/2010/main" val="0"/>
+              </a:ext>
+              <a:ext uri="{837473B0-CC2E-450A-ABE3-18F120FF3D39}">
+                <a1611:picAttrSrcUrl xmlns:a1611="http://schemas.microsoft.com/office/drawing/2016/11/main" r:id="rId18"/>
+              </a:ext>
+            </a:extLst>
+          </a:blip>
+          <a:stretch>
+            <a:fillRect/>
+          </a:stretch>
+        </p:blipFill>
         <p:spPr>
           <a:xfrm>
-            <a:off x="-1954582" y="861030"/>
-            <a:ext cx="13725410" cy="461665"/>
+            <a:off x="8012633" y="5428258"/>
+            <a:ext cx="599291" cy="1083382"/>
           </a:xfrm>
           <a:prstGeom prst="rect">
             <a:avLst/>
           </a:prstGeom>
-          <a:noFill/>
+          <a:ln>
+            <a:noFill/>
+          </a:ln>
+          <a:effectLst>
+            <a:outerShdw blurRad="292100" dist="139700" dir="2700000" algn="tl" rotWithShape="0">
+              <a:srgbClr val="333333">
+                <a:alpha val="65000"/>
+              </a:srgbClr>
+            </a:outerShdw>
+          </a:effectLst>
         </p:spPr>
-        <p:txBody>
-          <a:bodyPr wrap="square" rtlCol="0">
-            <a:spAutoFit/>
-          </a:bodyPr>
-          <a:lstStyle/>
-          <a:p>
-            <a:pPr algn="ctr"/>
-            <a:r>
-              <a:rPr lang="es-AR" sz="2400" b="1" u="sng" dirty="0">
-                <a:solidFill>
-                  <a:schemeClr val="tx2">
-                    <a:lumMod val="25000"/>
-                    <a:lumOff val="75000"/>
-                  </a:schemeClr>
-                </a:solidFill>
-                <a:effectLst>
-                  <a:outerShdw blurRad="38100" dist="38100" dir="2700000" algn="tl">
-                    <a:srgbClr val="000000">
-                      <a:alpha val="43137"/>
-                    </a:srgbClr>
-                  </a:outerShdw>
-                </a:effectLst>
-                <a:latin typeface="+mj-lt"/>
-              </a:rPr>
-              <a:t>Predicción de fuga de clientes de negocio de telecomunicaciones</a:t>
-            </a:r>
-            <a:endParaRPr lang="en-US" sz="2400" b="1" u="sng" dirty="0">
-              <a:solidFill>
-                <a:schemeClr val="tx2">
-                  <a:lumMod val="25000"/>
-                  <a:lumOff val="75000"/>
-                </a:schemeClr>
-              </a:solidFill>
-              <a:effectLst>
-                <a:outerShdw blurRad="38100" dist="38100" dir="2700000" algn="tl">
-                  <a:srgbClr val="000000">
-                    <a:alpha val="43137"/>
-                  </a:srgbClr>
-                </a:outerShdw>
-              </a:effectLst>
-              <a:latin typeface="+mj-lt"/>
-            </a:endParaRPr>
-          </a:p>
-        </p:txBody>
-      </p:sp>
+      </p:pic>
+      <p:pic>
+        <p:nvPicPr>
+          <p:cNvPr id="26" name="Graphic 4">
+            <a:extLst>
+              <a:ext uri="{FF2B5EF4-FFF2-40B4-BE49-F238E27FC236}">
+                <a16:creationId xmlns:a16="http://schemas.microsoft.com/office/drawing/2014/main" id="{87C9FA19-E64E-057C-95DA-E2EC73F37A39}"/>
+              </a:ext>
+            </a:extLst>
+          </p:cNvPr>
+          <p:cNvPicPr>
+            <a:picLocks noChangeAspect="1"/>
+          </p:cNvPicPr>
+          <p:nvPr/>
+        </p:nvPicPr>
+        <p:blipFill>
+          <a:blip r:embed="rId14">
+            <a:extLst>
+              <a:ext uri="{28A0092B-C50C-407E-A947-70E740481C1C}">
+                <a14:useLocalDpi xmlns:a14="http://schemas.microsoft.com/office/drawing/2010/main" val="0"/>
+              </a:ext>
+              <a:ext uri="{96DAC541-7B7A-43D3-8B79-37D633B846F1}">
+                <asvg:svgBlip xmlns:asvg="http://schemas.microsoft.com/office/drawing/2016/SVG/main" r:embed="rId15"/>
+              </a:ext>
+              <a:ext uri="{837473B0-CC2E-450A-ABE3-18F120FF3D39}">
+                <a1611:picAttrSrcUrl xmlns:a1611="http://schemas.microsoft.com/office/drawing/2016/11/main" r:id="rId16"/>
+              </a:ext>
+            </a:extLst>
+          </a:blip>
+          <a:stretch>
+            <a:fillRect/>
+          </a:stretch>
+        </p:blipFill>
+        <p:spPr>
+          <a:xfrm>
+            <a:off x="10309352" y="5475834"/>
+            <a:ext cx="996243" cy="1035806"/>
+          </a:xfrm>
+          <a:prstGeom prst="rect">
+            <a:avLst/>
+          </a:prstGeom>
+          <a:effectLst>
+            <a:outerShdw blurRad="292100" dist="139700" dir="2700000" algn="tl" rotWithShape="0">
+              <a:srgbClr val="333333">
+                <a:alpha val="65000"/>
+              </a:srgbClr>
+            </a:outerShdw>
+          </a:effectLst>
+        </p:spPr>
+      </p:pic>
+      <p:pic>
+        <p:nvPicPr>
+          <p:cNvPr id="27" name="Picture 26" descr="A silhouette of a person running&#10;&#10;Description automatically generated">
+            <a:extLst>
+              <a:ext uri="{FF2B5EF4-FFF2-40B4-BE49-F238E27FC236}">
+                <a16:creationId xmlns:a16="http://schemas.microsoft.com/office/drawing/2014/main" id="{ECE24499-8BAE-B145-7A29-C59AFD617FD2}"/>
+              </a:ext>
+            </a:extLst>
+          </p:cNvPr>
+          <p:cNvPicPr>
+            <a:picLocks noChangeAspect="1"/>
+          </p:cNvPicPr>
+          <p:nvPr/>
+        </p:nvPicPr>
+        <p:blipFill>
+          <a:blip r:embed="rId22">
+            <a:duotone>
+              <a:schemeClr val="accent2">
+                <a:shade val="45000"/>
+                <a:satMod val="135000"/>
+              </a:schemeClr>
+              <a:prstClr val="white"/>
+            </a:duotone>
+            <a:extLst>
+              <a:ext uri="{28A0092B-C50C-407E-A947-70E740481C1C}">
+                <a14:useLocalDpi xmlns:a14="http://schemas.microsoft.com/office/drawing/2010/main" val="0"/>
+              </a:ext>
+              <a:ext uri="{837473B0-CC2E-450A-ABE3-18F120FF3D39}">
+                <a1611:picAttrSrcUrl xmlns:a1611="http://schemas.microsoft.com/office/drawing/2016/11/main" r:id="rId23"/>
+              </a:ext>
+            </a:extLst>
+          </a:blip>
+          <a:stretch>
+            <a:fillRect/>
+          </a:stretch>
+        </p:blipFill>
+        <p:spPr>
+          <a:xfrm>
+            <a:off x="9135994" y="5481144"/>
+            <a:ext cx="716705" cy="1057665"/>
+          </a:xfrm>
+          <a:prstGeom prst="rect">
+            <a:avLst/>
+          </a:prstGeom>
+          <a:ln>
+            <a:noFill/>
+          </a:ln>
+          <a:effectLst>
+            <a:outerShdw blurRad="292100" dist="139700" dir="2700000" algn="tl" rotWithShape="0">
+              <a:srgbClr val="333333">
+                <a:alpha val="65000"/>
+              </a:srgbClr>
+            </a:outerShdw>
+          </a:effectLst>
+        </p:spPr>
+      </p:pic>
     </p:spTree>
     <p:extLst>
       <p:ext uri="{BB962C8B-B14F-4D97-AF65-F5344CB8AC3E}">
@@ -15928,8 +14079,8 @@
           <a:stretch/>
         </p:blipFill>
         <p:spPr bwMode="auto">
-          <a:xfrm rot="18012377">
-            <a:off x="7726850" y="5040704"/>
+          <a:xfrm rot="20557654">
+            <a:off x="8706916" y="5008972"/>
             <a:ext cx="1657350" cy="766937"/>
           </a:xfrm>
           <a:prstGeom prst="rect">
@@ -16132,7 +14283,7 @@
         </p:nvSpPr>
         <p:spPr>
           <a:xfrm>
-            <a:off x="2236471" y="1703881"/>
+            <a:off x="2021929" y="1572044"/>
             <a:ext cx="2652899" cy="1015663"/>
           </a:xfrm>
           <a:prstGeom prst="rect">
@@ -16505,8 +14656,8 @@
           </a:stretch>
         </p:blipFill>
         <p:spPr bwMode="auto">
-          <a:xfrm rot="19281178">
-            <a:off x="8293603" y="4884569"/>
+          <a:xfrm rot="19755671">
+            <a:off x="9546719" y="4633705"/>
             <a:ext cx="2004714" cy="1079204"/>
           </a:xfrm>
           <a:prstGeom prst="rect">
@@ -16551,7 +14702,7 @@
         </p:blipFill>
         <p:spPr bwMode="auto">
           <a:xfrm rot="20032014">
-            <a:off x="9723572" y="4896274"/>
+            <a:off x="8237911" y="5109208"/>
             <a:ext cx="1094633" cy="1285876"/>
           </a:xfrm>
           <a:prstGeom prst="rect">
@@ -16596,8 +14747,8 @@
           <a:stretch/>
         </p:blipFill>
         <p:spPr bwMode="auto">
-          <a:xfrm rot="1549274">
-            <a:off x="10476153" y="4570893"/>
+          <a:xfrm rot="19825799">
+            <a:off x="7978566" y="4486859"/>
             <a:ext cx="1388902" cy="965875"/>
           </a:xfrm>
           <a:prstGeom prst="rect">
@@ -17003,512 +15154,6 @@
 </file>
 
 <file path=ppt/slides/slide5.xml><?xml version="1.0" encoding="utf-8"?>
-<p:sld xmlns:a="http://schemas.openxmlformats.org/drawingml/2006/main" xmlns:r="http://schemas.openxmlformats.org/officeDocument/2006/relationships" xmlns:p="http://schemas.openxmlformats.org/presentationml/2006/main">
-  <p:cSld>
-    <p:bg>
-      <p:bgPr>
-        <a:blipFill dpi="0" rotWithShape="1">
-          <a:blip r:embed="rId2">
-            <a:lum/>
-          </a:blip>
-          <a:srcRect/>
-          <a:stretch>
-            <a:fillRect/>
-          </a:stretch>
-        </a:blipFill>
-        <a:effectLst/>
-      </p:bgPr>
-    </p:bg>
-    <p:spTree>
-      <p:nvGrpSpPr>
-        <p:cNvPr id="1" name=""/>
-        <p:cNvGrpSpPr/>
-        <p:nvPr/>
-      </p:nvGrpSpPr>
-      <p:grpSpPr>
-        <a:xfrm>
-          <a:off x="0" y="0"/>
-          <a:ext cx="0" cy="0"/>
-          <a:chOff x="0" y="0"/>
-          <a:chExt cx="0" cy="0"/>
-        </a:xfrm>
-      </p:grpSpPr>
-      <p:graphicFrame>
-        <p:nvGraphicFramePr>
-          <p:cNvPr id="12" name="Diagram 11">
-            <a:extLst>
-              <a:ext uri="{FF2B5EF4-FFF2-40B4-BE49-F238E27FC236}">
-                <a16:creationId xmlns:a16="http://schemas.microsoft.com/office/drawing/2014/main" id="{64E622FC-EA2C-328F-88C5-D6A2654F73E3}"/>
-              </a:ext>
-            </a:extLst>
-          </p:cNvPr>
-          <p:cNvGraphicFramePr/>
-          <p:nvPr>
-            <p:extLst>
-              <p:ext uri="{D42A27DB-BD31-4B8C-83A1-F6EECF244321}">
-                <p14:modId xmlns:p14="http://schemas.microsoft.com/office/powerpoint/2010/main" val="1963319613"/>
-              </p:ext>
-            </p:extLst>
-          </p:nvPr>
-        </p:nvGraphicFramePr>
-        <p:xfrm>
-          <a:off x="1967383" y="719666"/>
-          <a:ext cx="8128000" cy="5418667"/>
-        </p:xfrm>
-        <a:graphic>
-          <a:graphicData uri="http://schemas.openxmlformats.org/drawingml/2006/diagram">
-            <dgm:relIds xmlns:dgm="http://schemas.openxmlformats.org/drawingml/2006/diagram" xmlns:r="http://schemas.openxmlformats.org/officeDocument/2006/relationships" r:dm="rId3" r:lo="rId4" r:qs="rId5" r:cs="rId6"/>
-          </a:graphicData>
-        </a:graphic>
-      </p:graphicFrame>
-      <p:pic>
-        <p:nvPicPr>
-          <p:cNvPr id="2050" name="Picture 2" descr="scikit-learn - Wikipedia">
-            <a:extLst>
-              <a:ext uri="{FF2B5EF4-FFF2-40B4-BE49-F238E27FC236}">
-                <a16:creationId xmlns:a16="http://schemas.microsoft.com/office/drawing/2014/main" id="{EE68C0AD-891D-25FB-C94F-C9EA0443A098}"/>
-              </a:ext>
-            </a:extLst>
-          </p:cNvPr>
-          <p:cNvPicPr>
-            <a:picLocks noChangeAspect="1" noChangeArrowheads="1"/>
-          </p:cNvPicPr>
-          <p:nvPr/>
-        </p:nvPicPr>
-        <p:blipFill>
-          <a:blip r:embed="rId8">
-            <a:extLst>
-              <a:ext uri="{28A0092B-C50C-407E-A947-70E740481C1C}">
-                <a14:useLocalDpi xmlns:a14="http://schemas.microsoft.com/office/drawing/2010/main" val="0"/>
-              </a:ext>
-            </a:extLst>
-          </a:blip>
-          <a:srcRect/>
-          <a:stretch>
-            <a:fillRect/>
-          </a:stretch>
-        </p:blipFill>
-        <p:spPr bwMode="auto">
-          <a:xfrm>
-            <a:off x="5984875" y="3886580"/>
-            <a:ext cx="2732558" cy="1471027"/>
-          </a:xfrm>
-          <a:prstGeom prst="rect">
-            <a:avLst/>
-          </a:prstGeom>
-          <a:noFill/>
-          <a:extLst>
-            <a:ext uri="{909E8E84-426E-40DD-AFC4-6F175D3DCCD1}">
-              <a14:hiddenFill xmlns:a14="http://schemas.microsoft.com/office/drawing/2010/main">
-                <a:solidFill>
-                  <a:srgbClr val="FFFFFF"/>
-                </a:solidFill>
-              </a14:hiddenFill>
-            </a:ext>
-          </a:extLst>
-        </p:spPr>
-      </p:pic>
-      <p:pic>
-        <p:nvPicPr>
-          <p:cNvPr id="1032" name="Picture 8" descr="Pandas got a new logo : r/Python">
-            <a:extLst>
-              <a:ext uri="{FF2B5EF4-FFF2-40B4-BE49-F238E27FC236}">
-                <a16:creationId xmlns:a16="http://schemas.microsoft.com/office/drawing/2014/main" id="{527F48F9-7BCB-B82A-5C2D-6073302FCD65}"/>
-              </a:ext>
-            </a:extLst>
-          </p:cNvPr>
-          <p:cNvPicPr>
-            <a:picLocks noChangeAspect="1" noChangeArrowheads="1"/>
-          </p:cNvPicPr>
-          <p:nvPr/>
-        </p:nvPicPr>
-        <p:blipFill rotWithShape="1">
-          <a:blip r:embed="rId9">
-            <a:extLst>
-              <a:ext uri="{28A0092B-C50C-407E-A947-70E740481C1C}">
-                <a14:useLocalDpi xmlns:a14="http://schemas.microsoft.com/office/drawing/2010/main" val="0"/>
-              </a:ext>
-            </a:extLst>
-          </a:blip>
-          <a:srcRect l="19286" t="13249" r="18571"/>
-          <a:stretch/>
-        </p:blipFill>
-        <p:spPr bwMode="auto">
-          <a:xfrm>
-            <a:off x="5505450" y="1621370"/>
-            <a:ext cx="1657350" cy="766937"/>
-          </a:xfrm>
-          <a:prstGeom prst="rect">
-            <a:avLst/>
-          </a:prstGeom>
-          <a:noFill/>
-          <a:extLst>
-            <a:ext uri="{909E8E84-426E-40DD-AFC4-6F175D3DCCD1}">
-              <a14:hiddenFill xmlns:a14="http://schemas.microsoft.com/office/drawing/2010/main">
-                <a:solidFill>
-                  <a:srgbClr val="FFFFFF"/>
-                </a:solidFill>
-              </a14:hiddenFill>
-            </a:ext>
-          </a:extLst>
-        </p:spPr>
-      </p:pic>
-      <p:pic>
-        <p:nvPicPr>
-          <p:cNvPr id="1034" name="Picture 10" descr="La librería Numpy | Aprende con Alf">
-            <a:extLst>
-              <a:ext uri="{FF2B5EF4-FFF2-40B4-BE49-F238E27FC236}">
-                <a16:creationId xmlns:a16="http://schemas.microsoft.com/office/drawing/2014/main" id="{3310A264-6695-FBD1-E202-F4DC37D658A5}"/>
-              </a:ext>
-            </a:extLst>
-          </p:cNvPr>
-          <p:cNvPicPr>
-            <a:picLocks noChangeAspect="1" noChangeArrowheads="1"/>
-          </p:cNvPicPr>
-          <p:nvPr/>
-        </p:nvPicPr>
-        <p:blipFill rotWithShape="1">
-          <a:blip r:embed="rId10">
-            <a:extLst>
-              <a:ext uri="{28A0092B-C50C-407E-A947-70E740481C1C}">
-                <a14:useLocalDpi xmlns:a14="http://schemas.microsoft.com/office/drawing/2010/main" val="0"/>
-              </a:ext>
-            </a:extLst>
-          </a:blip>
-          <a:srcRect l="35291"/>
-          <a:stretch/>
-        </p:blipFill>
-        <p:spPr bwMode="auto">
-          <a:xfrm rot="20032014">
-            <a:off x="4452323" y="3136176"/>
-            <a:ext cx="1849055" cy="1285876"/>
-          </a:xfrm>
-          <a:prstGeom prst="rect">
-            <a:avLst/>
-          </a:prstGeom>
-          <a:noFill/>
-          <a:extLst>
-            <a:ext uri="{909E8E84-426E-40DD-AFC4-6F175D3DCCD1}">
-              <a14:hiddenFill xmlns:a14="http://schemas.microsoft.com/office/drawing/2010/main">
-                <a:solidFill>
-                  <a:srgbClr val="FFFFFF"/>
-                </a:solidFill>
-              </a14:hiddenFill>
-            </a:ext>
-          </a:extLst>
-        </p:spPr>
-      </p:pic>
-      <p:pic>
-        <p:nvPicPr>
-          <p:cNvPr id="13" name="Picture 10" descr="La librería Numpy | Aprende con Alf">
-            <a:extLst>
-              <a:ext uri="{FF2B5EF4-FFF2-40B4-BE49-F238E27FC236}">
-                <a16:creationId xmlns:a16="http://schemas.microsoft.com/office/drawing/2014/main" id="{6D412F81-4671-87D2-162F-785B72935FE8}"/>
-              </a:ext>
-            </a:extLst>
-          </p:cNvPr>
-          <p:cNvPicPr>
-            <a:picLocks noChangeAspect="1" noChangeArrowheads="1"/>
-          </p:cNvPicPr>
-          <p:nvPr/>
-        </p:nvPicPr>
-        <p:blipFill rotWithShape="1">
-          <a:blip r:embed="rId10">
-            <a:extLst>
-              <a:ext uri="{28A0092B-C50C-407E-A947-70E740481C1C}">
-                <a14:useLocalDpi xmlns:a14="http://schemas.microsoft.com/office/drawing/2010/main" val="0"/>
-              </a:ext>
-            </a:extLst>
-          </a:blip>
-          <a:srcRect r="61693"/>
-          <a:stretch/>
-        </p:blipFill>
-        <p:spPr bwMode="auto">
-          <a:xfrm rot="20032014">
-            <a:off x="4412010" y="2634186"/>
-            <a:ext cx="1094633" cy="1285876"/>
-          </a:xfrm>
-          <a:prstGeom prst="rect">
-            <a:avLst/>
-          </a:prstGeom>
-          <a:noFill/>
-          <a:extLst>
-            <a:ext uri="{909E8E84-426E-40DD-AFC4-6F175D3DCCD1}">
-              <a14:hiddenFill xmlns:a14="http://schemas.microsoft.com/office/drawing/2010/main">
-                <a:solidFill>
-                  <a:srgbClr val="FFFFFF"/>
-                </a:solidFill>
-              </a14:hiddenFill>
-            </a:ext>
-          </a:extLst>
-        </p:spPr>
-      </p:pic>
-      <p:sp>
-        <p:nvSpPr>
-          <p:cNvPr id="14" name="TextBox 13">
-            <a:extLst>
-              <a:ext uri="{FF2B5EF4-FFF2-40B4-BE49-F238E27FC236}">
-                <a16:creationId xmlns:a16="http://schemas.microsoft.com/office/drawing/2014/main" id="{9ABAA255-FB60-24BA-758E-7CACDE3B55BF}"/>
-              </a:ext>
-            </a:extLst>
-          </p:cNvPr>
-          <p:cNvSpPr txBox="1"/>
-          <p:nvPr/>
-        </p:nvSpPr>
-        <p:spPr>
-          <a:xfrm>
-            <a:off x="1792837" y="719666"/>
-            <a:ext cx="2652899" cy="1384995"/>
-          </a:xfrm>
-          <a:prstGeom prst="rect">
-            <a:avLst/>
-          </a:prstGeom>
-          <a:noFill/>
-        </p:spPr>
-        <p:txBody>
-          <a:bodyPr wrap="square" rtlCol="0">
-            <a:spAutoFit/>
-          </a:bodyPr>
-          <a:lstStyle/>
-          <a:p>
-            <a:pPr algn="ctr"/>
-            <a:r>
-              <a:rPr lang="es-AR" sz="2800" b="1" dirty="0">
-                <a:solidFill>
-                  <a:schemeClr val="bg2"/>
-                </a:solidFill>
-                <a:effectLst>
-                  <a:outerShdw blurRad="38100" dist="38100" dir="2700000" algn="tl">
-                    <a:srgbClr val="000000">
-                      <a:alpha val="43137"/>
-                    </a:srgbClr>
-                  </a:outerShdw>
-                </a:effectLst>
-              </a:rPr>
-              <a:t>Data </a:t>
-            </a:r>
-            <a:r>
-              <a:rPr lang="es-AR" sz="2800" b="1" dirty="0" err="1">
-                <a:solidFill>
-                  <a:schemeClr val="bg2"/>
-                </a:solidFill>
-                <a:effectLst>
-                  <a:outerShdw blurRad="38100" dist="38100" dir="2700000" algn="tl">
-                    <a:srgbClr val="000000">
-                      <a:alpha val="43137"/>
-                    </a:srgbClr>
-                  </a:outerShdw>
-                </a:effectLst>
-              </a:rPr>
-              <a:t>cleaning</a:t>
-            </a:r>
-            <a:r>
-              <a:rPr lang="es-AR" sz="2800" b="1" dirty="0">
-                <a:solidFill>
-                  <a:schemeClr val="bg2"/>
-                </a:solidFill>
-                <a:effectLst>
-                  <a:outerShdw blurRad="38100" dist="38100" dir="2700000" algn="tl">
-                    <a:srgbClr val="000000">
-                      <a:alpha val="43137"/>
-                    </a:srgbClr>
-                  </a:outerShdw>
-                </a:effectLst>
-              </a:rPr>
-              <a:t> – valores nulos - duplicados</a:t>
-            </a:r>
-            <a:endParaRPr lang="en-US" sz="2800" b="1" dirty="0">
-              <a:solidFill>
-                <a:schemeClr val="bg2"/>
-              </a:solidFill>
-              <a:effectLst>
-                <a:outerShdw blurRad="38100" dist="38100" dir="2700000" algn="tl">
-                  <a:srgbClr val="000000">
-                    <a:alpha val="43137"/>
-                  </a:srgbClr>
-                </a:outerShdw>
-              </a:effectLst>
-            </a:endParaRPr>
-          </a:p>
-        </p:txBody>
-      </p:sp>
-      <p:sp>
-        <p:nvSpPr>
-          <p:cNvPr id="15" name="TextBox 14">
-            <a:extLst>
-              <a:ext uri="{FF2B5EF4-FFF2-40B4-BE49-F238E27FC236}">
-                <a16:creationId xmlns:a16="http://schemas.microsoft.com/office/drawing/2014/main" id="{D150E563-4169-E8E1-DBEC-D03BB702A08C}"/>
-              </a:ext>
-            </a:extLst>
-          </p:cNvPr>
-          <p:cNvSpPr txBox="1"/>
-          <p:nvPr/>
-        </p:nvSpPr>
-        <p:spPr>
-          <a:xfrm>
-            <a:off x="924738" y="4322451"/>
-            <a:ext cx="3338909" cy="1815882"/>
-          </a:xfrm>
-          <a:prstGeom prst="rect">
-            <a:avLst/>
-          </a:prstGeom>
-          <a:noFill/>
-        </p:spPr>
-        <p:txBody>
-          <a:bodyPr wrap="square" rtlCol="0">
-            <a:spAutoFit/>
-          </a:bodyPr>
-          <a:lstStyle/>
-          <a:p>
-            <a:pPr algn="ctr"/>
-            <a:r>
-              <a:rPr lang="es-AR" sz="2800" b="1" dirty="0">
-                <a:solidFill>
-                  <a:schemeClr val="bg2"/>
-                </a:solidFill>
-                <a:effectLst>
-                  <a:outerShdw blurRad="38100" dist="38100" dir="2700000" algn="tl">
-                    <a:srgbClr val="000000">
-                      <a:alpha val="43137"/>
-                    </a:srgbClr>
-                  </a:outerShdw>
-                </a:effectLst>
-              </a:rPr>
-              <a:t>Selección –transformación de variables - </a:t>
-            </a:r>
-            <a:r>
-              <a:rPr lang="es-AR" sz="2800" b="1" dirty="0" err="1">
-                <a:solidFill>
-                  <a:schemeClr val="bg2"/>
-                </a:solidFill>
-                <a:effectLst>
-                  <a:outerShdw blurRad="38100" dist="38100" dir="2700000" algn="tl">
-                    <a:srgbClr val="000000">
-                      <a:alpha val="43137"/>
-                    </a:srgbClr>
-                  </a:outerShdw>
-                </a:effectLst>
-              </a:rPr>
-              <a:t>One</a:t>
-            </a:r>
-            <a:r>
-              <a:rPr lang="es-AR" sz="2800" b="1" dirty="0">
-                <a:solidFill>
-                  <a:schemeClr val="bg2"/>
-                </a:solidFill>
-                <a:effectLst>
-                  <a:outerShdw blurRad="38100" dist="38100" dir="2700000" algn="tl">
-                    <a:srgbClr val="000000">
-                      <a:alpha val="43137"/>
-                    </a:srgbClr>
-                  </a:outerShdw>
-                </a:effectLst>
-              </a:rPr>
-              <a:t> Hot </a:t>
-            </a:r>
-            <a:r>
-              <a:rPr lang="es-AR" sz="2800" b="1" dirty="0" err="1">
-                <a:solidFill>
-                  <a:schemeClr val="bg2"/>
-                </a:solidFill>
-                <a:effectLst>
-                  <a:outerShdw blurRad="38100" dist="38100" dir="2700000" algn="tl">
-                    <a:srgbClr val="000000">
-                      <a:alpha val="43137"/>
-                    </a:srgbClr>
-                  </a:outerShdw>
-                </a:effectLst>
-              </a:rPr>
-              <a:t>Encoding</a:t>
-            </a:r>
-            <a:endParaRPr lang="en-US" sz="2800" b="1" dirty="0">
-              <a:solidFill>
-                <a:schemeClr val="bg2"/>
-              </a:solidFill>
-              <a:effectLst>
-                <a:outerShdw blurRad="38100" dist="38100" dir="2700000" algn="tl">
-                  <a:srgbClr val="000000">
-                    <a:alpha val="43137"/>
-                  </a:srgbClr>
-                </a:outerShdw>
-              </a:effectLst>
-            </a:endParaRPr>
-          </a:p>
-        </p:txBody>
-      </p:sp>
-      <p:sp>
-        <p:nvSpPr>
-          <p:cNvPr id="16" name="TextBox 15">
-            <a:extLst>
-              <a:ext uri="{FF2B5EF4-FFF2-40B4-BE49-F238E27FC236}">
-                <a16:creationId xmlns:a16="http://schemas.microsoft.com/office/drawing/2014/main" id="{9A82B798-F090-67CF-7AF6-7A19E9A4ABA6}"/>
-              </a:ext>
-            </a:extLst>
-          </p:cNvPr>
-          <p:cNvSpPr txBox="1"/>
-          <p:nvPr/>
-        </p:nvSpPr>
-        <p:spPr>
-          <a:xfrm>
-            <a:off x="9245148" y="2305614"/>
-            <a:ext cx="2652899" cy="1815882"/>
-          </a:xfrm>
-          <a:prstGeom prst="rect">
-            <a:avLst/>
-          </a:prstGeom>
-          <a:noFill/>
-        </p:spPr>
-        <p:txBody>
-          <a:bodyPr wrap="square" rtlCol="0">
-            <a:spAutoFit/>
-          </a:bodyPr>
-          <a:lstStyle/>
-          <a:p>
-            <a:pPr algn="ctr"/>
-            <a:r>
-              <a:rPr lang="es-AR" sz="2800" b="1" dirty="0">
-                <a:solidFill>
-                  <a:schemeClr val="bg2"/>
-                </a:solidFill>
-                <a:effectLst>
-                  <a:outerShdw blurRad="38100" dist="38100" dir="2700000" algn="tl">
-                    <a:srgbClr val="000000">
-                      <a:alpha val="43137"/>
-                    </a:srgbClr>
-                  </a:outerShdw>
-                </a:effectLst>
-              </a:rPr>
-              <a:t>Entrenamiento de modelos – evaluación de métricas</a:t>
-            </a:r>
-            <a:endParaRPr lang="en-US" sz="2800" b="1" dirty="0">
-              <a:solidFill>
-                <a:schemeClr val="bg2"/>
-              </a:solidFill>
-              <a:effectLst>
-                <a:outerShdw blurRad="38100" dist="38100" dir="2700000" algn="tl">
-                  <a:srgbClr val="000000">
-                    <a:alpha val="43137"/>
-                  </a:srgbClr>
-                </a:outerShdw>
-              </a:effectLst>
-            </a:endParaRPr>
-          </a:p>
-        </p:txBody>
-      </p:sp>
-    </p:spTree>
-    <p:extLst>
-      <p:ext uri="{BB962C8B-B14F-4D97-AF65-F5344CB8AC3E}">
-        <p14:creationId xmlns:p14="http://schemas.microsoft.com/office/powerpoint/2010/main" val="1023912509"/>
-      </p:ext>
-    </p:extLst>
-  </p:cSld>
-  <p:clrMapOvr>
-    <a:masterClrMapping/>
-  </p:clrMapOvr>
-</p:sld>
-</file>
-
-<file path=ppt/slides/slide6.xml><?xml version="1.0" encoding="utf-8"?>
 <p:sld xmlns:a="http://schemas.openxmlformats.org/drawingml/2006/main" xmlns:r="http://schemas.openxmlformats.org/officeDocument/2006/relationships" xmlns:p="http://schemas.openxmlformats.org/presentationml/2006/main">
   <p:cSld>
     <p:bg>
@@ -18537,23 +16182,23 @@
     <we:reference id="WA200003233" version="2.0.0.3" store="" storeType="OMEX"/>
   </we:alternateReferences>
   <we:properties>
-    <we:property name="reportUrl" value="&quot;/groups/me/reports/20cbbbf9-3b61-4134-b882-01e564158e8a/ReportSection878cf147d45abb1b7b71?bookmarkGuid=0dafd3e5-dd07-4354-a559-b664d5ad1b7c&amp;bookmarkUsage=1&amp;ctid=85a8b2a4-8fdb-472f-b778-8d6c8b952f5b&amp;fromEntryPoint=export&amp;pbi_source=storytelling_addin&quot;"/>
-    <we:property name="reportName" value="&quot;Tablero_DataCompass&quot;"/>
-    <we:property name="reportState" value="&quot;CONNECTED&quot;"/>
-    <we:property name="embedUrl" value="&quot;/reportEmbed?reportId=20cbbbf9-3b61-4134-b882-01e564158e8a&amp;config=eyJjbHVzdGVyVXJsIjoiaHR0cHM6Ly9XQUJJLVBBQVMtMS1TQ1VTLXJlZGlyZWN0LmFuYWx5c2lzLndpbmRvd3MubmV0IiwiZW1iZWRGZWF0dXJlcyI6eyJ1c2FnZU1ldHJpY3NWTmV4dCI6dHJ1ZX19&amp;disableSensitivityBanner=true&quot;"/>
-    <we:property name="pageName" value="&quot;ReportSection878cf147d45abb1b7b71&quot;"/>
-    <we:property name="pageDisplayName" value="&quot;Menu&quot;"/>
-    <we:property name="datasetId" value="&quot;c7cfde24-7c50-42fe-89cf-8dff2416fbe0&quot;"/>
+    <we:property name="artifactViewState" value="&quot;live&quot;"/>
     <we:property name="backgroundColor" value="&quot;#FFFFFF&quot;"/>
     <we:property name="bookmark" value="&quot;H4sIAAAAAAAAA6VSPW/jMAz9KwfNQWHZkqV07K2HomiKLkUHyqIDtYplyHSQXpD/fpQdoMMNHTLog4/Ue48Cz8KHaYzw9QgHFPfiIaXPA+TPX1JsxLBiqKGCtukBlPe1b8C2lrNppJCGSdyfBUHeI72GaYZYiBh8e98IiPEJ9iXqIU64ESPmKQ0Qw19cizlFecbLRuBpjClDodwREBbaI5dzzBbkXcOK0FE44g47WtFnHFOma2yN7XqpjFcanJPOOFN6mNbsYvPn+iK6GPudBoIwsIGC9Q7qGq3eGqN8DRU6bAo+hWEfr618v335Gsu3EZ7IpVP5KffBmoXpcuFWbe9a1eut6qq2tV5Xna5+ZIPF9MNMxK3/R+mkRGN7retGYSWVtM7fSOm3TeXlVre11Z23VeN0eyMlODCgVa15WY/eaMSbKBfWb0QckOewXNJM0wgdPsHA8dtZjDnx8FHApY6HDQY2cL3ncv4JhHnVf4U4F+llasUi8162fx4VrRstAwAA&quot;"/>
+    <we:property name="creatorSessionId" value="&quot;2320c77e-54d9-422a-b063-fdab75b3ebbc&quot;"/>
+    <we:property name="creatorTenantId" value="&quot;85a8b2a4-8fdb-472f-b778-8d6c8b952f5b&quot;"/>
+    <we:property name="creatorUserId" value="&quot;10032001F55AB071&quot;"/>
+    <we:property name="datasetId" value="&quot;c7cfde24-7c50-42fe-89cf-8dff2416fbe0&quot;"/>
+    <we:property name="embedUrl" value="&quot;/reportEmbed?reportId=20cbbbf9-3b61-4134-b882-01e564158e8a&amp;config=eyJjbHVzdGVyVXJsIjoiaHR0cHM6Ly9XQUJJLVBBQVMtMS1TQ1VTLXJlZGlyZWN0LmFuYWx5c2lzLndpbmRvd3MubmV0IiwiZW1iZWRGZWF0dXJlcyI6eyJ1c2FnZU1ldHJpY3NWTmV4dCI6dHJ1ZX19&amp;disableSensitivityBanner=true&quot;"/>
     <we:property name="initialStateBookmark" value="&quot;H4sIAAAAAAAAA6VSTU/rMBD8K8jnCsVJHLvcAHHi8SF44oIQWsebyg83jpwNKq/qf2edVuLAoYce4njH65lZa7bC+XEI8HUPaxQX4irGjzWkjzMpFqI/YA8Pt3eXT7fv95d3NwzHgXzsR3GxFQRphfTixwlCZmDw9W0hIIRHWOWqgzDiQgyYxthD8P9x38xHlCbcLQRuhhATZMpnAsJM+8ntXLO2PK9YEVryn/iMLe3RJxxiokNttGk7WWtXK7BWWm11Nj/uT2ebx/uz6GzsOvYEvmcDGesslCUatdS6diUUaLHK+Oj7VTiM8nP379eQ34twQzZu8kvZf6yZmXY7HtV0tqk7tazbommMU0WriqNsMJu+moh49F+UVkrUplOqrGosZC2NdSdSumVVOLlUTWlU60xRWdWcSAkWNKi6VPwZh04rxJMoZ9YfRKyRc5g3caJxgBYfoef6dSuGFDl85HHu47BBzwYO+5T/fzxh2uu/QJiy9JxaMYuwJW8DHrmQsyxmW295+QZiULbHVgMAAA==&quot;"/>
     <we:property name="isFiltersActionButtonVisible" value="true"/>
     <we:property name="isVisualContainerHeaderHidden" value="false"/>
+    <we:property name="pageDisplayName" value="&quot;Menu&quot;"/>
+    <we:property name="pageName" value="&quot;ReportSection878cf147d45abb1b7b71&quot;"/>
     <we:property name="reportEmbeddedTime" value="&quot;2024-06-12T00:25:20.126Z&quot;"/>
-    <we:property name="creatorTenantId" value="&quot;85a8b2a4-8fdb-472f-b778-8d6c8b952f5b&quot;"/>
-    <we:property name="creatorUserId" value="&quot;10032001F55AB071&quot;"/>
-    <we:property name="creatorSessionId" value="&quot;2320c77e-54d9-422a-b063-fdab75b3ebbc&quot;"/>
-    <we:property name="artifactViewState" value="&quot;live&quot;"/>
+    <we:property name="reportName" value="&quot;Tablero_DataCompass&quot;"/>
+    <we:property name="reportState" value="&quot;CONNECTED&quot;"/>
+    <we:property name="reportUrl" value="&quot;/groups/me/reports/20cbbbf9-3b61-4134-b882-01e564158e8a/ReportSection878cf147d45abb1b7b71?bookmarkGuid=0dafd3e5-dd07-4354-a559-b664d5ad1b7c&amp;bookmarkUsage=1&amp;ctid=85a8b2a4-8fdb-472f-b778-8d6c8b952f5b&amp;fromEntryPoint=export&amp;pbi_source=storytelling_addin&quot;"/>
   </we:properties>
   <we:bindings/>
   <we:snapshot xmlns:r="http://schemas.openxmlformats.org/officeDocument/2006/relationships"/>
@@ -18570,15 +16215,6 @@
 </file>
 
 <file path=customXml/item2.xml><?xml version="1.0" encoding="utf-8"?>
-<?mso-contentType ?>
-<FormTemplates xmlns="http://schemas.microsoft.com/sharepoint/v3/contenttype/forms">
-  <Display>DocumentLibraryForm</Display>
-  <Edit>DocumentLibraryForm</Edit>
-  <New>DocumentLibraryForm</New>
-</FormTemplates>
-</file>
-
-<file path=customXml/item3.xml><?xml version="1.0" encoding="utf-8"?>
 <ct:contentTypeSchema xmlns:ct="http://schemas.microsoft.com/office/2006/metadata/contentType" xmlns:ma="http://schemas.microsoft.com/office/2006/metadata/properties/metaAttributes" ct:_="" ma:_="" ma:contentTypeName="Document" ma:contentTypeID="0x010100CD401524DC532D42A0E0ED886331A72B" ma:contentTypeVersion="15" ma:contentTypeDescription="Create a new document." ma:contentTypeScope="" ma:versionID="aba17d7263e5a17e1efe42a3571abb41">
   <xsd:schema xmlns:xsd="http://www.w3.org/2001/XMLSchema" xmlns:xs="http://www.w3.org/2001/XMLSchema" xmlns:p="http://schemas.microsoft.com/office/2006/metadata/properties" xmlns:ns2="f577acbf-5b0b-4b4f-9948-268e97f8d3a4" xmlns:ns3="b1e4d6ee-9f6f-43f8-a618-24f3d84da28f" targetNamespace="http://schemas.microsoft.com/office/2006/metadata/properties" ma:root="true" ma:fieldsID="e4e3c9c8ed1c3d723d02c9f1cb24d19a" ns2:_="" ns3:_="">
     <xsd:import namespace="f577acbf-5b0b-4b4f-9948-268e97f8d3a4"/>
@@ -18834,6 +16470,15 @@
 </ct:contentTypeSchema>
 </file>
 
+<file path=customXml/item3.xml><?xml version="1.0" encoding="utf-8"?>
+<?mso-contentType ?>
+<FormTemplates xmlns="http://schemas.microsoft.com/sharepoint/v3/contenttype/forms">
+  <Display>DocumentLibraryForm</Display>
+  <Edit>DocumentLibraryForm</Edit>
+  <New>DocumentLibraryForm</New>
+</FormTemplates>
+</file>
+
 <file path=customXml/itemProps1.xml><?xml version="1.0" encoding="utf-8"?>
 <ds:datastoreItem xmlns:ds="http://schemas.openxmlformats.org/officeDocument/2006/customXml" ds:itemID="{617AB1FA-2F28-4684-9230-02ACEB6C0B0A}">
   <ds:schemaRefs>
@@ -18852,14 +16497,6 @@
 </file>
 
 <file path=customXml/itemProps2.xml><?xml version="1.0" encoding="utf-8"?>
-<ds:datastoreItem xmlns:ds="http://schemas.openxmlformats.org/officeDocument/2006/customXml" ds:itemID="{E21AFCC0-734A-4A90-A597-A1CB34860DCD}">
-  <ds:schemaRefs>
-    <ds:schemaRef ds:uri="http://schemas.microsoft.com/sharepoint/v3/contenttype/forms"/>
-  </ds:schemaRefs>
-</ds:datastoreItem>
-</file>
-
-<file path=customXml/itemProps3.xml><?xml version="1.0" encoding="utf-8"?>
 <ds:datastoreItem xmlns:ds="http://schemas.openxmlformats.org/officeDocument/2006/customXml" ds:itemID="{1DD29C39-1C4E-4B06-A1F4-2510F2DACF6E}">
   <ds:schemaRefs>
     <ds:schemaRef ds:uri="http://schemas.microsoft.com/office/2006/metadata/contentType"/>
@@ -18876,4 +16513,12 @@
     <ds:schemaRef ds:uri="http://schemas.microsoft.com/internal/obd"/>
   </ds:schemaRefs>
 </ds:datastoreItem>
+</file>
+
+<file path=customXml/itemProps3.xml><?xml version="1.0" encoding="utf-8"?>
+<ds:datastoreItem xmlns:ds="http://schemas.openxmlformats.org/officeDocument/2006/customXml" ds:itemID="{E21AFCC0-734A-4A90-A597-A1CB34860DCD}">
+  <ds:schemaRefs>
+    <ds:schemaRef ds:uri="http://schemas.microsoft.com/sharepoint/v3/contenttype/forms"/>
+  </ds:schemaRefs>
+</ds:datastoreItem>
 </file>